--- a/CVOE/3 Presentations/maxwell_data blitz slides.pptx
+++ b/CVOE/3 Presentations/maxwell_data blitz slides.pptx
@@ -9,10 +9,10 @@
   </p:notesMasterIdLst>
   <p:sldIdLst>
     <p:sldId id="256" r:id="rId2"/>
-    <p:sldId id="309" r:id="rId3"/>
-    <p:sldId id="304" r:id="rId4"/>
-    <p:sldId id="307" r:id="rId5"/>
-    <p:sldId id="310" r:id="rId6"/>
+    <p:sldId id="304" r:id="rId3"/>
+    <p:sldId id="309" r:id="rId4"/>
+    <p:sldId id="310" r:id="rId5"/>
+    <p:sldId id="311" r:id="rId6"/>
     <p:sldId id="290" r:id="rId7"/>
   </p:sldIdLst>
   <p:sldSz cx="9144000" cy="6858000" type="screen4x3"/>
@@ -138,13 +138,353 @@
 <file path=ppt/revisionInfo.xml><?xml version="1.0" encoding="utf-8"?>
 <p1510:revInfo xmlns:a="http://schemas.openxmlformats.org/drawingml/2006/main" xmlns:r="http://schemas.openxmlformats.org/officeDocument/2006/relationships" xmlns:p1510="http://schemas.microsoft.com/office/powerpoint/2015/10/main">
   <p1510:revLst>
-    <p1510:client id="{81B0F86F-0A9E-4AEA-B4C7-21E32CBD3E04}" v="247" dt="2019-04-23T15:11:29.804"/>
+    <p1510:client id="{81B0F86F-0A9E-4AEA-B4C7-21E32CBD3E04}" v="1594" dt="2019-04-24T15:32:53.927"/>
   </p1510:revLst>
 </p1510:revInfo>
 </file>
 
 <file path=ppt/changesInfos/changesInfo1.xml><?xml version="1.0" encoding="utf-8"?>
 <pc:chgInfo xmlns:a="http://schemas.openxmlformats.org/drawingml/2006/main" xmlns:r="http://schemas.openxmlformats.org/officeDocument/2006/relationships" xmlns:ac="http://schemas.microsoft.com/office/drawing/2013/main/command" xmlns:pc="http://schemas.microsoft.com/office/powerpoint/2013/main/command">
+  <pc:docChgLst>
+    <pc:chgData name="Nick Maxwell" userId="8614ede61265de7b" providerId="LiveId" clId="{81B0F86F-0A9E-4AEA-B4C7-21E32CBD3E04}"/>
+    <pc:docChg chg="undo custSel addSld delSld modSld sldOrd">
+      <pc:chgData name="Nick Maxwell" userId="8614ede61265de7b" providerId="LiveId" clId="{81B0F86F-0A9E-4AEA-B4C7-21E32CBD3E04}" dt="2019-04-25T18:52:23.502" v="4036" actId="20577"/>
+      <pc:docMkLst>
+        <pc:docMk/>
+      </pc:docMkLst>
+      <pc:sldChg chg="modSp">
+        <pc:chgData name="Nick Maxwell" userId="8614ede61265de7b" providerId="LiveId" clId="{81B0F86F-0A9E-4AEA-B4C7-21E32CBD3E04}" dt="2019-04-24T00:33:05.389" v="1221" actId="20577"/>
+        <pc:sldMkLst>
+          <pc:docMk/>
+          <pc:sldMk cId="4150839734" sldId="256"/>
+        </pc:sldMkLst>
+        <pc:spChg chg="mod">
+          <ac:chgData name="Nick Maxwell" userId="8614ede61265de7b" providerId="LiveId" clId="{81B0F86F-0A9E-4AEA-B4C7-21E32CBD3E04}" dt="2019-04-24T00:33:05.389" v="1221" actId="20577"/>
+          <ac:spMkLst>
+            <pc:docMk/>
+            <pc:sldMk cId="4150839734" sldId="256"/>
+            <ac:spMk id="2" creationId="{00000000-0000-0000-0000-000000000000}"/>
+          </ac:spMkLst>
+        </pc:spChg>
+      </pc:sldChg>
+      <pc:sldChg chg="modSp modNotesTx">
+        <pc:chgData name="Nick Maxwell" userId="8614ede61265de7b" providerId="LiveId" clId="{81B0F86F-0A9E-4AEA-B4C7-21E32CBD3E04}" dt="2019-04-25T18:42:21.321" v="3984" actId="20577"/>
+        <pc:sldMkLst>
+          <pc:docMk/>
+          <pc:sldMk cId="3150369643" sldId="290"/>
+        </pc:sldMkLst>
+        <pc:spChg chg="mod">
+          <ac:chgData name="Nick Maxwell" userId="8614ede61265de7b" providerId="LiveId" clId="{81B0F86F-0A9E-4AEA-B4C7-21E32CBD3E04}" dt="2019-04-24T15:32:53.927" v="1267" actId="20577"/>
+          <ac:spMkLst>
+            <pc:docMk/>
+            <pc:sldMk cId="3150369643" sldId="290"/>
+            <ac:spMk id="2" creationId="{FA8CB1AB-041A-43B3-8305-A0D4EA325514}"/>
+          </ac:spMkLst>
+        </pc:spChg>
+        <pc:spChg chg="mod">
+          <ac:chgData name="Nick Maxwell" userId="8614ede61265de7b" providerId="LiveId" clId="{81B0F86F-0A9E-4AEA-B4C7-21E32CBD3E04}" dt="2019-04-24T00:11:35.209" v="1022" actId="20577"/>
+          <ac:spMkLst>
+            <pc:docMk/>
+            <pc:sldMk cId="3150369643" sldId="290"/>
+            <ac:spMk id="3" creationId="{E10E4579-B041-4FDA-9ED9-29F0A514A1A4}"/>
+          </ac:spMkLst>
+        </pc:spChg>
+      </pc:sldChg>
+      <pc:sldChg chg="addSp delSp modSp modAnim modNotesTx">
+        <pc:chgData name="Nick Maxwell" userId="8614ede61265de7b" providerId="LiveId" clId="{81B0F86F-0A9E-4AEA-B4C7-21E32CBD3E04}" dt="2019-04-25T18:50:58.755" v="4007" actId="20577"/>
+        <pc:sldMkLst>
+          <pc:docMk/>
+          <pc:sldMk cId="176995655" sldId="304"/>
+        </pc:sldMkLst>
+        <pc:spChg chg="mod">
+          <ac:chgData name="Nick Maxwell" userId="8614ede61265de7b" providerId="LiveId" clId="{81B0F86F-0A9E-4AEA-B4C7-21E32CBD3E04}" dt="2019-04-23T23:57:27.087" v="367" actId="20577"/>
+          <ac:spMkLst>
+            <pc:docMk/>
+            <pc:sldMk cId="176995655" sldId="304"/>
+            <ac:spMk id="2" creationId="{543B3268-E9EA-44E4-ACDD-CE6AB485DB7F}"/>
+          </ac:spMkLst>
+        </pc:spChg>
+        <pc:spChg chg="mod">
+          <ac:chgData name="Nick Maxwell" userId="8614ede61265de7b" providerId="LiveId" clId="{81B0F86F-0A9E-4AEA-B4C7-21E32CBD3E04}" dt="2019-04-25T18:50:25.382" v="3990" actId="5793"/>
+          <ac:spMkLst>
+            <pc:docMk/>
+            <pc:sldMk cId="176995655" sldId="304"/>
+            <ac:spMk id="3" creationId="{5E7555E2-8326-4748-BCA4-EEAC4266F2D8}"/>
+          </ac:spMkLst>
+        </pc:spChg>
+        <pc:graphicFrameChg chg="add del mod">
+          <ac:chgData name="Nick Maxwell" userId="8614ede61265de7b" providerId="LiveId" clId="{81B0F86F-0A9E-4AEA-B4C7-21E32CBD3E04}" dt="2019-04-23T23:42:09.855" v="110" actId="478"/>
+          <ac:graphicFrameMkLst>
+            <pc:docMk/>
+            <pc:sldMk cId="176995655" sldId="304"/>
+            <ac:graphicFrameMk id="4" creationId="{6A0FE73D-90C3-4C66-80E0-13F64AFDC924}"/>
+          </ac:graphicFrameMkLst>
+        </pc:graphicFrameChg>
+      </pc:sldChg>
+      <pc:sldChg chg="addSp delSp modSp del ord">
+        <pc:chgData name="Nick Maxwell" userId="8614ede61265de7b" providerId="LiveId" clId="{81B0F86F-0A9E-4AEA-B4C7-21E32CBD3E04}" dt="2019-04-24T00:10:24.220" v="831" actId="2696"/>
+        <pc:sldMkLst>
+          <pc:docMk/>
+          <pc:sldMk cId="1150637837" sldId="307"/>
+        </pc:sldMkLst>
+        <pc:spChg chg="mod">
+          <ac:chgData name="Nick Maxwell" userId="8614ede61265de7b" providerId="LiveId" clId="{81B0F86F-0A9E-4AEA-B4C7-21E32CBD3E04}" dt="2019-04-23T23:48:10.364" v="185" actId="20577"/>
+          <ac:spMkLst>
+            <pc:docMk/>
+            <pc:sldMk cId="1150637837" sldId="307"/>
+            <ac:spMk id="2" creationId="{F65B857A-6166-41F0-A5E2-11ABA91F0A34}"/>
+          </ac:spMkLst>
+        </pc:spChg>
+        <pc:graphicFrameChg chg="mod">
+          <ac:chgData name="Nick Maxwell" userId="8614ede61265de7b" providerId="LiveId" clId="{81B0F86F-0A9E-4AEA-B4C7-21E32CBD3E04}" dt="2019-04-23T23:42:38.332" v="112" actId="1076"/>
+          <ac:graphicFrameMkLst>
+            <pc:docMk/>
+            <pc:sldMk cId="1150637837" sldId="307"/>
+            <ac:graphicFrameMk id="5" creationId="{C7397290-D9C7-49D2-AFDD-57E88AA3F863}"/>
+          </ac:graphicFrameMkLst>
+        </pc:graphicFrameChg>
+        <pc:graphicFrameChg chg="add del mod">
+          <ac:chgData name="Nick Maxwell" userId="8614ede61265de7b" providerId="LiveId" clId="{81B0F86F-0A9E-4AEA-B4C7-21E32CBD3E04}" dt="2019-04-23T23:41:36.249" v="100"/>
+          <ac:graphicFrameMkLst>
+            <pc:docMk/>
+            <pc:sldMk cId="1150637837" sldId="307"/>
+            <ac:graphicFrameMk id="6" creationId="{7EAAD645-3EFA-4741-AE35-FBED51DBC814}"/>
+          </ac:graphicFrameMkLst>
+        </pc:graphicFrameChg>
+        <pc:graphicFrameChg chg="add del mod">
+          <ac:chgData name="Nick Maxwell" userId="8614ede61265de7b" providerId="LiveId" clId="{81B0F86F-0A9E-4AEA-B4C7-21E32CBD3E04}" dt="2019-04-23T23:41:57.800" v="106"/>
+          <ac:graphicFrameMkLst>
+            <pc:docMk/>
+            <pc:sldMk cId="1150637837" sldId="307"/>
+            <ac:graphicFrameMk id="8" creationId="{756828E8-5F81-4F54-8B0D-E0D70F053086}"/>
+          </ac:graphicFrameMkLst>
+        </pc:graphicFrameChg>
+      </pc:sldChg>
+      <pc:sldChg chg="addSp delSp modSp ord modAnim modNotesTx">
+        <pc:chgData name="Nick Maxwell" userId="8614ede61265de7b" providerId="LiveId" clId="{81B0F86F-0A9E-4AEA-B4C7-21E32CBD3E04}" dt="2019-04-25T18:22:11.916" v="3148" actId="1038"/>
+        <pc:sldMkLst>
+          <pc:docMk/>
+          <pc:sldMk cId="2141271861" sldId="309"/>
+        </pc:sldMkLst>
+        <pc:spChg chg="add del mod">
+          <ac:chgData name="Nick Maxwell" userId="8614ede61265de7b" providerId="LiveId" clId="{81B0F86F-0A9E-4AEA-B4C7-21E32CBD3E04}" dt="2019-04-25T17:39:16.047" v="2071"/>
+          <ac:spMkLst>
+            <pc:docMk/>
+            <pc:sldMk cId="2141271861" sldId="309"/>
+            <ac:spMk id="3" creationId="{3B3AFD95-6D79-42D1-9DC2-BF6FEA177AA0}"/>
+          </ac:spMkLst>
+        </pc:spChg>
+        <pc:spChg chg="add del mod">
+          <ac:chgData name="Nick Maxwell" userId="8614ede61265de7b" providerId="LiveId" clId="{81B0F86F-0A9E-4AEA-B4C7-21E32CBD3E04}" dt="2019-04-25T17:42:14.427" v="2086" actId="478"/>
+          <ac:spMkLst>
+            <pc:docMk/>
+            <pc:sldMk cId="2141271861" sldId="309"/>
+            <ac:spMk id="4" creationId="{28F19D9E-062D-44DA-86C7-4176C24C600A}"/>
+          </ac:spMkLst>
+        </pc:spChg>
+        <pc:spChg chg="add del mod">
+          <ac:chgData name="Nick Maxwell" userId="8614ede61265de7b" providerId="LiveId" clId="{81B0F86F-0A9E-4AEA-B4C7-21E32CBD3E04}" dt="2019-04-25T17:51:41.681" v="2196" actId="478"/>
+          <ac:spMkLst>
+            <pc:docMk/>
+            <pc:sldMk cId="2141271861" sldId="309"/>
+            <ac:spMk id="6" creationId="{2562577B-3C79-44E8-8ABC-191CC01C7053}"/>
+          </ac:spMkLst>
+        </pc:spChg>
+        <pc:spChg chg="add del mod">
+          <ac:chgData name="Nick Maxwell" userId="8614ede61265de7b" providerId="LiveId" clId="{81B0F86F-0A9E-4AEA-B4C7-21E32CBD3E04}" dt="2019-04-25T17:43:37.368" v="2133" actId="478"/>
+          <ac:spMkLst>
+            <pc:docMk/>
+            <pc:sldMk cId="2141271861" sldId="309"/>
+            <ac:spMk id="7" creationId="{C03C455C-0750-4C3E-A9E7-50BB056CA95D}"/>
+          </ac:spMkLst>
+        </pc:spChg>
+        <pc:spChg chg="add del mod">
+          <ac:chgData name="Nick Maxwell" userId="8614ede61265de7b" providerId="LiveId" clId="{81B0F86F-0A9E-4AEA-B4C7-21E32CBD3E04}" dt="2019-04-25T17:51:42.853" v="2197" actId="478"/>
+          <ac:spMkLst>
+            <pc:docMk/>
+            <pc:sldMk cId="2141271861" sldId="309"/>
+            <ac:spMk id="8" creationId="{DE758C94-28C8-47FD-8ED7-BE6CD19B9436}"/>
+          </ac:spMkLst>
+        </pc:spChg>
+        <pc:spChg chg="add del mod">
+          <ac:chgData name="Nick Maxwell" userId="8614ede61265de7b" providerId="LiveId" clId="{81B0F86F-0A9E-4AEA-B4C7-21E32CBD3E04}" dt="2019-04-25T17:44:39.048" v="2179" actId="478"/>
+          <ac:spMkLst>
+            <pc:docMk/>
+            <pc:sldMk cId="2141271861" sldId="309"/>
+            <ac:spMk id="9" creationId="{EAE66FD2-51B2-4B9B-9716-A0A77A718D38}"/>
+          </ac:spMkLst>
+        </pc:spChg>
+        <pc:spChg chg="add del mod">
+          <ac:chgData name="Nick Maxwell" userId="8614ede61265de7b" providerId="LiveId" clId="{81B0F86F-0A9E-4AEA-B4C7-21E32CBD3E04}" dt="2019-04-25T17:51:43.931" v="2198" actId="478"/>
+          <ac:spMkLst>
+            <pc:docMk/>
+            <pc:sldMk cId="2141271861" sldId="309"/>
+            <ac:spMk id="10" creationId="{C7167338-E2D9-41D6-BA67-F791047E29FE}"/>
+          </ac:spMkLst>
+        </pc:spChg>
+        <pc:spChg chg="add mod">
+          <ac:chgData name="Nick Maxwell" userId="8614ede61265de7b" providerId="LiveId" clId="{81B0F86F-0A9E-4AEA-B4C7-21E32CBD3E04}" dt="2019-04-25T17:56:30.090" v="2367" actId="1076"/>
+          <ac:spMkLst>
+            <pc:docMk/>
+            <pc:sldMk cId="2141271861" sldId="309"/>
+            <ac:spMk id="11" creationId="{585EAC3B-4142-49D9-977C-49D7D274D5D8}"/>
+          </ac:spMkLst>
+        </pc:spChg>
+        <pc:spChg chg="add mod">
+          <ac:chgData name="Nick Maxwell" userId="8614ede61265de7b" providerId="LiveId" clId="{81B0F86F-0A9E-4AEA-B4C7-21E32CBD3E04}" dt="2019-04-25T17:57:24.468" v="2373" actId="1076"/>
+          <ac:spMkLst>
+            <pc:docMk/>
+            <pc:sldMk cId="2141271861" sldId="309"/>
+            <ac:spMk id="12" creationId="{65D4362B-31F0-42C7-B8F1-DB861D3360C3}"/>
+          </ac:spMkLst>
+        </pc:spChg>
+        <pc:graphicFrameChg chg="mod">
+          <ac:chgData name="Nick Maxwell" userId="8614ede61265de7b" providerId="LiveId" clId="{81B0F86F-0A9E-4AEA-B4C7-21E32CBD3E04}" dt="2019-04-25T18:22:11.916" v="3148" actId="1038"/>
+          <ac:graphicFrameMkLst>
+            <pc:docMk/>
+            <pc:sldMk cId="2141271861" sldId="309"/>
+            <ac:graphicFrameMk id="5" creationId="{4225E6E7-1AC4-4FAB-AF26-4E76D4B6190F}"/>
+          </ac:graphicFrameMkLst>
+        </pc:graphicFrameChg>
+      </pc:sldChg>
+      <pc:sldChg chg="delSp modSp mod modNotesTx">
+        <pc:chgData name="Nick Maxwell" userId="8614ede61265de7b" providerId="LiveId" clId="{81B0F86F-0A9E-4AEA-B4C7-21E32CBD3E04}" dt="2019-04-25T18:08:28.925" v="3009" actId="20577"/>
+        <pc:sldMkLst>
+          <pc:docMk/>
+          <pc:sldMk cId="2584967588" sldId="310"/>
+        </pc:sldMkLst>
+        <pc:spChg chg="mod">
+          <ac:chgData name="Nick Maxwell" userId="8614ede61265de7b" providerId="LiveId" clId="{81B0F86F-0A9E-4AEA-B4C7-21E32CBD3E04}" dt="2019-04-23T23:48:56.907" v="206" actId="20577"/>
+          <ac:spMkLst>
+            <pc:docMk/>
+            <pc:sldMk cId="2584967588" sldId="310"/>
+            <ac:spMk id="2" creationId="{F65B857A-6166-41F0-A5E2-11ABA91F0A34}"/>
+          </ac:spMkLst>
+        </pc:spChg>
+        <pc:graphicFrameChg chg="mod">
+          <ac:chgData name="Nick Maxwell" userId="8614ede61265de7b" providerId="LiveId" clId="{81B0F86F-0A9E-4AEA-B4C7-21E32CBD3E04}" dt="2019-04-24T15:19:05.639" v="1254"/>
+          <ac:graphicFrameMkLst>
+            <pc:docMk/>
+            <pc:sldMk cId="2584967588" sldId="310"/>
+            <ac:graphicFrameMk id="5" creationId="{C7397290-D9C7-49D2-AFDD-57E88AA3F863}"/>
+          </ac:graphicFrameMkLst>
+        </pc:graphicFrameChg>
+        <pc:graphicFrameChg chg="del mod">
+          <ac:chgData name="Nick Maxwell" userId="8614ede61265de7b" providerId="LiveId" clId="{81B0F86F-0A9E-4AEA-B4C7-21E32CBD3E04}" dt="2019-04-23T23:49:11.927" v="207" actId="478"/>
+          <ac:graphicFrameMkLst>
+            <pc:docMk/>
+            <pc:sldMk cId="2584967588" sldId="310"/>
+            <ac:graphicFrameMk id="6" creationId="{203E937C-8FD8-4675-89BB-1777DC9E7126}"/>
+          </ac:graphicFrameMkLst>
+        </pc:graphicFrameChg>
+      </pc:sldChg>
+      <pc:sldChg chg="modSp add mod modNotesTx">
+        <pc:chgData name="Nick Maxwell" userId="8614ede61265de7b" providerId="LiveId" clId="{81B0F86F-0A9E-4AEA-B4C7-21E32CBD3E04}" dt="2019-04-25T18:52:23.502" v="4036" actId="20577"/>
+        <pc:sldMkLst>
+          <pc:docMk/>
+          <pc:sldMk cId="1085176911" sldId="311"/>
+        </pc:sldMkLst>
+        <pc:spChg chg="mod">
+          <ac:chgData name="Nick Maxwell" userId="8614ede61265de7b" providerId="LiveId" clId="{81B0F86F-0A9E-4AEA-B4C7-21E32CBD3E04}" dt="2019-04-23T23:50:45.478" v="237" actId="20577"/>
+          <ac:spMkLst>
+            <pc:docMk/>
+            <pc:sldMk cId="1085176911" sldId="311"/>
+            <ac:spMk id="2" creationId="{F65B857A-6166-41F0-A5E2-11ABA91F0A34}"/>
+          </ac:spMkLst>
+        </pc:spChg>
+        <pc:graphicFrameChg chg="mod">
+          <ac:chgData name="Nick Maxwell" userId="8614ede61265de7b" providerId="LiveId" clId="{81B0F86F-0A9E-4AEA-B4C7-21E32CBD3E04}" dt="2019-04-23T23:56:57.302" v="347"/>
+          <ac:graphicFrameMkLst>
+            <pc:docMk/>
+            <pc:sldMk cId="1085176911" sldId="311"/>
+            <ac:graphicFrameMk id="5" creationId="{C7397290-D9C7-49D2-AFDD-57E88AA3F863}"/>
+          </ac:graphicFrameMkLst>
+        </pc:graphicFrameChg>
+      </pc:sldChg>
+      <pc:sldChg chg="add del">
+        <pc:chgData name="Nick Maxwell" userId="8614ede61265de7b" providerId="LiveId" clId="{81B0F86F-0A9E-4AEA-B4C7-21E32CBD3E04}" dt="2019-04-24T00:10:26.049" v="832" actId="2696"/>
+        <pc:sldMkLst>
+          <pc:docMk/>
+          <pc:sldMk cId="1019522948" sldId="312"/>
+        </pc:sldMkLst>
+      </pc:sldChg>
+      <pc:sldChg chg="modSp add del mod">
+        <pc:chgData name="Nick Maxwell" userId="8614ede61265de7b" providerId="LiveId" clId="{81B0F86F-0A9E-4AEA-B4C7-21E32CBD3E04}" dt="2019-04-24T00:12:30.075" v="1034" actId="2696"/>
+        <pc:sldMkLst>
+          <pc:docMk/>
+          <pc:sldMk cId="3902204580" sldId="312"/>
+        </pc:sldMkLst>
+        <pc:graphicFrameChg chg="mod">
+          <ac:chgData name="Nick Maxwell" userId="8614ede61265de7b" providerId="LiveId" clId="{81B0F86F-0A9E-4AEA-B4C7-21E32CBD3E04}" dt="2019-04-24T00:12:21.856" v="1033"/>
+          <ac:graphicFrameMkLst>
+            <pc:docMk/>
+            <pc:sldMk cId="3902204580" sldId="312"/>
+            <ac:graphicFrameMk id="5" creationId="{C7397290-D9C7-49D2-AFDD-57E88AA3F863}"/>
+          </ac:graphicFrameMkLst>
+        </pc:graphicFrameChg>
+      </pc:sldChg>
+      <pc:sldChg chg="modSp add del">
+        <pc:chgData name="Nick Maxwell" userId="8614ede61265de7b" providerId="LiveId" clId="{81B0F86F-0A9E-4AEA-B4C7-21E32CBD3E04}" dt="2019-04-24T00:08:57.845" v="736" actId="2696"/>
+        <pc:sldMkLst>
+          <pc:docMk/>
+          <pc:sldMk cId="2865561123" sldId="313"/>
+        </pc:sldMkLst>
+        <pc:spChg chg="mod">
+          <ac:chgData name="Nick Maxwell" userId="8614ede61265de7b" providerId="LiveId" clId="{81B0F86F-0A9E-4AEA-B4C7-21E32CBD3E04}" dt="2019-04-24T00:08:51.859" v="735" actId="20577"/>
+          <ac:spMkLst>
+            <pc:docMk/>
+            <pc:sldMk cId="2865561123" sldId="313"/>
+            <ac:spMk id="2" creationId="{D7C07919-45DF-453F-8646-EACE20C4C289}"/>
+          </ac:spMkLst>
+        </pc:spChg>
+      </pc:sldChg>
+      <pc:sldChg chg="modSp add del mod">
+        <pc:chgData name="Nick Maxwell" userId="8614ede61265de7b" providerId="LiveId" clId="{81B0F86F-0A9E-4AEA-B4C7-21E32CBD3E04}" dt="2019-04-25T18:50:11.642" v="3986" actId="2696"/>
+        <pc:sldMkLst>
+          <pc:docMk/>
+          <pc:sldMk cId="3569367087" sldId="313"/>
+        </pc:sldMkLst>
+        <pc:spChg chg="mod">
+          <ac:chgData name="Nick Maxwell" userId="8614ede61265de7b" providerId="LiveId" clId="{81B0F86F-0A9E-4AEA-B4C7-21E32CBD3E04}" dt="2019-04-24T00:20:33.434" v="1163" actId="14100"/>
+          <ac:spMkLst>
+            <pc:docMk/>
+            <pc:sldMk cId="3569367087" sldId="313"/>
+            <ac:spMk id="2" creationId="{F65B857A-6166-41F0-A5E2-11ABA91F0A34}"/>
+          </ac:spMkLst>
+        </pc:spChg>
+        <pc:graphicFrameChg chg="mod">
+          <ac:chgData name="Nick Maxwell" userId="8614ede61265de7b" providerId="LiveId" clId="{81B0F86F-0A9E-4AEA-B4C7-21E32CBD3E04}" dt="2019-04-24T15:22:43.260" v="1255"/>
+          <ac:graphicFrameMkLst>
+            <pc:docMk/>
+            <pc:sldMk cId="3569367087" sldId="313"/>
+            <ac:graphicFrameMk id="5" creationId="{C7397290-D9C7-49D2-AFDD-57E88AA3F863}"/>
+          </ac:graphicFrameMkLst>
+        </pc:graphicFrameChg>
+      </pc:sldChg>
+      <pc:sldChg chg="add del">
+        <pc:chgData name="Nick Maxwell" userId="8614ede61265de7b" providerId="LiveId" clId="{81B0F86F-0A9E-4AEA-B4C7-21E32CBD3E04}" dt="2019-04-24T00:19:48.931" v="1087" actId="2696"/>
+        <pc:sldMkLst>
+          <pc:docMk/>
+          <pc:sldMk cId="1329304330" sldId="314"/>
+        </pc:sldMkLst>
+      </pc:sldChg>
+      <pc:sldChg chg="modSp add del mod">
+        <pc:chgData name="Nick Maxwell" userId="8614ede61265de7b" providerId="LiveId" clId="{81B0F86F-0A9E-4AEA-B4C7-21E32CBD3E04}" dt="2019-04-25T18:50:13.802" v="3987" actId="2696"/>
+        <pc:sldMkLst>
+          <pc:docMk/>
+          <pc:sldMk cId="4272755568" sldId="314"/>
+        </pc:sldMkLst>
+        <pc:spChg chg="mod">
+          <ac:chgData name="Nick Maxwell" userId="8614ede61265de7b" providerId="LiveId" clId="{81B0F86F-0A9E-4AEA-B4C7-21E32CBD3E04}" dt="2019-04-24T00:20:23.340" v="1154" actId="20577"/>
+          <ac:spMkLst>
+            <pc:docMk/>
+            <pc:sldMk cId="4272755568" sldId="314"/>
+            <ac:spMk id="2" creationId="{F65B857A-6166-41F0-A5E2-11ABA91F0A34}"/>
+          </ac:spMkLst>
+        </pc:spChg>
+      </pc:sldChg>
+    </pc:docChg>
+  </pc:docChgLst>
   <pc:docChgLst>
     <pc:chgData name="Nick Maxwell" userId="8614ede61265de7b" providerId="LiveId" clId="{7D573263-BAFE-4E91-95CE-B11E5A715D20}"/>
     <pc:docChg chg="undo addSld delSld modSld sldOrd">
@@ -166,27 +506,6 @@
             <ac:spMk id="2" creationId="{00000000-0000-0000-0000-000000000000}"/>
           </ac:spMkLst>
         </pc:spChg>
-      </pc:sldChg>
-      <pc:sldChg chg="add del">
-        <pc:chgData name="Nick Maxwell" userId="8614ede61265de7b" providerId="LiveId" clId="{7D573263-BAFE-4E91-95CE-B11E5A715D20}" dt="2019-04-23T14:46:56.380" v="37" actId="2696"/>
-        <pc:sldMkLst>
-          <pc:docMk/>
-          <pc:sldMk cId="1974109483" sldId="263"/>
-        </pc:sldMkLst>
-      </pc:sldChg>
-      <pc:sldChg chg="del">
-        <pc:chgData name="Nick Maxwell" userId="8614ede61265de7b" providerId="LiveId" clId="{7D573263-BAFE-4E91-95CE-B11E5A715D20}" dt="2019-04-23T14:47:05.040" v="40" actId="2696"/>
-        <pc:sldMkLst>
-          <pc:docMk/>
-          <pc:sldMk cId="653516397" sldId="266"/>
-        </pc:sldMkLst>
-      </pc:sldChg>
-      <pc:sldChg chg="del">
-        <pc:chgData name="Nick Maxwell" userId="8614ede61265de7b" providerId="LiveId" clId="{7D573263-BAFE-4E91-95CE-B11E5A715D20}" dt="2019-04-23T14:47:05.043" v="41" actId="2696"/>
-        <pc:sldMkLst>
-          <pc:docMk/>
-          <pc:sldMk cId="3812261013" sldId="289"/>
-        </pc:sldMkLst>
       </pc:sldChg>
       <pc:sldChg chg="modSp modNotesTx">
         <pc:chgData name="Nick Maxwell" userId="8614ede61265de7b" providerId="LiveId" clId="{7D573263-BAFE-4E91-95CE-B11E5A715D20}" dt="2019-04-23T15:11:29.804" v="244" actId="20577"/>
@@ -211,41 +530,6 @@
           </ac:spMkLst>
         </pc:spChg>
       </pc:sldChg>
-      <pc:sldChg chg="add del">
-        <pc:chgData name="Nick Maxwell" userId="8614ede61265de7b" providerId="LiveId" clId="{7D573263-BAFE-4E91-95CE-B11E5A715D20}" dt="2019-04-23T14:46:56.366" v="32" actId="2696"/>
-        <pc:sldMkLst>
-          <pc:docMk/>
-          <pc:sldMk cId="1627230303" sldId="293"/>
-        </pc:sldMkLst>
-      </pc:sldChg>
-      <pc:sldChg chg="del">
-        <pc:chgData name="Nick Maxwell" userId="8614ede61265de7b" providerId="LiveId" clId="{7D573263-BAFE-4E91-95CE-B11E5A715D20}" dt="2019-04-23T14:47:55.406" v="55" actId="2696"/>
-        <pc:sldMkLst>
-          <pc:docMk/>
-          <pc:sldMk cId="3608418949" sldId="294"/>
-        </pc:sldMkLst>
-      </pc:sldChg>
-      <pc:sldChg chg="del">
-        <pc:chgData name="Nick Maxwell" userId="8614ede61265de7b" providerId="LiveId" clId="{7D573263-BAFE-4E91-95CE-B11E5A715D20}" dt="2019-04-23T14:47:05.046" v="42" actId="2696"/>
-        <pc:sldMkLst>
-          <pc:docMk/>
-          <pc:sldMk cId="809833913" sldId="299"/>
-        </pc:sldMkLst>
-      </pc:sldChg>
-      <pc:sldChg chg="add del">
-        <pc:chgData name="Nick Maxwell" userId="8614ede61265de7b" providerId="LiveId" clId="{7D573263-BAFE-4E91-95CE-B11E5A715D20}" dt="2019-04-23T14:46:56.366" v="33" actId="2696"/>
-        <pc:sldMkLst>
-          <pc:docMk/>
-          <pc:sldMk cId="3047781793" sldId="301"/>
-        </pc:sldMkLst>
-      </pc:sldChg>
-      <pc:sldChg chg="add del">
-        <pc:chgData name="Nick Maxwell" userId="8614ede61265de7b" providerId="LiveId" clId="{7D573263-BAFE-4E91-95CE-B11E5A715D20}" dt="2019-04-23T14:46:56.366" v="36" actId="2696"/>
-        <pc:sldMkLst>
-          <pc:docMk/>
-          <pc:sldMk cId="623463399" sldId="303"/>
-        </pc:sldMkLst>
-      </pc:sldChg>
       <pc:sldChg chg="modSp ord">
         <pc:chgData name="Nick Maxwell" userId="8614ede61265de7b" providerId="LiveId" clId="{7D573263-BAFE-4E91-95CE-B11E5A715D20}" dt="2019-04-23T14:49:49.159" v="167" actId="20577"/>
         <pc:sldMkLst>
@@ -266,67 +550,6 @@
             <pc:docMk/>
             <pc:sldMk cId="176995655" sldId="304"/>
             <ac:spMk id="3" creationId="{5E7555E2-8326-4748-BCA4-EEAC4266F2D8}"/>
-          </ac:spMkLst>
-        </pc:spChg>
-      </pc:sldChg>
-      <pc:sldChg chg="del">
-        <pc:chgData name="Nick Maxwell" userId="8614ede61265de7b" providerId="LiveId" clId="{7D573263-BAFE-4E91-95CE-B11E5A715D20}" dt="2019-04-23T14:47:05.039" v="39" actId="2696"/>
-        <pc:sldMkLst>
-          <pc:docMk/>
-          <pc:sldMk cId="275906729" sldId="306"/>
-        </pc:sldMkLst>
-      </pc:sldChg>
-      <pc:sldChg chg="addSp delSp modSp mod modNotesTx">
-        <pc:chgData name="Nick Maxwell" userId="8614ede61265de7b" providerId="LiveId" clId="{7D573263-BAFE-4E91-95CE-B11E5A715D20}" dt="2019-04-23T15:11:18.749" v="242" actId="20577"/>
-        <pc:sldMkLst>
-          <pc:docMk/>
-          <pc:sldMk cId="1150637837" sldId="307"/>
-        </pc:sldMkLst>
-        <pc:spChg chg="mod">
-          <ac:chgData name="Nick Maxwell" userId="8614ede61265de7b" providerId="LiveId" clId="{7D573263-BAFE-4E91-95CE-B11E5A715D20}" dt="2019-04-23T14:48:32.529" v="68" actId="20577"/>
-          <ac:spMkLst>
-            <pc:docMk/>
-            <pc:sldMk cId="1150637837" sldId="307"/>
-            <ac:spMk id="2" creationId="{F65B857A-6166-41F0-A5E2-11ABA91F0A34}"/>
-          </ac:spMkLst>
-        </pc:spChg>
-        <pc:graphicFrameChg chg="mod">
-          <ac:chgData name="Nick Maxwell" userId="8614ede61265de7b" providerId="LiveId" clId="{7D573263-BAFE-4E91-95CE-B11E5A715D20}" dt="2019-04-23T15:10:33.010" v="231"/>
-          <ac:graphicFrameMkLst>
-            <pc:docMk/>
-            <pc:sldMk cId="1150637837" sldId="307"/>
-            <ac:graphicFrameMk id="5" creationId="{C7397290-D9C7-49D2-AFDD-57E88AA3F863}"/>
-          </ac:graphicFrameMkLst>
-        </pc:graphicFrameChg>
-        <pc:graphicFrameChg chg="del mod">
-          <ac:chgData name="Nick Maxwell" userId="8614ede61265de7b" providerId="LiveId" clId="{7D573263-BAFE-4E91-95CE-B11E5A715D20}" dt="2019-04-23T15:09:53.907" v="220" actId="478"/>
-          <ac:graphicFrameMkLst>
-            <pc:docMk/>
-            <pc:sldMk cId="1150637837" sldId="307"/>
-            <ac:graphicFrameMk id="6" creationId="{203E937C-8FD8-4675-89BB-1777DC9E7126}"/>
-          </ac:graphicFrameMkLst>
-        </pc:graphicFrameChg>
-        <pc:graphicFrameChg chg="add mod">
-          <ac:chgData name="Nick Maxwell" userId="8614ede61265de7b" providerId="LiveId" clId="{7D573263-BAFE-4E91-95CE-B11E5A715D20}" dt="2019-04-23T15:10:52.651" v="240" actId="20577"/>
-          <ac:graphicFrameMkLst>
-            <pc:docMk/>
-            <pc:sldMk cId="1150637837" sldId="307"/>
-            <ac:graphicFrameMk id="7" creationId="{578F04E7-94D6-43C3-92FB-A0AC6AA391AF}"/>
-          </ac:graphicFrameMkLst>
-        </pc:graphicFrameChg>
-      </pc:sldChg>
-      <pc:sldChg chg="modSp del">
-        <pc:chgData name="Nick Maxwell" userId="8614ede61265de7b" providerId="LiveId" clId="{7D573263-BAFE-4E91-95CE-B11E5A715D20}" dt="2019-04-23T14:49:25.053" v="130" actId="2696"/>
-        <pc:sldMkLst>
-          <pc:docMk/>
-          <pc:sldMk cId="3615114780" sldId="308"/>
-        </pc:sldMkLst>
-        <pc:spChg chg="mod">
-          <ac:chgData name="Nick Maxwell" userId="8614ede61265de7b" providerId="LiveId" clId="{7D573263-BAFE-4E91-95CE-B11E5A715D20}" dt="2019-04-23T14:48:49.036" v="104" actId="20577"/>
-          <ac:spMkLst>
-            <pc:docMk/>
-            <pc:sldMk cId="3615114780" sldId="308"/>
-            <ac:spMk id="2" creationId="{F65B857A-6166-41F0-A5E2-11ABA91F0A34}"/>
           </ac:spMkLst>
         </pc:spChg>
       </pc:sldChg>
@@ -368,69 +591,6 @@
           </ac:spMkLst>
         </pc:spChg>
       </pc:sldChg>
-      <pc:sldChg chg="del">
-        <pc:chgData name="Nick Maxwell" userId="8614ede61265de7b" providerId="LiveId" clId="{7D573263-BAFE-4E91-95CE-B11E5A715D20}" dt="2019-04-23T14:47:51.060" v="54" actId="2696"/>
-        <pc:sldMkLst>
-          <pc:docMk/>
-          <pc:sldMk cId="3322059272" sldId="310"/>
-        </pc:sldMkLst>
-      </pc:sldChg>
-      <pc:sldChg chg="del">
-        <pc:chgData name="Nick Maxwell" userId="8614ede61265de7b" providerId="LiveId" clId="{7D573263-BAFE-4E91-95CE-B11E5A715D20}" dt="2019-04-23T14:48:14.811" v="59" actId="2696"/>
-        <pc:sldMkLst>
-          <pc:docMk/>
-          <pc:sldMk cId="3612784875" sldId="311"/>
-        </pc:sldMkLst>
-      </pc:sldChg>
-      <pc:sldChg chg="add del">
-        <pc:chgData name="Nick Maxwell" userId="8614ede61265de7b" providerId="LiveId" clId="{7D573263-BAFE-4E91-95CE-B11E5A715D20}" dt="2019-04-23T14:46:56.382" v="38" actId="2696"/>
-        <pc:sldMkLst>
-          <pc:docMk/>
-          <pc:sldMk cId="2638805782" sldId="312"/>
-        </pc:sldMkLst>
-      </pc:sldChg>
-      <pc:sldChg chg="add del">
-        <pc:chgData name="Nick Maxwell" userId="8614ede61265de7b" providerId="LiveId" clId="{7D573263-BAFE-4E91-95CE-B11E5A715D20}" dt="2019-04-23T14:46:56.366" v="34" actId="2696"/>
-        <pc:sldMkLst>
-          <pc:docMk/>
-          <pc:sldMk cId="2934265194" sldId="313"/>
-        </pc:sldMkLst>
-      </pc:sldChg>
-      <pc:sldChg chg="del">
-        <pc:chgData name="Nick Maxwell" userId="8614ede61265de7b" providerId="LiveId" clId="{7D573263-BAFE-4E91-95CE-B11E5A715D20}" dt="2019-04-23T14:48:00.137" v="56" actId="2696"/>
-        <pc:sldMkLst>
-          <pc:docMk/>
-          <pc:sldMk cId="466890192" sldId="314"/>
-        </pc:sldMkLst>
-      </pc:sldChg>
-      <pc:sldChg chg="del">
-        <pc:chgData name="Nick Maxwell" userId="8614ede61265de7b" providerId="LiveId" clId="{7D573263-BAFE-4E91-95CE-B11E5A715D20}" dt="2019-04-23T14:48:14.847" v="60" actId="2696"/>
-        <pc:sldMkLst>
-          <pc:docMk/>
-          <pc:sldMk cId="1914713880" sldId="315"/>
-        </pc:sldMkLst>
-      </pc:sldChg>
-      <pc:sldChg chg="del">
-        <pc:chgData name="Nick Maxwell" userId="8614ede61265de7b" providerId="LiveId" clId="{7D573263-BAFE-4E91-95CE-B11E5A715D20}" dt="2019-04-23T14:48:14.864" v="61" actId="2696"/>
-        <pc:sldMkLst>
-          <pc:docMk/>
-          <pc:sldMk cId="1721277465" sldId="316"/>
-        </pc:sldMkLst>
-      </pc:sldChg>
-      <pc:sldChg chg="add del">
-        <pc:chgData name="Nick Maxwell" userId="8614ede61265de7b" providerId="LiveId" clId="{7D573263-BAFE-4E91-95CE-B11E5A715D20}" dt="2019-04-23T14:46:56.366" v="31" actId="2696"/>
-        <pc:sldMkLst>
-          <pc:docMk/>
-          <pc:sldMk cId="3151631818" sldId="317"/>
-        </pc:sldMkLst>
-      </pc:sldChg>
-      <pc:sldChg chg="add del">
-        <pc:chgData name="Nick Maxwell" userId="8614ede61265de7b" providerId="LiveId" clId="{7D573263-BAFE-4E91-95CE-B11E5A715D20}" dt="2019-04-23T14:46:56.366" v="35" actId="2696"/>
-        <pc:sldMkLst>
-          <pc:docMk/>
-          <pc:sldMk cId="1836245276" sldId="318"/>
-        </pc:sldMkLst>
-      </pc:sldChg>
     </pc:docChg>
   </pc:docChgLst>
 </pc:chgInfo>
@@ -450,78 +610,17 @@
     </mc:Fallback>
   </mc:AlternateContent>
   <c:chart>
-    <c:title>
-      <c:tx>
-        <c:rich>
-          <a:bodyPr rot="0" spcFirstLastPara="1" vertOverflow="ellipsis" vert="horz" wrap="square" anchor="ctr" anchorCtr="1"/>
-          <a:lstStyle/>
-          <a:p>
-            <a:pPr>
-              <a:defRPr sz="1862" b="0" i="0" u="none" strike="noStrike" kern="1200" spc="0" baseline="0">
-                <a:solidFill>
-                  <a:schemeClr val="tx1"/>
-                </a:solidFill>
-                <a:latin typeface="+mn-lt"/>
-                <a:ea typeface="+mn-ea"/>
-                <a:cs typeface="+mn-cs"/>
-              </a:defRPr>
-            </a:pPr>
-            <a:r>
-              <a:rPr lang="en-US" b="1" dirty="0">
-                <a:solidFill>
-                  <a:schemeClr val="tx1"/>
-                </a:solidFill>
-              </a:rPr>
-              <a:t>Mean Error Rates</a:t>
-            </a:r>
-          </a:p>
-        </c:rich>
-      </c:tx>
-      <c:layout>
-        <c:manualLayout>
-          <c:xMode val="edge"/>
-          <c:yMode val="edge"/>
-          <c:x val="0.35966837297697068"/>
-          <c:y val="2.8899150468178831E-2"/>
-        </c:manualLayout>
-      </c:layout>
-      <c:overlay val="0"/>
-      <c:spPr>
-        <a:noFill/>
-        <a:ln>
-          <a:noFill/>
-        </a:ln>
-        <a:effectLst/>
-      </c:spPr>
-      <c:txPr>
-        <a:bodyPr rot="0" spcFirstLastPara="1" vertOverflow="ellipsis" vert="horz" wrap="square" anchor="ctr" anchorCtr="1"/>
-        <a:lstStyle/>
-        <a:p>
-          <a:pPr>
-            <a:defRPr sz="1862" b="0" i="0" u="none" strike="noStrike" kern="1200" spc="0" baseline="0">
-              <a:solidFill>
-                <a:schemeClr val="tx1"/>
-              </a:solidFill>
-              <a:latin typeface="+mn-lt"/>
-              <a:ea typeface="+mn-ea"/>
-              <a:cs typeface="+mn-cs"/>
-            </a:defRPr>
-          </a:pPr>
-          <a:endParaRPr lang="en-US"/>
-        </a:p>
-      </c:txPr>
-    </c:title>
-    <c:autoTitleDeleted val="0"/>
+    <c:autoTitleDeleted val="1"/>
     <c:plotArea>
       <c:layout>
         <c:manualLayout>
           <c:layoutTarget val="inner"/>
           <c:xMode val="edge"/>
           <c:yMode val="edge"/>
-          <c:x val="8.8186526970938442E-2"/>
-          <c:y val="0.13892520460946997"/>
-          <c:w val="0.78911067543328461"/>
-          <c:h val="0.60749963971618337"/>
+          <c:x val="0.14056241028458838"/>
+          <c:y val="6.4991406736497601E-2"/>
+          <c:w val="0.69873371455492139"/>
+          <c:h val="0.76352511826159053"/>
         </c:manualLayout>
       </c:layout>
       <c:barChart>
@@ -552,6 +651,24 @@
             <a:effectLst/>
           </c:spPr>
           <c:invertIfNegative val="0"/>
+          <c:errBars>
+            <c:errBarType val="both"/>
+            <c:errValType val="stdErr"/>
+            <c:noEndCap val="0"/>
+            <c:spPr>
+              <a:noFill/>
+              <a:ln w="9525" cap="flat" cmpd="sng" algn="ctr">
+                <a:solidFill>
+                  <a:schemeClr val="tx1">
+                    <a:lumMod val="65000"/>
+                    <a:lumOff val="35000"/>
+                  </a:schemeClr>
+                </a:solidFill>
+                <a:round/>
+              </a:ln>
+              <a:effectLst/>
+            </c:spPr>
+          </c:errBars>
           <c:cat>
             <c:strRef>
               <c:f>Sheet1!$A$2:$A$6</c:f>
@@ -561,16 +678,16 @@
                   <c:v>Pure</c:v>
                 </c:pt>
                 <c:pt idx="1">
-                  <c:v>Alt Run Switch</c:v>
+                  <c:v>NS Alt Run</c:v>
                 </c:pt>
                 <c:pt idx="2">
-                  <c:v>Alt Run  NS</c:v>
+                  <c:v>Switch Alt Run</c:v>
                 </c:pt>
                 <c:pt idx="3">
-                  <c:v>Rand Switch</c:v>
+                  <c:v>NS Random</c:v>
                 </c:pt>
                 <c:pt idx="4">
-                  <c:v>Rand NS</c:v>
+                  <c:v>Switch Random</c:v>
                 </c:pt>
               </c:strCache>
             </c:strRef>
@@ -581,6 +698,21 @@
               <c:numCache>
                 <c:formatCode>General</c:formatCode>
                 <c:ptCount val="5"/>
+                <c:pt idx="0">
+                  <c:v>3.2000000000000001E-2</c:v>
+                </c:pt>
+                <c:pt idx="1">
+                  <c:v>4.6696129000000003E-2</c:v>
+                </c:pt>
+                <c:pt idx="2">
+                  <c:v>3.5941737000000001E-2</c:v>
+                </c:pt>
+                <c:pt idx="3">
+                  <c:v>2.4821619E-2</c:v>
+                </c:pt>
+                <c:pt idx="4">
+                  <c:v>5.1641033000000003E-2</c:v>
+                </c:pt>
               </c:numCache>
             </c:numRef>
           </c:val>
@@ -616,6 +748,24 @@
             <a:effectLst/>
           </c:spPr>
           <c:invertIfNegative val="0"/>
+          <c:errBars>
+            <c:errBarType val="both"/>
+            <c:errValType val="stdErr"/>
+            <c:noEndCap val="0"/>
+            <c:spPr>
+              <a:noFill/>
+              <a:ln w="9525" cap="flat" cmpd="sng" algn="ctr">
+                <a:solidFill>
+                  <a:schemeClr val="tx1">
+                    <a:lumMod val="65000"/>
+                    <a:lumOff val="35000"/>
+                  </a:schemeClr>
+                </a:solidFill>
+                <a:round/>
+              </a:ln>
+              <a:effectLst/>
+            </c:spPr>
+          </c:errBars>
           <c:cat>
             <c:strRef>
               <c:f>Sheet1!$A$2:$A$6</c:f>
@@ -625,16 +775,16 @@
                   <c:v>Pure</c:v>
                 </c:pt>
                 <c:pt idx="1">
-                  <c:v>Alt Run Switch</c:v>
+                  <c:v>NS Alt Run</c:v>
                 </c:pt>
                 <c:pt idx="2">
-                  <c:v>Alt Run  NS</c:v>
+                  <c:v>Switch Alt Run</c:v>
                 </c:pt>
                 <c:pt idx="3">
-                  <c:v>Rand Switch</c:v>
+                  <c:v>NS Random</c:v>
                 </c:pt>
                 <c:pt idx="4">
-                  <c:v>Rand NS</c:v>
+                  <c:v>Switch Random</c:v>
                 </c:pt>
               </c:strCache>
             </c:strRef>
@@ -645,6 +795,21 @@
               <c:numCache>
                 <c:formatCode>General</c:formatCode>
                 <c:ptCount val="5"/>
+                <c:pt idx="0">
+                  <c:v>8.6999999999999994E-2</c:v>
+                </c:pt>
+                <c:pt idx="1">
+                  <c:v>0.19700000000000001</c:v>
+                </c:pt>
+                <c:pt idx="2">
+                  <c:v>0.193</c:v>
+                </c:pt>
+                <c:pt idx="3">
+                  <c:v>0.13</c:v>
+                </c:pt>
+                <c:pt idx="4">
+                  <c:v>0.192</c:v>
+                </c:pt>
               </c:numCache>
             </c:numRef>
           </c:val>
@@ -673,6 +838,73 @@
         </c:scaling>
         <c:delete val="0"/>
         <c:axPos val="b"/>
+        <c:title>
+          <c:tx>
+            <c:rich>
+              <a:bodyPr rot="0" spcFirstLastPara="1" vertOverflow="ellipsis" vert="horz" wrap="square" anchor="ctr" anchorCtr="1"/>
+              <a:lstStyle/>
+              <a:p>
+                <a:pPr>
+                  <a:defRPr sz="1330" b="0" i="0" u="none" strike="noStrike" kern="1200" baseline="0">
+                    <a:solidFill>
+                      <a:schemeClr val="tx1">
+                        <a:lumMod val="65000"/>
+                        <a:lumOff val="35000"/>
+                      </a:schemeClr>
+                    </a:solidFill>
+                    <a:latin typeface="+mn-lt"/>
+                    <a:ea typeface="+mn-ea"/>
+                    <a:cs typeface="+mn-cs"/>
+                  </a:defRPr>
+                </a:pPr>
+                <a:r>
+                  <a:rPr lang="en-US" sz="1600" b="1" dirty="0">
+                    <a:solidFill>
+                      <a:schemeClr val="accent1"/>
+                    </a:solidFill>
+                  </a:rPr>
+                  <a:t>Trial Type</a:t>
+                </a:r>
+              </a:p>
+            </c:rich>
+          </c:tx>
+          <c:layout>
+            <c:manualLayout>
+              <c:xMode val="edge"/>
+              <c:yMode val="edge"/>
+              <c:x val="0.43016741287884597"/>
+              <c:y val="0.94050628859757213"/>
+            </c:manualLayout>
+          </c:layout>
+          <c:overlay val="0"/>
+          <c:spPr>
+            <a:noFill/>
+            <a:ln>
+              <a:noFill/>
+            </a:ln>
+            <a:effectLst/>
+          </c:spPr>
+          <c:txPr>
+            <a:bodyPr rot="0" spcFirstLastPara="1" vertOverflow="ellipsis" vert="horz" wrap="square" anchor="ctr" anchorCtr="1"/>
+            <a:lstStyle/>
+            <a:p>
+              <a:pPr>
+                <a:defRPr sz="1330" b="0" i="0" u="none" strike="noStrike" kern="1200" baseline="0">
+                  <a:solidFill>
+                    <a:schemeClr val="tx1">
+                      <a:lumMod val="65000"/>
+                      <a:lumOff val="35000"/>
+                    </a:schemeClr>
+                  </a:solidFill>
+                  <a:latin typeface="+mn-lt"/>
+                  <a:ea typeface="+mn-ea"/>
+                  <a:cs typeface="+mn-cs"/>
+                </a:defRPr>
+              </a:pPr>
+              <a:endParaRPr lang="en-US"/>
+            </a:p>
+          </c:txPr>
+        </c:title>
         <c:numFmt formatCode="General" sourceLinked="1"/>
         <c:majorTickMark val="none"/>
         <c:minorTickMark val="none"/>
@@ -692,7 +924,7 @@
           <a:lstStyle/>
           <a:p>
             <a:pPr>
-              <a:defRPr sz="1600" b="1" i="0" u="none" strike="noStrike" kern="1200" baseline="0">
+              <a:defRPr sz="1500" b="1" i="0" u="none" strike="noStrike" kern="1200" baseline="0">
                 <a:solidFill>
                   <a:schemeClr val="tx1"/>
                 </a:solidFill>
@@ -715,9 +947,78 @@
         <c:axId val="219545792"/>
         <c:scaling>
           <c:orientation val="minMax"/>
+          <c:max val="0.25"/>
+          <c:min val="0"/>
         </c:scaling>
         <c:delete val="0"/>
         <c:axPos val="l"/>
+        <c:title>
+          <c:tx>
+            <c:rich>
+              <a:bodyPr rot="-5400000" spcFirstLastPara="1" vertOverflow="ellipsis" vert="horz" wrap="square" anchor="ctr" anchorCtr="1"/>
+              <a:lstStyle/>
+              <a:p>
+                <a:pPr>
+                  <a:defRPr sz="1330" b="0" i="0" u="none" strike="noStrike" kern="1200" baseline="0">
+                    <a:solidFill>
+                      <a:schemeClr val="tx1">
+                        <a:lumMod val="65000"/>
+                        <a:lumOff val="35000"/>
+                      </a:schemeClr>
+                    </a:solidFill>
+                    <a:latin typeface="+mn-lt"/>
+                    <a:ea typeface="+mn-ea"/>
+                    <a:cs typeface="+mn-cs"/>
+                  </a:defRPr>
+                </a:pPr>
+                <a:r>
+                  <a:rPr lang="en-US" sz="1600" b="1" dirty="0">
+                    <a:solidFill>
+                      <a:schemeClr val="accent1"/>
+                    </a:solidFill>
+                  </a:rPr>
+                  <a:t>Mean Percent Error</a:t>
+                </a:r>
+              </a:p>
+            </c:rich>
+          </c:tx>
+          <c:layout>
+            <c:manualLayout>
+              <c:xMode val="edge"/>
+              <c:yMode val="edge"/>
+              <c:x val="2.0858534572145326E-2"/>
+              <c:y val="0.28057431788155884"/>
+            </c:manualLayout>
+          </c:layout>
+          <c:overlay val="0"/>
+          <c:spPr>
+            <a:noFill/>
+            <a:ln>
+              <a:noFill/>
+            </a:ln>
+            <a:effectLst/>
+          </c:spPr>
+          <c:txPr>
+            <a:bodyPr rot="-5400000" spcFirstLastPara="1" vertOverflow="ellipsis" vert="horz" wrap="square" anchor="ctr" anchorCtr="1"/>
+            <a:lstStyle/>
+            <a:p>
+              <a:pPr>
+                <a:defRPr sz="1330" b="0" i="0" u="none" strike="noStrike" kern="1200" baseline="0">
+                  <a:solidFill>
+                    <a:schemeClr val="tx1">
+                      <a:lumMod val="65000"/>
+                      <a:lumOff val="35000"/>
+                    </a:schemeClr>
+                  </a:solidFill>
+                  <a:latin typeface="+mn-lt"/>
+                  <a:ea typeface="+mn-ea"/>
+                  <a:cs typeface="+mn-cs"/>
+                </a:defRPr>
+              </a:pPr>
+              <a:endParaRPr lang="en-US"/>
+            </a:p>
+          </c:txPr>
+        </c:title>
         <c:numFmt formatCode="General" sourceLinked="1"/>
         <c:majorTickMark val="none"/>
         <c:minorTickMark val="none"/>
@@ -751,7 +1052,7 @@
         <c:crossAx val="219543824"/>
         <c:crosses val="autoZero"/>
         <c:crossBetween val="between"/>
-        <c:majorUnit val="20"/>
+        <c:majorUnit val="5.000000000000001E-2"/>
       </c:valAx>
       <c:spPr>
         <a:noFill/>
@@ -762,15 +1063,15 @@
       </c:spPr>
     </c:plotArea>
     <c:legend>
-      <c:legendPos val="b"/>
+      <c:legendPos val="r"/>
       <c:layout>
         <c:manualLayout>
           <c:xMode val="edge"/>
           <c:yMode val="edge"/>
-          <c:x val="0.68174337525744932"/>
-          <c:y val="9.8644651072470294E-2"/>
-          <c:w val="0.24805578330881198"/>
-          <c:h val="0.20811897523762862"/>
+          <c:x val="0.87346842779067912"/>
+          <c:y val="0.47441598463512874"/>
+          <c:w val="0.11726019310262931"/>
+          <c:h val="0.29026649370056323"/>
         </c:manualLayout>
       </c:layout>
       <c:overlay val="0"/>
@@ -847,78 +1148,17 @@
     </mc:Fallback>
   </mc:AlternateContent>
   <c:chart>
-    <c:title>
-      <c:tx>
-        <c:rich>
-          <a:bodyPr rot="0" spcFirstLastPara="1" vertOverflow="ellipsis" vert="horz" wrap="square" anchor="ctr" anchorCtr="1"/>
-          <a:lstStyle/>
-          <a:p>
-            <a:pPr>
-              <a:defRPr sz="1862" b="0" i="0" u="none" strike="noStrike" kern="1200" spc="0" baseline="0">
-                <a:solidFill>
-                  <a:schemeClr val="tx1"/>
-                </a:solidFill>
-                <a:latin typeface="+mn-lt"/>
-                <a:ea typeface="+mn-ea"/>
-                <a:cs typeface="+mn-cs"/>
-              </a:defRPr>
-            </a:pPr>
-            <a:r>
-              <a:rPr lang="en-US" b="1" dirty="0">
-                <a:solidFill>
-                  <a:schemeClr val="tx1"/>
-                </a:solidFill>
-              </a:rPr>
-              <a:t>Mean RTs</a:t>
-            </a:r>
-          </a:p>
-        </c:rich>
-      </c:tx>
-      <c:layout>
-        <c:manualLayout>
-          <c:xMode val="edge"/>
-          <c:yMode val="edge"/>
-          <c:x val="0.43012984098809592"/>
-          <c:y val="3.1884823905260283E-2"/>
-        </c:manualLayout>
-      </c:layout>
-      <c:overlay val="0"/>
-      <c:spPr>
-        <a:noFill/>
-        <a:ln>
-          <a:noFill/>
-        </a:ln>
-        <a:effectLst/>
-      </c:spPr>
-      <c:txPr>
-        <a:bodyPr rot="0" spcFirstLastPara="1" vertOverflow="ellipsis" vert="horz" wrap="square" anchor="ctr" anchorCtr="1"/>
-        <a:lstStyle/>
-        <a:p>
-          <a:pPr>
-            <a:defRPr sz="1862" b="0" i="0" u="none" strike="noStrike" kern="1200" spc="0" baseline="0">
-              <a:solidFill>
-                <a:schemeClr val="tx1"/>
-              </a:solidFill>
-              <a:latin typeface="+mn-lt"/>
-              <a:ea typeface="+mn-ea"/>
-              <a:cs typeface="+mn-cs"/>
-            </a:defRPr>
-          </a:pPr>
-          <a:endParaRPr lang="en-US"/>
-        </a:p>
-      </c:txPr>
-    </c:title>
-    <c:autoTitleDeleted val="0"/>
+    <c:autoTitleDeleted val="1"/>
     <c:plotArea>
       <c:layout>
         <c:manualLayout>
           <c:layoutTarget val="inner"/>
           <c:xMode val="edge"/>
           <c:yMode val="edge"/>
-          <c:x val="0.12111971438969064"/>
-          <c:y val="0.13892520460946997"/>
-          <c:w val="0.79433004191315681"/>
-          <c:h val="0.60749963971618337"/>
+          <c:x val="0.14056241028458838"/>
+          <c:y val="8.5372778740346808E-2"/>
+          <c:w val="0.69873371455492139"/>
+          <c:h val="0.71462514398037724"/>
         </c:manualLayout>
       </c:layout>
       <c:barChart>
@@ -949,6 +1189,24 @@
             <a:effectLst/>
           </c:spPr>
           <c:invertIfNegative val="0"/>
+          <c:errBars>
+            <c:errBarType val="both"/>
+            <c:errValType val="stdErr"/>
+            <c:noEndCap val="0"/>
+            <c:spPr>
+              <a:noFill/>
+              <a:ln w="9525" cap="flat" cmpd="sng" algn="ctr">
+                <a:solidFill>
+                  <a:schemeClr val="tx1">
+                    <a:lumMod val="65000"/>
+                    <a:lumOff val="35000"/>
+                  </a:schemeClr>
+                </a:solidFill>
+                <a:round/>
+              </a:ln>
+              <a:effectLst/>
+            </c:spPr>
+          </c:errBars>
           <c:cat>
             <c:strRef>
               <c:f>Sheet1!$A$2:$A$6</c:f>
@@ -958,16 +1216,16 @@
                   <c:v>Pure</c:v>
                 </c:pt>
                 <c:pt idx="1">
-                  <c:v>Alt Run Switch</c:v>
+                  <c:v>NS Alt Run</c:v>
                 </c:pt>
                 <c:pt idx="2">
-                  <c:v>Alt Run  NS</c:v>
+                  <c:v>Switch Alt Run</c:v>
                 </c:pt>
                 <c:pt idx="3">
-                  <c:v>Rand Switch</c:v>
+                  <c:v>NS Random</c:v>
                 </c:pt>
                 <c:pt idx="4">
-                  <c:v>Rand NS</c:v>
+                  <c:v>Switch Random</c:v>
                 </c:pt>
               </c:strCache>
             </c:strRef>
@@ -978,12 +1236,27 @@
               <c:numCache>
                 <c:formatCode>General</c:formatCode>
                 <c:ptCount val="5"/>
+                <c:pt idx="0">
+                  <c:v>718.48100639999996</c:v>
+                </c:pt>
+                <c:pt idx="1">
+                  <c:v>1415.3772509999999</c:v>
+                </c:pt>
+                <c:pt idx="2">
+                  <c:v>1465.0243800000001</c:v>
+                </c:pt>
+                <c:pt idx="3">
+                  <c:v>1338.0325339999999</c:v>
+                </c:pt>
+                <c:pt idx="4">
+                  <c:v>1548.212458</c:v>
+                </c:pt>
               </c:numCache>
             </c:numRef>
           </c:val>
           <c:extLst>
             <c:ext xmlns:c16="http://schemas.microsoft.com/office/drawing/2014/chart" uri="{C3380CC4-5D6E-409C-BE32-E72D297353CC}">
-              <c16:uniqueId val="{00000000-0A2D-45C0-A3D3-258BFEBBFE18}"/>
+              <c16:uniqueId val="{00000000-E090-4EF5-8B21-F63DEB12480B}"/>
             </c:ext>
           </c:extLst>
         </c:ser>
@@ -1013,6 +1286,24 @@
             <a:effectLst/>
           </c:spPr>
           <c:invertIfNegative val="0"/>
+          <c:errBars>
+            <c:errBarType val="both"/>
+            <c:errValType val="stdErr"/>
+            <c:noEndCap val="0"/>
+            <c:spPr>
+              <a:noFill/>
+              <a:ln w="9525" cap="flat" cmpd="sng" algn="ctr">
+                <a:solidFill>
+                  <a:schemeClr val="tx1">
+                    <a:lumMod val="65000"/>
+                    <a:lumOff val="35000"/>
+                  </a:schemeClr>
+                </a:solidFill>
+                <a:round/>
+              </a:ln>
+              <a:effectLst/>
+            </c:spPr>
+          </c:errBars>
           <c:cat>
             <c:strRef>
               <c:f>Sheet1!$A$2:$A$6</c:f>
@@ -1022,16 +1313,16 @@
                   <c:v>Pure</c:v>
                 </c:pt>
                 <c:pt idx="1">
-                  <c:v>Alt Run Switch</c:v>
+                  <c:v>NS Alt Run</c:v>
                 </c:pt>
                 <c:pt idx="2">
-                  <c:v>Alt Run  NS</c:v>
+                  <c:v>Switch Alt Run</c:v>
                 </c:pt>
                 <c:pt idx="3">
-                  <c:v>Rand Switch</c:v>
+                  <c:v>NS Random</c:v>
                 </c:pt>
                 <c:pt idx="4">
-                  <c:v>Rand NS</c:v>
+                  <c:v>Switch Random</c:v>
                 </c:pt>
               </c:strCache>
             </c:strRef>
@@ -1042,12 +1333,27 @@
               <c:numCache>
                 <c:formatCode>General</c:formatCode>
                 <c:ptCount val="5"/>
+                <c:pt idx="0">
+                  <c:v>1536.528</c:v>
+                </c:pt>
+                <c:pt idx="1">
+                  <c:v>2515.8429999999998</c:v>
+                </c:pt>
+                <c:pt idx="2">
+                  <c:v>2911.895</c:v>
+                </c:pt>
+                <c:pt idx="3">
+                  <c:v>1776.491</c:v>
+                </c:pt>
+                <c:pt idx="4">
+                  <c:v>2104.6080000000002</c:v>
+                </c:pt>
               </c:numCache>
             </c:numRef>
           </c:val>
           <c:extLst>
             <c:ext xmlns:c16="http://schemas.microsoft.com/office/drawing/2014/chart" uri="{C3380CC4-5D6E-409C-BE32-E72D297353CC}">
-              <c16:uniqueId val="{00000001-0A2D-45C0-A3D3-258BFEBBFE18}"/>
+              <c16:uniqueId val="{00000001-E090-4EF5-8B21-F63DEB12480B}"/>
             </c:ext>
           </c:extLst>
         </c:ser>
@@ -1070,6 +1376,73 @@
         </c:scaling>
         <c:delete val="0"/>
         <c:axPos val="b"/>
+        <c:title>
+          <c:tx>
+            <c:rich>
+              <a:bodyPr rot="0" spcFirstLastPara="1" vertOverflow="ellipsis" vert="horz" wrap="square" anchor="ctr" anchorCtr="1"/>
+              <a:lstStyle/>
+              <a:p>
+                <a:pPr>
+                  <a:defRPr sz="1330" b="0" i="0" u="none" strike="noStrike" kern="1200" baseline="0">
+                    <a:solidFill>
+                      <a:schemeClr val="tx1">
+                        <a:lumMod val="65000"/>
+                        <a:lumOff val="35000"/>
+                      </a:schemeClr>
+                    </a:solidFill>
+                    <a:latin typeface="+mn-lt"/>
+                    <a:ea typeface="+mn-ea"/>
+                    <a:cs typeface="+mn-cs"/>
+                  </a:defRPr>
+                </a:pPr>
+                <a:r>
+                  <a:rPr lang="en-US" sz="1600" b="1" dirty="0">
+                    <a:solidFill>
+                      <a:schemeClr val="accent1"/>
+                    </a:solidFill>
+                  </a:rPr>
+                  <a:t>Trial Type</a:t>
+                </a:r>
+              </a:p>
+            </c:rich>
+          </c:tx>
+          <c:layout>
+            <c:manualLayout>
+              <c:xMode val="edge"/>
+              <c:yMode val="edge"/>
+              <c:x val="0.43016741287884597"/>
+              <c:y val="0.92980537763883775"/>
+            </c:manualLayout>
+          </c:layout>
+          <c:overlay val="0"/>
+          <c:spPr>
+            <a:noFill/>
+            <a:ln>
+              <a:noFill/>
+            </a:ln>
+            <a:effectLst/>
+          </c:spPr>
+          <c:txPr>
+            <a:bodyPr rot="0" spcFirstLastPara="1" vertOverflow="ellipsis" vert="horz" wrap="square" anchor="ctr" anchorCtr="1"/>
+            <a:lstStyle/>
+            <a:p>
+              <a:pPr>
+                <a:defRPr sz="1330" b="0" i="0" u="none" strike="noStrike" kern="1200" baseline="0">
+                  <a:solidFill>
+                    <a:schemeClr val="tx1">
+                      <a:lumMod val="65000"/>
+                      <a:lumOff val="35000"/>
+                    </a:schemeClr>
+                  </a:solidFill>
+                  <a:latin typeface="+mn-lt"/>
+                  <a:ea typeface="+mn-ea"/>
+                  <a:cs typeface="+mn-cs"/>
+                </a:defRPr>
+              </a:pPr>
+              <a:endParaRPr lang="en-US"/>
+            </a:p>
+          </c:txPr>
+        </c:title>
         <c:numFmt formatCode="General" sourceLinked="1"/>
         <c:majorTickMark val="none"/>
         <c:minorTickMark val="none"/>
@@ -1089,7 +1462,7 @@
           <a:lstStyle/>
           <a:p>
             <a:pPr>
-              <a:defRPr sz="1600" b="1" i="0" u="none" strike="noStrike" kern="1200" baseline="0">
+              <a:defRPr sz="1500" b="1" i="0" u="none" strike="noStrike" kern="1200" baseline="0">
                 <a:solidFill>
                   <a:schemeClr val="tx1"/>
                 </a:solidFill>
@@ -1112,9 +1485,78 @@
         <c:axId val="219545792"/>
         <c:scaling>
           <c:orientation val="minMax"/>
+          <c:max val="3500"/>
+          <c:min val="0"/>
         </c:scaling>
         <c:delete val="0"/>
         <c:axPos val="l"/>
+        <c:title>
+          <c:tx>
+            <c:rich>
+              <a:bodyPr rot="-5400000" spcFirstLastPara="1" vertOverflow="ellipsis" vert="horz" wrap="square" anchor="ctr" anchorCtr="1"/>
+              <a:lstStyle/>
+              <a:p>
+                <a:pPr>
+                  <a:defRPr sz="1330" b="0" i="0" u="none" strike="noStrike" kern="1200" baseline="0">
+                    <a:solidFill>
+                      <a:schemeClr val="tx1">
+                        <a:lumMod val="65000"/>
+                        <a:lumOff val="35000"/>
+                      </a:schemeClr>
+                    </a:solidFill>
+                    <a:latin typeface="+mn-lt"/>
+                    <a:ea typeface="+mn-ea"/>
+                    <a:cs typeface="+mn-cs"/>
+                  </a:defRPr>
+                </a:pPr>
+                <a:r>
+                  <a:rPr lang="en-US" sz="1600" b="1" dirty="0">
+                    <a:solidFill>
+                      <a:schemeClr val="accent1"/>
+                    </a:solidFill>
+                  </a:rPr>
+                  <a:t>Mean RT</a:t>
+                </a:r>
+              </a:p>
+            </c:rich>
+          </c:tx>
+          <c:layout>
+            <c:manualLayout>
+              <c:xMode val="edge"/>
+              <c:yMode val="edge"/>
+              <c:x val="6.2020902701378127E-3"/>
+              <c:y val="0.35681803565645859"/>
+            </c:manualLayout>
+          </c:layout>
+          <c:overlay val="0"/>
+          <c:spPr>
+            <a:noFill/>
+            <a:ln>
+              <a:noFill/>
+            </a:ln>
+            <a:effectLst/>
+          </c:spPr>
+          <c:txPr>
+            <a:bodyPr rot="-5400000" spcFirstLastPara="1" vertOverflow="ellipsis" vert="horz" wrap="square" anchor="ctr" anchorCtr="1"/>
+            <a:lstStyle/>
+            <a:p>
+              <a:pPr>
+                <a:defRPr sz="1330" b="0" i="0" u="none" strike="noStrike" kern="1200" baseline="0">
+                  <a:solidFill>
+                    <a:schemeClr val="tx1">
+                      <a:lumMod val="65000"/>
+                      <a:lumOff val="35000"/>
+                    </a:schemeClr>
+                  </a:solidFill>
+                  <a:latin typeface="+mn-lt"/>
+                  <a:ea typeface="+mn-ea"/>
+                  <a:cs typeface="+mn-cs"/>
+                </a:defRPr>
+              </a:pPr>
+              <a:endParaRPr lang="en-US"/>
+            </a:p>
+          </c:txPr>
+        </c:title>
         <c:numFmt formatCode="General" sourceLinked="1"/>
         <c:majorTickMark val="none"/>
         <c:minorTickMark val="none"/>
@@ -1148,7 +1590,7 @@
         <c:crossAx val="219543824"/>
         <c:crosses val="autoZero"/>
         <c:crossBetween val="between"/>
-        <c:majorUnit val="20"/>
+        <c:majorUnit val="500"/>
       </c:valAx>
       <c:spPr>
         <a:noFill/>
@@ -1159,803 +1601,15 @@
       </c:spPr>
     </c:plotArea>
     <c:legend>
-      <c:legendPos val="b"/>
+      <c:legendPos val="r"/>
       <c:layout>
         <c:manualLayout>
           <c:xMode val="edge"/>
           <c:yMode val="edge"/>
-          <c:x val="0.7495951394957886"/>
-          <c:y val="0.1404446266695599"/>
-          <c:w val="0.24805578330881198"/>
-          <c:h val="0.2021475501523301"/>
-        </c:manualLayout>
-      </c:layout>
-      <c:overlay val="0"/>
-      <c:spPr>
-        <a:noFill/>
-        <a:ln>
-          <a:noFill/>
-        </a:ln>
-        <a:effectLst/>
-      </c:spPr>
-      <c:txPr>
-        <a:bodyPr rot="0" spcFirstLastPara="1" vertOverflow="ellipsis" vert="horz" wrap="square" anchor="ctr" anchorCtr="1"/>
-        <a:lstStyle/>
-        <a:p>
-          <a:pPr>
-            <a:defRPr sz="1600" b="1" i="0" u="none" strike="noStrike" kern="1200" baseline="0">
-              <a:solidFill>
-                <a:schemeClr val="tx1"/>
-              </a:solidFill>
-              <a:latin typeface="+mn-lt"/>
-              <a:ea typeface="+mn-ea"/>
-              <a:cs typeface="+mn-cs"/>
-            </a:defRPr>
-          </a:pPr>
-          <a:endParaRPr lang="en-US"/>
-        </a:p>
-      </c:txPr>
-    </c:legend>
-    <c:plotVisOnly val="1"/>
-    <c:dispBlanksAs val="gap"/>
-    <c:extLst>
-      <c:ext xmlns:c16r3="http://schemas.microsoft.com/office/drawing/2017/03/chart" uri="{56B9EC1D-385E-4148-901F-78D8002777C0}">
-        <c16r3:dataDisplayOptions16>
-          <c16r3:dispNaAsBlank val="1"/>
-        </c16r3:dataDisplayOptions16>
-      </c:ext>
-    </c:extLst>
-    <c:showDLblsOverMax val="0"/>
-  </c:chart>
-  <c:spPr>
-    <a:noFill/>
-    <a:ln>
-      <a:noFill/>
-    </a:ln>
-    <a:effectLst/>
-  </c:spPr>
-  <c:txPr>
-    <a:bodyPr/>
-    <a:lstStyle/>
-    <a:p>
-      <a:pPr>
-        <a:defRPr/>
-      </a:pPr>
-      <a:endParaRPr lang="en-US"/>
-    </a:p>
-  </c:txPr>
-  <c:externalData r:id="rId3">
-    <c:autoUpdate val="0"/>
-  </c:externalData>
-</c:chartSpace>
-</file>
-
-<file path=ppt/charts/chart3.xml><?xml version="1.0" encoding="utf-8"?>
-<c:chartSpace xmlns:c="http://schemas.openxmlformats.org/drawingml/2006/chart" xmlns:a="http://schemas.openxmlformats.org/drawingml/2006/main" xmlns:r="http://schemas.openxmlformats.org/officeDocument/2006/relationships" xmlns:c16r2="http://schemas.microsoft.com/office/drawing/2015/06/chart">
-  <c:date1904 val="0"/>
-  <c:lang val="en-US"/>
-  <c:roundedCorners val="0"/>
-  <mc:AlternateContent xmlns:mc="http://schemas.openxmlformats.org/markup-compatibility/2006">
-    <mc:Choice xmlns:c14="http://schemas.microsoft.com/office/drawing/2007/8/2/chart" Requires="c14">
-      <c14:style val="102"/>
-    </mc:Choice>
-    <mc:Fallback>
-      <c:style val="2"/>
-    </mc:Fallback>
-  </mc:AlternateContent>
-  <c:chart>
-    <c:title>
-      <c:tx>
-        <c:rich>
-          <a:bodyPr rot="0" spcFirstLastPara="1" vertOverflow="ellipsis" vert="horz" wrap="square" anchor="ctr" anchorCtr="1"/>
-          <a:lstStyle/>
-          <a:p>
-            <a:pPr>
-              <a:defRPr sz="1862" b="0" i="0" u="none" strike="noStrike" kern="1200" spc="0" baseline="0">
-                <a:solidFill>
-                  <a:schemeClr val="tx1"/>
-                </a:solidFill>
-                <a:latin typeface="+mn-lt"/>
-                <a:ea typeface="+mn-ea"/>
-                <a:cs typeface="+mn-cs"/>
-              </a:defRPr>
-            </a:pPr>
-            <a:r>
-              <a:rPr lang="en-US" b="1" dirty="0">
-                <a:solidFill>
-                  <a:schemeClr val="tx1"/>
-                </a:solidFill>
-              </a:rPr>
-              <a:t>Mean Error Rates</a:t>
-            </a:r>
-          </a:p>
-        </c:rich>
-      </c:tx>
-      <c:layout>
-        <c:manualLayout>
-          <c:xMode val="edge"/>
-          <c:yMode val="edge"/>
-          <c:x val="0.35966837297697068"/>
-          <c:y val="2.8899150468178831E-2"/>
-        </c:manualLayout>
-      </c:layout>
-      <c:overlay val="0"/>
-      <c:spPr>
-        <a:noFill/>
-        <a:ln>
-          <a:noFill/>
-        </a:ln>
-        <a:effectLst/>
-      </c:spPr>
-      <c:txPr>
-        <a:bodyPr rot="0" spcFirstLastPara="1" vertOverflow="ellipsis" vert="horz" wrap="square" anchor="ctr" anchorCtr="1"/>
-        <a:lstStyle/>
-        <a:p>
-          <a:pPr>
-            <a:defRPr sz="1862" b="0" i="0" u="none" strike="noStrike" kern="1200" spc="0" baseline="0">
-              <a:solidFill>
-                <a:schemeClr val="tx1"/>
-              </a:solidFill>
-              <a:latin typeface="+mn-lt"/>
-              <a:ea typeface="+mn-ea"/>
-              <a:cs typeface="+mn-cs"/>
-            </a:defRPr>
-          </a:pPr>
-          <a:endParaRPr lang="en-US"/>
-        </a:p>
-      </c:txPr>
-    </c:title>
-    <c:autoTitleDeleted val="0"/>
-    <c:plotArea>
-      <c:layout>
-        <c:manualLayout>
-          <c:layoutTarget val="inner"/>
-          <c:xMode val="edge"/>
-          <c:yMode val="edge"/>
-          <c:x val="0.12396173071013049"/>
-          <c:y val="0.13892520460946997"/>
-          <c:w val="0.84016055780357379"/>
-          <c:h val="0.60749963971618337"/>
-        </c:manualLayout>
-      </c:layout>
-      <c:barChart>
-        <c:barDir val="col"/>
-        <c:grouping val="clustered"/>
-        <c:varyColors val="0"/>
-        <c:ser>
-          <c:idx val="0"/>
-          <c:order val="0"/>
-          <c:tx>
-            <c:strRef>
-              <c:f>Sheet1!$B$1</c:f>
-              <c:strCache>
-                <c:ptCount val="1"/>
-                <c:pt idx="0">
-                  <c:v>Predicted</c:v>
-                </c:pt>
-              </c:strCache>
-            </c:strRef>
-          </c:tx>
-          <c:spPr>
-            <a:solidFill>
-              <a:schemeClr val="accent1"/>
-            </a:solidFill>
-            <a:ln>
-              <a:noFill/>
-            </a:ln>
-            <a:effectLst/>
-          </c:spPr>
-          <c:invertIfNegative val="0"/>
-          <c:cat>
-            <c:strRef>
-              <c:f>Sheet1!$A$2:$A$4</c:f>
-              <c:strCache>
-                <c:ptCount val="3"/>
-                <c:pt idx="0">
-                  <c:v>Unrelated</c:v>
-                </c:pt>
-                <c:pt idx="1">
-                  <c:v>Weak Forward Associates</c:v>
-                </c:pt>
-                <c:pt idx="2">
-                  <c:v>Strong Forward Associates</c:v>
-                </c:pt>
-              </c:strCache>
-            </c:strRef>
-          </c:cat>
-          <c:val>
-            <c:numRef>
-              <c:f>Sheet1!$B$2:$B$4</c:f>
-              <c:numCache>
-                <c:formatCode>General</c:formatCode>
-                <c:ptCount val="3"/>
-                <c:pt idx="0">
-                  <c:v>30</c:v>
-                </c:pt>
-                <c:pt idx="1">
-                  <c:v>65</c:v>
-                </c:pt>
-                <c:pt idx="2">
-                  <c:v>75</c:v>
-                </c:pt>
-              </c:numCache>
-            </c:numRef>
-          </c:val>
-          <c:extLst>
-            <c:ext xmlns:c16="http://schemas.microsoft.com/office/drawing/2014/chart" uri="{C3380CC4-5D6E-409C-BE32-E72D297353CC}">
-              <c16:uniqueId val="{00000000-E090-4EF5-8B21-F63DEB12480B}"/>
-            </c:ext>
-          </c:extLst>
-        </c:ser>
-        <c:ser>
-          <c:idx val="1"/>
-          <c:order val="1"/>
-          <c:tx>
-            <c:strRef>
-              <c:f>Sheet1!$C$1</c:f>
-              <c:strCache>
-                <c:ptCount val="1"/>
-                <c:pt idx="0">
-                  <c:v>Actual</c:v>
-                </c:pt>
-              </c:strCache>
-            </c:strRef>
-          </c:tx>
-          <c:spPr>
-            <a:solidFill>
-              <a:schemeClr val="tx1"/>
-            </a:solidFill>
-            <a:ln>
-              <a:solidFill>
-                <a:schemeClr val="tx1"/>
-              </a:solidFill>
-            </a:ln>
-            <a:effectLst/>
-          </c:spPr>
-          <c:invertIfNegative val="0"/>
-          <c:cat>
-            <c:strRef>
-              <c:f>Sheet1!$A$2:$A$4</c:f>
-              <c:strCache>
-                <c:ptCount val="3"/>
-                <c:pt idx="0">
-                  <c:v>Unrelated</c:v>
-                </c:pt>
-                <c:pt idx="1">
-                  <c:v>Weak Forward Associates</c:v>
-                </c:pt>
-                <c:pt idx="2">
-                  <c:v>Strong Forward Associates</c:v>
-                </c:pt>
-              </c:strCache>
-            </c:strRef>
-          </c:cat>
-          <c:val>
-            <c:numRef>
-              <c:f>Sheet1!$C$2:$C$4</c:f>
-              <c:numCache>
-                <c:formatCode>General</c:formatCode>
-                <c:ptCount val="3"/>
-                <c:pt idx="0">
-                  <c:v>20</c:v>
-                </c:pt>
-                <c:pt idx="1">
-                  <c:v>70</c:v>
-                </c:pt>
-                <c:pt idx="2">
-                  <c:v>90</c:v>
-                </c:pt>
-              </c:numCache>
-            </c:numRef>
-          </c:val>
-          <c:extLst>
-            <c:ext xmlns:c16="http://schemas.microsoft.com/office/drawing/2014/chart" uri="{C3380CC4-5D6E-409C-BE32-E72D297353CC}">
-              <c16:uniqueId val="{00000001-E090-4EF5-8B21-F63DEB12480B}"/>
-            </c:ext>
-          </c:extLst>
-        </c:ser>
-        <c:dLbls>
-          <c:showLegendKey val="0"/>
-          <c:showVal val="0"/>
-          <c:showCatName val="0"/>
-          <c:showSerName val="0"/>
-          <c:showPercent val="0"/>
-          <c:showBubbleSize val="0"/>
-        </c:dLbls>
-        <c:gapWidth val="219"/>
-        <c:axId val="219543824"/>
-        <c:axId val="219545792"/>
-      </c:barChart>
-      <c:catAx>
-        <c:axId val="219543824"/>
-        <c:scaling>
-          <c:orientation val="minMax"/>
-        </c:scaling>
-        <c:delete val="0"/>
-        <c:axPos val="b"/>
-        <c:numFmt formatCode="General" sourceLinked="1"/>
-        <c:majorTickMark val="none"/>
-        <c:minorTickMark val="none"/>
-        <c:tickLblPos val="nextTo"/>
-        <c:spPr>
-          <a:noFill/>
-          <a:ln w="9525" cap="flat" cmpd="sng" algn="ctr">
-            <a:solidFill>
-              <a:schemeClr val="tx1"/>
-            </a:solidFill>
-            <a:round/>
-          </a:ln>
-          <a:effectLst/>
-        </c:spPr>
-        <c:txPr>
-          <a:bodyPr rot="-60000000" spcFirstLastPara="1" vertOverflow="ellipsis" vert="horz" wrap="square" anchor="ctr" anchorCtr="1"/>
-          <a:lstStyle/>
-          <a:p>
-            <a:pPr>
-              <a:defRPr sz="1600" b="1" i="0" u="none" strike="noStrike" kern="1200" baseline="0">
-                <a:solidFill>
-                  <a:schemeClr val="tx1"/>
-                </a:solidFill>
-                <a:latin typeface="+mn-lt"/>
-                <a:ea typeface="+mn-ea"/>
-                <a:cs typeface="+mn-cs"/>
-              </a:defRPr>
-            </a:pPr>
-            <a:endParaRPr lang="en-US"/>
-          </a:p>
-        </c:txPr>
-        <c:crossAx val="219545792"/>
-        <c:crosses val="autoZero"/>
-        <c:auto val="1"/>
-        <c:lblAlgn val="ctr"/>
-        <c:lblOffset val="100"/>
-        <c:noMultiLvlLbl val="0"/>
-      </c:catAx>
-      <c:valAx>
-        <c:axId val="219545792"/>
-        <c:scaling>
-          <c:orientation val="minMax"/>
-        </c:scaling>
-        <c:delete val="0"/>
-        <c:axPos val="l"/>
-        <c:numFmt formatCode="General" sourceLinked="1"/>
-        <c:majorTickMark val="none"/>
-        <c:minorTickMark val="none"/>
-        <c:tickLblPos val="nextTo"/>
-        <c:spPr>
-          <a:noFill/>
-          <a:ln>
-            <a:solidFill>
-              <a:schemeClr val="tx1"/>
-            </a:solidFill>
-          </a:ln>
-          <a:effectLst/>
-        </c:spPr>
-        <c:txPr>
-          <a:bodyPr rot="-60000000" spcFirstLastPara="1" vertOverflow="ellipsis" vert="horz" wrap="square" anchor="ctr" anchorCtr="1"/>
-          <a:lstStyle/>
-          <a:p>
-            <a:pPr>
-              <a:defRPr sz="1600" b="1" i="0" u="none" strike="noStrike" kern="1200" baseline="0">
-                <a:solidFill>
-                  <a:schemeClr val="tx1"/>
-                </a:solidFill>
-                <a:latin typeface="+mn-lt"/>
-                <a:ea typeface="+mn-ea"/>
-                <a:cs typeface="+mn-cs"/>
-              </a:defRPr>
-            </a:pPr>
-            <a:endParaRPr lang="en-US"/>
-          </a:p>
-        </c:txPr>
-        <c:crossAx val="219543824"/>
-        <c:crosses val="autoZero"/>
-        <c:crossBetween val="between"/>
-        <c:majorUnit val="20"/>
-      </c:valAx>
-      <c:spPr>
-        <a:noFill/>
-        <a:ln>
-          <a:noFill/>
-        </a:ln>
-        <a:effectLst/>
-      </c:spPr>
-    </c:plotArea>
-    <c:legend>
-      <c:legendPos val="b"/>
-      <c:layout>
-        <c:manualLayout>
-          <c:xMode val="edge"/>
-          <c:yMode val="edge"/>
-          <c:x val="0.16502600186780286"/>
-          <c:y val="0.17328738383650782"/>
-          <c:w val="0.24805578330881198"/>
-          <c:h val="0.13347609896138779"/>
-        </c:manualLayout>
-      </c:layout>
-      <c:overlay val="0"/>
-      <c:spPr>
-        <a:noFill/>
-        <a:ln>
-          <a:noFill/>
-        </a:ln>
-        <a:effectLst/>
-      </c:spPr>
-      <c:txPr>
-        <a:bodyPr rot="0" spcFirstLastPara="1" vertOverflow="ellipsis" vert="horz" wrap="square" anchor="ctr" anchorCtr="1"/>
-        <a:lstStyle/>
-        <a:p>
-          <a:pPr>
-            <a:defRPr sz="1600" b="1" i="0" u="none" strike="noStrike" kern="1200" baseline="0">
-              <a:solidFill>
-                <a:schemeClr val="tx1"/>
-              </a:solidFill>
-              <a:latin typeface="+mn-lt"/>
-              <a:ea typeface="+mn-ea"/>
-              <a:cs typeface="+mn-cs"/>
-            </a:defRPr>
-          </a:pPr>
-          <a:endParaRPr lang="en-US"/>
-        </a:p>
-      </c:txPr>
-    </c:legend>
-    <c:plotVisOnly val="1"/>
-    <c:dispBlanksAs val="gap"/>
-    <c:extLst>
-      <c:ext xmlns:c16r3="http://schemas.microsoft.com/office/drawing/2017/03/chart" uri="{56B9EC1D-385E-4148-901F-78D8002777C0}">
-        <c16r3:dataDisplayOptions16>
-          <c16r3:dispNaAsBlank val="1"/>
-        </c16r3:dataDisplayOptions16>
-      </c:ext>
-    </c:extLst>
-    <c:showDLblsOverMax val="0"/>
-  </c:chart>
-  <c:spPr>
-    <a:noFill/>
-    <a:ln>
-      <a:noFill/>
-    </a:ln>
-    <a:effectLst/>
-  </c:spPr>
-  <c:txPr>
-    <a:bodyPr/>
-    <a:lstStyle/>
-    <a:p>
-      <a:pPr>
-        <a:defRPr/>
-      </a:pPr>
-      <a:endParaRPr lang="en-US"/>
-    </a:p>
-  </c:txPr>
-  <c:externalData r:id="rId3">
-    <c:autoUpdate val="0"/>
-  </c:externalData>
-</c:chartSpace>
-</file>
-
-<file path=ppt/charts/chart4.xml><?xml version="1.0" encoding="utf-8"?>
-<c:chartSpace xmlns:c="http://schemas.openxmlformats.org/drawingml/2006/chart" xmlns:a="http://schemas.openxmlformats.org/drawingml/2006/main" xmlns:r="http://schemas.openxmlformats.org/officeDocument/2006/relationships" xmlns:c16r2="http://schemas.microsoft.com/office/drawing/2015/06/chart">
-  <c:date1904 val="0"/>
-  <c:lang val="en-US"/>
-  <c:roundedCorners val="0"/>
-  <mc:AlternateContent xmlns:mc="http://schemas.openxmlformats.org/markup-compatibility/2006">
-    <mc:Choice xmlns:c14="http://schemas.microsoft.com/office/drawing/2007/8/2/chart" Requires="c14">
-      <c14:style val="102"/>
-    </mc:Choice>
-    <mc:Fallback>
-      <c:style val="2"/>
-    </mc:Fallback>
-  </mc:AlternateContent>
-  <c:chart>
-    <c:title>
-      <c:tx>
-        <c:rich>
-          <a:bodyPr rot="0" spcFirstLastPara="1" vertOverflow="ellipsis" vert="horz" wrap="square" anchor="ctr" anchorCtr="1"/>
-          <a:lstStyle/>
-          <a:p>
-            <a:pPr>
-              <a:defRPr sz="1862" b="0" i="0" u="none" strike="noStrike" kern="1200" spc="0" baseline="0">
-                <a:solidFill>
-                  <a:schemeClr val="tx1"/>
-                </a:solidFill>
-                <a:latin typeface="+mn-lt"/>
-                <a:ea typeface="+mn-ea"/>
-                <a:cs typeface="+mn-cs"/>
-              </a:defRPr>
-            </a:pPr>
-            <a:r>
-              <a:rPr lang="en-US" b="1" dirty="0">
-                <a:solidFill>
-                  <a:schemeClr val="tx1"/>
-                </a:solidFill>
-              </a:rPr>
-              <a:t>Mean RTs</a:t>
-            </a:r>
-          </a:p>
-        </c:rich>
-      </c:tx>
-      <c:layout>
-        <c:manualLayout>
-          <c:xMode val="edge"/>
-          <c:yMode val="edge"/>
-          <c:x val="0.34209558232495718"/>
-          <c:y val="1.9669064124246537E-2"/>
-        </c:manualLayout>
-      </c:layout>
-      <c:overlay val="0"/>
-      <c:spPr>
-        <a:noFill/>
-        <a:ln>
-          <a:noFill/>
-        </a:ln>
-        <a:effectLst/>
-      </c:spPr>
-      <c:txPr>
-        <a:bodyPr rot="0" spcFirstLastPara="1" vertOverflow="ellipsis" vert="horz" wrap="square" anchor="ctr" anchorCtr="1"/>
-        <a:lstStyle/>
-        <a:p>
-          <a:pPr>
-            <a:defRPr sz="1862" b="0" i="0" u="none" strike="noStrike" kern="1200" spc="0" baseline="0">
-              <a:solidFill>
-                <a:schemeClr val="tx1"/>
-              </a:solidFill>
-              <a:latin typeface="+mn-lt"/>
-              <a:ea typeface="+mn-ea"/>
-              <a:cs typeface="+mn-cs"/>
-            </a:defRPr>
-          </a:pPr>
-          <a:endParaRPr lang="en-US"/>
-        </a:p>
-      </c:txPr>
-    </c:title>
-    <c:autoTitleDeleted val="0"/>
-    <c:plotArea>
-      <c:layout/>
-      <c:barChart>
-        <c:barDir val="col"/>
-        <c:grouping val="clustered"/>
-        <c:varyColors val="0"/>
-        <c:ser>
-          <c:idx val="0"/>
-          <c:order val="0"/>
-          <c:tx>
-            <c:strRef>
-              <c:f>Sheet1!$B$1</c:f>
-              <c:strCache>
-                <c:ptCount val="1"/>
-                <c:pt idx="0">
-                  <c:v>Predicted</c:v>
-                </c:pt>
-              </c:strCache>
-            </c:strRef>
-          </c:tx>
-          <c:spPr>
-            <a:solidFill>
-              <a:schemeClr val="accent1"/>
-            </a:solidFill>
-            <a:ln>
-              <a:noFill/>
-            </a:ln>
-            <a:effectLst/>
-          </c:spPr>
-          <c:invertIfNegative val="0"/>
-          <c:cat>
-            <c:strRef>
-              <c:f>Sheet1!$A$2:$A$3</c:f>
-              <c:strCache>
-                <c:ptCount val="2"/>
-                <c:pt idx="0">
-                  <c:v>Backward</c:v>
-                </c:pt>
-                <c:pt idx="1">
-                  <c:v>Forward</c:v>
-                </c:pt>
-              </c:strCache>
-            </c:strRef>
-          </c:cat>
-          <c:val>
-            <c:numRef>
-              <c:f>Sheet1!$B$2:$B$3</c:f>
-              <c:numCache>
-                <c:formatCode>General</c:formatCode>
-                <c:ptCount val="2"/>
-                <c:pt idx="0">
-                  <c:v>75</c:v>
-                </c:pt>
-                <c:pt idx="1">
-                  <c:v>80</c:v>
-                </c:pt>
-              </c:numCache>
-            </c:numRef>
-          </c:val>
-          <c:extLst>
-            <c:ext xmlns:c16="http://schemas.microsoft.com/office/drawing/2014/chart" uri="{C3380CC4-5D6E-409C-BE32-E72D297353CC}">
-              <c16:uniqueId val="{00000000-CA36-4C5A-A75C-145B38F49F8D}"/>
-            </c:ext>
-          </c:extLst>
-        </c:ser>
-        <c:ser>
-          <c:idx val="1"/>
-          <c:order val="1"/>
-          <c:tx>
-            <c:strRef>
-              <c:f>Sheet1!$C$1</c:f>
-              <c:strCache>
-                <c:ptCount val="1"/>
-                <c:pt idx="0">
-                  <c:v>Actual</c:v>
-                </c:pt>
-              </c:strCache>
-            </c:strRef>
-          </c:tx>
-          <c:spPr>
-            <a:solidFill>
-              <a:schemeClr val="tx1"/>
-            </a:solidFill>
-            <a:ln>
-              <a:solidFill>
-                <a:schemeClr val="tx1"/>
-              </a:solidFill>
-            </a:ln>
-            <a:effectLst/>
-          </c:spPr>
-          <c:invertIfNegative val="0"/>
-          <c:cat>
-            <c:strRef>
-              <c:f>Sheet1!$A$2:$A$3</c:f>
-              <c:strCache>
-                <c:ptCount val="2"/>
-                <c:pt idx="0">
-                  <c:v>Backward</c:v>
-                </c:pt>
-                <c:pt idx="1">
-                  <c:v>Forward</c:v>
-                </c:pt>
-              </c:strCache>
-            </c:strRef>
-          </c:cat>
-          <c:val>
-            <c:numRef>
-              <c:f>Sheet1!$C$2:$C$3</c:f>
-              <c:numCache>
-                <c:formatCode>General</c:formatCode>
-                <c:ptCount val="2"/>
-                <c:pt idx="0">
-                  <c:v>60</c:v>
-                </c:pt>
-                <c:pt idx="1">
-                  <c:v>85</c:v>
-                </c:pt>
-              </c:numCache>
-            </c:numRef>
-          </c:val>
-          <c:extLst>
-            <c:ext xmlns:c16="http://schemas.microsoft.com/office/drawing/2014/chart" uri="{C3380CC4-5D6E-409C-BE32-E72D297353CC}">
-              <c16:uniqueId val="{00000001-CA36-4C5A-A75C-145B38F49F8D}"/>
-            </c:ext>
-          </c:extLst>
-        </c:ser>
-        <c:dLbls>
-          <c:showLegendKey val="0"/>
-          <c:showVal val="0"/>
-          <c:showCatName val="0"/>
-          <c:showSerName val="0"/>
-          <c:showPercent val="0"/>
-          <c:showBubbleSize val="0"/>
-        </c:dLbls>
-        <c:gapWidth val="219"/>
-        <c:overlap val="-27"/>
-        <c:axId val="219543824"/>
-        <c:axId val="219545792"/>
-      </c:barChart>
-      <c:catAx>
-        <c:axId val="219543824"/>
-        <c:scaling>
-          <c:orientation val="minMax"/>
-        </c:scaling>
-        <c:delete val="0"/>
-        <c:axPos val="b"/>
-        <c:numFmt formatCode="General" sourceLinked="1"/>
-        <c:majorTickMark val="none"/>
-        <c:minorTickMark val="none"/>
-        <c:tickLblPos val="nextTo"/>
-        <c:spPr>
-          <a:noFill/>
-          <a:ln w="9525" cap="flat" cmpd="sng" algn="ctr">
-            <a:solidFill>
-              <a:schemeClr val="tx1"/>
-            </a:solidFill>
-            <a:round/>
-          </a:ln>
-          <a:effectLst/>
-        </c:spPr>
-        <c:txPr>
-          <a:bodyPr rot="-60000000" spcFirstLastPara="1" vertOverflow="ellipsis" vert="horz" wrap="square" anchor="ctr" anchorCtr="1"/>
-          <a:lstStyle/>
-          <a:p>
-            <a:pPr>
-              <a:defRPr sz="1600" b="1" i="0" u="none" strike="noStrike" kern="1200" baseline="0">
-                <a:solidFill>
-                  <a:schemeClr val="tx1"/>
-                </a:solidFill>
-                <a:latin typeface="+mn-lt"/>
-                <a:ea typeface="+mn-ea"/>
-                <a:cs typeface="+mn-cs"/>
-              </a:defRPr>
-            </a:pPr>
-            <a:endParaRPr lang="en-US"/>
-          </a:p>
-        </c:txPr>
-        <c:crossAx val="219545792"/>
-        <c:crosses val="autoZero"/>
-        <c:auto val="1"/>
-        <c:lblAlgn val="ctr"/>
-        <c:lblOffset val="100"/>
-        <c:noMultiLvlLbl val="0"/>
-      </c:catAx>
-      <c:valAx>
-        <c:axId val="219545792"/>
-        <c:scaling>
-          <c:orientation val="minMax"/>
-          <c:max val="100"/>
-        </c:scaling>
-        <c:delete val="0"/>
-        <c:axPos val="l"/>
-        <c:numFmt formatCode="General" sourceLinked="1"/>
-        <c:majorTickMark val="none"/>
-        <c:minorTickMark val="none"/>
-        <c:tickLblPos val="nextTo"/>
-        <c:spPr>
-          <a:noFill/>
-          <a:ln>
-            <a:solidFill>
-              <a:schemeClr val="tx1"/>
-            </a:solidFill>
-          </a:ln>
-          <a:effectLst/>
-        </c:spPr>
-        <c:txPr>
-          <a:bodyPr rot="-60000000" spcFirstLastPara="1" vertOverflow="ellipsis" vert="horz" wrap="square" anchor="ctr" anchorCtr="1"/>
-          <a:lstStyle/>
-          <a:p>
-            <a:pPr>
-              <a:defRPr sz="1600" b="1" i="0" u="none" strike="noStrike" kern="1200" baseline="0">
-                <a:ln>
-                  <a:noFill/>
-                </a:ln>
-                <a:solidFill>
-                  <a:schemeClr val="tx1"/>
-                </a:solidFill>
-                <a:latin typeface="+mn-lt"/>
-                <a:ea typeface="+mn-ea"/>
-                <a:cs typeface="+mn-cs"/>
-              </a:defRPr>
-            </a:pPr>
-            <a:endParaRPr lang="en-US"/>
-          </a:p>
-        </c:txPr>
-        <c:crossAx val="219543824"/>
-        <c:crosses val="autoZero"/>
-        <c:crossBetween val="between"/>
-      </c:valAx>
-      <c:spPr>
-        <a:noFill/>
-        <a:ln>
-          <a:noFill/>
-        </a:ln>
-        <a:effectLst/>
-      </c:spPr>
-    </c:plotArea>
-    <c:legend>
-      <c:legendPos val="b"/>
-      <c:layout>
-        <c:manualLayout>
-          <c:xMode val="edge"/>
-          <c:yMode val="edge"/>
-          <c:x val="0.13731697227757489"/>
-          <c:y val="0.11198832494283839"/>
-          <c:w val="0.30684098688994538"/>
-          <c:h val="0.14607411544522708"/>
+          <c:x val="0.87346842779067912"/>
+          <c:y val="0.47441598463512874"/>
+          <c:w val="0.11726019310262931"/>
+          <c:h val="0.29026649370056323"/>
         </c:manualLayout>
       </c:layout>
       <c:overlay val="0"/>
@@ -2059,86 +1713,6 @@
 </file>
 
 <file path=ppt/charts/colors2.xml><?xml version="1.0" encoding="utf-8"?>
-<cs:colorStyle xmlns:cs="http://schemas.microsoft.com/office/drawing/2012/chartStyle" xmlns:a="http://schemas.openxmlformats.org/drawingml/2006/main" meth="cycle" id="10">
-  <a:schemeClr val="accent1"/>
-  <a:schemeClr val="accent2"/>
-  <a:schemeClr val="accent3"/>
-  <a:schemeClr val="accent4"/>
-  <a:schemeClr val="accent5"/>
-  <a:schemeClr val="accent6"/>
-  <cs:variation/>
-  <cs:variation>
-    <a:lumMod val="60000"/>
-  </cs:variation>
-  <cs:variation>
-    <a:lumMod val="80000"/>
-    <a:lumOff val="20000"/>
-  </cs:variation>
-  <cs:variation>
-    <a:lumMod val="80000"/>
-  </cs:variation>
-  <cs:variation>
-    <a:lumMod val="60000"/>
-    <a:lumOff val="40000"/>
-  </cs:variation>
-  <cs:variation>
-    <a:lumMod val="50000"/>
-  </cs:variation>
-  <cs:variation>
-    <a:lumMod val="70000"/>
-    <a:lumOff val="30000"/>
-  </cs:variation>
-  <cs:variation>
-    <a:lumMod val="70000"/>
-  </cs:variation>
-  <cs:variation>
-    <a:lumMod val="50000"/>
-    <a:lumOff val="50000"/>
-  </cs:variation>
-</cs:colorStyle>
-</file>
-
-<file path=ppt/charts/colors3.xml><?xml version="1.0" encoding="utf-8"?>
-<cs:colorStyle xmlns:cs="http://schemas.microsoft.com/office/drawing/2012/chartStyle" xmlns:a="http://schemas.openxmlformats.org/drawingml/2006/main" meth="cycle" id="10">
-  <a:schemeClr val="accent1"/>
-  <a:schemeClr val="accent2"/>
-  <a:schemeClr val="accent3"/>
-  <a:schemeClr val="accent4"/>
-  <a:schemeClr val="accent5"/>
-  <a:schemeClr val="accent6"/>
-  <cs:variation/>
-  <cs:variation>
-    <a:lumMod val="60000"/>
-  </cs:variation>
-  <cs:variation>
-    <a:lumMod val="80000"/>
-    <a:lumOff val="20000"/>
-  </cs:variation>
-  <cs:variation>
-    <a:lumMod val="80000"/>
-  </cs:variation>
-  <cs:variation>
-    <a:lumMod val="60000"/>
-    <a:lumOff val="40000"/>
-  </cs:variation>
-  <cs:variation>
-    <a:lumMod val="50000"/>
-  </cs:variation>
-  <cs:variation>
-    <a:lumMod val="70000"/>
-    <a:lumOff val="30000"/>
-  </cs:variation>
-  <cs:variation>
-    <a:lumMod val="70000"/>
-  </cs:variation>
-  <cs:variation>
-    <a:lumMod val="50000"/>
-    <a:lumOff val="50000"/>
-  </cs:variation>
-</cs:colorStyle>
-</file>
-
-<file path=ppt/charts/colors4.xml><?xml version="1.0" encoding="utf-8"?>
 <cs:colorStyle xmlns:cs="http://schemas.microsoft.com/office/drawing/2012/chartStyle" xmlns:a="http://schemas.openxmlformats.org/drawingml/2006/main" meth="cycle" id="10">
   <a:schemeClr val="accent1"/>
   <a:schemeClr val="accent2"/>
@@ -2682,1012 +2256,6 @@
 </file>
 
 <file path=ppt/charts/style2.xml><?xml version="1.0" encoding="utf-8"?>
-<cs:chartStyle xmlns:cs="http://schemas.microsoft.com/office/drawing/2012/chartStyle" xmlns:a="http://schemas.openxmlformats.org/drawingml/2006/main" id="201">
-  <cs:axisTitle>
-    <cs:lnRef idx="0"/>
-    <cs:fillRef idx="0"/>
-    <cs:effectRef idx="0"/>
-    <cs:fontRef idx="minor">
-      <a:schemeClr val="tx1">
-        <a:lumMod val="65000"/>
-        <a:lumOff val="35000"/>
-      </a:schemeClr>
-    </cs:fontRef>
-    <cs:defRPr sz="1330" kern="1200"/>
-  </cs:axisTitle>
-  <cs:categoryAxis>
-    <cs:lnRef idx="0"/>
-    <cs:fillRef idx="0"/>
-    <cs:effectRef idx="0"/>
-    <cs:fontRef idx="minor">
-      <a:schemeClr val="tx1">
-        <a:lumMod val="65000"/>
-        <a:lumOff val="35000"/>
-      </a:schemeClr>
-    </cs:fontRef>
-    <cs:spPr>
-      <a:ln w="9525" cap="flat" cmpd="sng" algn="ctr">
-        <a:solidFill>
-          <a:schemeClr val="tx1">
-            <a:lumMod val="15000"/>
-            <a:lumOff val="85000"/>
-          </a:schemeClr>
-        </a:solidFill>
-        <a:round/>
-      </a:ln>
-    </cs:spPr>
-    <cs:defRPr sz="1197" kern="1200"/>
-  </cs:categoryAxis>
-  <cs:chartArea mods="allowNoFillOverride allowNoLineOverride">
-    <cs:lnRef idx="0"/>
-    <cs:fillRef idx="0"/>
-    <cs:effectRef idx="0"/>
-    <cs:fontRef idx="minor">
-      <a:schemeClr val="tx1"/>
-    </cs:fontRef>
-    <cs:spPr>
-      <a:solidFill>
-        <a:schemeClr val="bg1"/>
-      </a:solidFill>
-      <a:ln w="9525" cap="flat" cmpd="sng" algn="ctr">
-        <a:solidFill>
-          <a:schemeClr val="tx1">
-            <a:lumMod val="15000"/>
-            <a:lumOff val="85000"/>
-          </a:schemeClr>
-        </a:solidFill>
-        <a:round/>
-      </a:ln>
-    </cs:spPr>
-    <cs:defRPr sz="1330" kern="1200"/>
-  </cs:chartArea>
-  <cs:dataLabel>
-    <cs:lnRef idx="0"/>
-    <cs:fillRef idx="0"/>
-    <cs:effectRef idx="0"/>
-    <cs:fontRef idx="minor">
-      <a:schemeClr val="tx1">
-        <a:lumMod val="75000"/>
-        <a:lumOff val="25000"/>
-      </a:schemeClr>
-    </cs:fontRef>
-    <cs:defRPr sz="1197" kern="1200"/>
-  </cs:dataLabel>
-  <cs:dataLabelCallout>
-    <cs:lnRef idx="0"/>
-    <cs:fillRef idx="0"/>
-    <cs:effectRef idx="0"/>
-    <cs:fontRef idx="minor">
-      <a:schemeClr val="dk1">
-        <a:lumMod val="65000"/>
-        <a:lumOff val="35000"/>
-      </a:schemeClr>
-    </cs:fontRef>
-    <cs:spPr>
-      <a:solidFill>
-        <a:schemeClr val="lt1"/>
-      </a:solidFill>
-      <a:ln>
-        <a:solidFill>
-          <a:schemeClr val="dk1">
-            <a:lumMod val="25000"/>
-            <a:lumOff val="75000"/>
-          </a:schemeClr>
-        </a:solidFill>
-      </a:ln>
-    </cs:spPr>
-    <cs:defRPr sz="1197" kern="1200"/>
-    <cs:bodyPr rot="0" spcFirstLastPara="1" vertOverflow="clip" horzOverflow="clip" vert="horz" wrap="square" lIns="36576" tIns="18288" rIns="36576" bIns="18288" anchor="ctr" anchorCtr="1">
-      <a:spAutoFit/>
-    </cs:bodyPr>
-  </cs:dataLabelCallout>
-  <cs:dataPoint>
-    <cs:lnRef idx="0"/>
-    <cs:fillRef idx="1">
-      <cs:styleClr val="auto"/>
-    </cs:fillRef>
-    <cs:effectRef idx="0"/>
-    <cs:fontRef idx="minor">
-      <a:schemeClr val="tx1"/>
-    </cs:fontRef>
-  </cs:dataPoint>
-  <cs:dataPoint3D>
-    <cs:lnRef idx="0"/>
-    <cs:fillRef idx="1">
-      <cs:styleClr val="auto"/>
-    </cs:fillRef>
-    <cs:effectRef idx="0"/>
-    <cs:fontRef idx="minor">
-      <a:schemeClr val="tx1"/>
-    </cs:fontRef>
-  </cs:dataPoint3D>
-  <cs:dataPointLine>
-    <cs:lnRef idx="0">
-      <cs:styleClr val="auto"/>
-    </cs:lnRef>
-    <cs:fillRef idx="1"/>
-    <cs:effectRef idx="0"/>
-    <cs:fontRef idx="minor">
-      <a:schemeClr val="tx1"/>
-    </cs:fontRef>
-    <cs:spPr>
-      <a:ln w="28575" cap="rnd">
-        <a:solidFill>
-          <a:schemeClr val="phClr"/>
-        </a:solidFill>
-        <a:round/>
-      </a:ln>
-    </cs:spPr>
-  </cs:dataPointLine>
-  <cs:dataPointMarker>
-    <cs:lnRef idx="0">
-      <cs:styleClr val="auto"/>
-    </cs:lnRef>
-    <cs:fillRef idx="1">
-      <cs:styleClr val="auto"/>
-    </cs:fillRef>
-    <cs:effectRef idx="0"/>
-    <cs:fontRef idx="minor">
-      <a:schemeClr val="tx1"/>
-    </cs:fontRef>
-    <cs:spPr>
-      <a:ln w="9525">
-        <a:solidFill>
-          <a:schemeClr val="phClr"/>
-        </a:solidFill>
-      </a:ln>
-    </cs:spPr>
-  </cs:dataPointMarker>
-  <cs:dataPointMarkerLayout symbol="circle" size="5"/>
-  <cs:dataPointWireframe>
-    <cs:lnRef idx="0">
-      <cs:styleClr val="auto"/>
-    </cs:lnRef>
-    <cs:fillRef idx="1"/>
-    <cs:effectRef idx="0"/>
-    <cs:fontRef idx="minor">
-      <a:schemeClr val="tx1"/>
-    </cs:fontRef>
-    <cs:spPr>
-      <a:ln w="9525" cap="rnd">
-        <a:solidFill>
-          <a:schemeClr val="phClr"/>
-        </a:solidFill>
-        <a:round/>
-      </a:ln>
-    </cs:spPr>
-  </cs:dataPointWireframe>
-  <cs:dataTable>
-    <cs:lnRef idx="0"/>
-    <cs:fillRef idx="0"/>
-    <cs:effectRef idx="0"/>
-    <cs:fontRef idx="minor">
-      <a:schemeClr val="tx1">
-        <a:lumMod val="65000"/>
-        <a:lumOff val="35000"/>
-      </a:schemeClr>
-    </cs:fontRef>
-    <cs:spPr>
-      <a:noFill/>
-      <a:ln w="9525" cap="flat" cmpd="sng" algn="ctr">
-        <a:solidFill>
-          <a:schemeClr val="tx1">
-            <a:lumMod val="15000"/>
-            <a:lumOff val="85000"/>
-          </a:schemeClr>
-        </a:solidFill>
-        <a:round/>
-      </a:ln>
-    </cs:spPr>
-    <cs:defRPr sz="1197" kern="1200"/>
-  </cs:dataTable>
-  <cs:downBar>
-    <cs:lnRef idx="0"/>
-    <cs:fillRef idx="0"/>
-    <cs:effectRef idx="0"/>
-    <cs:fontRef idx="minor">
-      <a:schemeClr val="dk1"/>
-    </cs:fontRef>
-    <cs:spPr>
-      <a:solidFill>
-        <a:schemeClr val="dk1">
-          <a:lumMod val="65000"/>
-          <a:lumOff val="35000"/>
-        </a:schemeClr>
-      </a:solidFill>
-      <a:ln w="9525">
-        <a:solidFill>
-          <a:schemeClr val="tx1">
-            <a:lumMod val="65000"/>
-            <a:lumOff val="35000"/>
-          </a:schemeClr>
-        </a:solidFill>
-      </a:ln>
-    </cs:spPr>
-  </cs:downBar>
-  <cs:dropLine>
-    <cs:lnRef idx="0"/>
-    <cs:fillRef idx="0"/>
-    <cs:effectRef idx="0"/>
-    <cs:fontRef idx="minor">
-      <a:schemeClr val="tx1"/>
-    </cs:fontRef>
-    <cs:spPr>
-      <a:ln w="9525" cap="flat" cmpd="sng" algn="ctr">
-        <a:solidFill>
-          <a:schemeClr val="tx1">
-            <a:lumMod val="35000"/>
-            <a:lumOff val="65000"/>
-          </a:schemeClr>
-        </a:solidFill>
-        <a:round/>
-      </a:ln>
-    </cs:spPr>
-  </cs:dropLine>
-  <cs:errorBar>
-    <cs:lnRef idx="0"/>
-    <cs:fillRef idx="0"/>
-    <cs:effectRef idx="0"/>
-    <cs:fontRef idx="minor">
-      <a:schemeClr val="tx1"/>
-    </cs:fontRef>
-    <cs:spPr>
-      <a:ln w="9525" cap="flat" cmpd="sng" algn="ctr">
-        <a:solidFill>
-          <a:schemeClr val="tx1">
-            <a:lumMod val="65000"/>
-            <a:lumOff val="35000"/>
-          </a:schemeClr>
-        </a:solidFill>
-        <a:round/>
-      </a:ln>
-    </cs:spPr>
-  </cs:errorBar>
-  <cs:floor>
-    <cs:lnRef idx="0"/>
-    <cs:fillRef idx="0"/>
-    <cs:effectRef idx="0"/>
-    <cs:fontRef idx="minor">
-      <a:schemeClr val="tx1"/>
-    </cs:fontRef>
-    <cs:spPr>
-      <a:noFill/>
-      <a:ln>
-        <a:noFill/>
-      </a:ln>
-    </cs:spPr>
-  </cs:floor>
-  <cs:gridlineMajor>
-    <cs:lnRef idx="0"/>
-    <cs:fillRef idx="0"/>
-    <cs:effectRef idx="0"/>
-    <cs:fontRef idx="minor">
-      <a:schemeClr val="tx1"/>
-    </cs:fontRef>
-    <cs:spPr>
-      <a:ln w="9525" cap="flat" cmpd="sng" algn="ctr">
-        <a:solidFill>
-          <a:schemeClr val="tx1">
-            <a:lumMod val="15000"/>
-            <a:lumOff val="85000"/>
-          </a:schemeClr>
-        </a:solidFill>
-        <a:round/>
-      </a:ln>
-    </cs:spPr>
-  </cs:gridlineMajor>
-  <cs:gridlineMinor>
-    <cs:lnRef idx="0"/>
-    <cs:fillRef idx="0"/>
-    <cs:effectRef idx="0"/>
-    <cs:fontRef idx="minor">
-      <a:schemeClr val="tx1"/>
-    </cs:fontRef>
-    <cs:spPr>
-      <a:ln w="9525" cap="flat" cmpd="sng" algn="ctr">
-        <a:solidFill>
-          <a:schemeClr val="tx1">
-            <a:lumMod val="5000"/>
-            <a:lumOff val="95000"/>
-          </a:schemeClr>
-        </a:solidFill>
-        <a:round/>
-      </a:ln>
-    </cs:spPr>
-  </cs:gridlineMinor>
-  <cs:hiLoLine>
-    <cs:lnRef idx="0"/>
-    <cs:fillRef idx="0"/>
-    <cs:effectRef idx="0"/>
-    <cs:fontRef idx="minor">
-      <a:schemeClr val="tx1"/>
-    </cs:fontRef>
-    <cs:spPr>
-      <a:ln w="9525" cap="flat" cmpd="sng" algn="ctr">
-        <a:solidFill>
-          <a:schemeClr val="tx1">
-            <a:lumMod val="75000"/>
-            <a:lumOff val="25000"/>
-          </a:schemeClr>
-        </a:solidFill>
-        <a:round/>
-      </a:ln>
-    </cs:spPr>
-  </cs:hiLoLine>
-  <cs:leaderLine>
-    <cs:lnRef idx="0"/>
-    <cs:fillRef idx="0"/>
-    <cs:effectRef idx="0"/>
-    <cs:fontRef idx="minor">
-      <a:schemeClr val="tx1"/>
-    </cs:fontRef>
-    <cs:spPr>
-      <a:ln w="9525" cap="flat" cmpd="sng" algn="ctr">
-        <a:solidFill>
-          <a:schemeClr val="tx1">
-            <a:lumMod val="35000"/>
-            <a:lumOff val="65000"/>
-          </a:schemeClr>
-        </a:solidFill>
-        <a:round/>
-      </a:ln>
-    </cs:spPr>
-  </cs:leaderLine>
-  <cs:legend>
-    <cs:lnRef idx="0"/>
-    <cs:fillRef idx="0"/>
-    <cs:effectRef idx="0"/>
-    <cs:fontRef idx="minor">
-      <a:schemeClr val="tx1">
-        <a:lumMod val="65000"/>
-        <a:lumOff val="35000"/>
-      </a:schemeClr>
-    </cs:fontRef>
-    <cs:defRPr sz="1197" kern="1200"/>
-  </cs:legend>
-  <cs:plotArea mods="allowNoFillOverride allowNoLineOverride">
-    <cs:lnRef idx="0"/>
-    <cs:fillRef idx="0"/>
-    <cs:effectRef idx="0"/>
-    <cs:fontRef idx="minor">
-      <a:schemeClr val="tx1"/>
-    </cs:fontRef>
-  </cs:plotArea>
-  <cs:plotArea3D mods="allowNoFillOverride allowNoLineOverride">
-    <cs:lnRef idx="0"/>
-    <cs:fillRef idx="0"/>
-    <cs:effectRef idx="0"/>
-    <cs:fontRef idx="minor">
-      <a:schemeClr val="tx1"/>
-    </cs:fontRef>
-  </cs:plotArea3D>
-  <cs:seriesAxis>
-    <cs:lnRef idx="0"/>
-    <cs:fillRef idx="0"/>
-    <cs:effectRef idx="0"/>
-    <cs:fontRef idx="minor">
-      <a:schemeClr val="tx1">
-        <a:lumMod val="65000"/>
-        <a:lumOff val="35000"/>
-      </a:schemeClr>
-    </cs:fontRef>
-    <cs:defRPr sz="1197" kern="1200"/>
-  </cs:seriesAxis>
-  <cs:seriesLine>
-    <cs:lnRef idx="0"/>
-    <cs:fillRef idx="0"/>
-    <cs:effectRef idx="0"/>
-    <cs:fontRef idx="minor">
-      <a:schemeClr val="tx1"/>
-    </cs:fontRef>
-    <cs:spPr>
-      <a:ln w="9525" cap="flat" cmpd="sng" algn="ctr">
-        <a:solidFill>
-          <a:schemeClr val="tx1">
-            <a:lumMod val="35000"/>
-            <a:lumOff val="65000"/>
-          </a:schemeClr>
-        </a:solidFill>
-        <a:round/>
-      </a:ln>
-    </cs:spPr>
-  </cs:seriesLine>
-  <cs:title>
-    <cs:lnRef idx="0"/>
-    <cs:fillRef idx="0"/>
-    <cs:effectRef idx="0"/>
-    <cs:fontRef idx="minor">
-      <a:schemeClr val="tx1">
-        <a:lumMod val="65000"/>
-        <a:lumOff val="35000"/>
-      </a:schemeClr>
-    </cs:fontRef>
-    <cs:defRPr sz="1862" b="0" kern="1200" spc="0" baseline="0"/>
-  </cs:title>
-  <cs:trendline>
-    <cs:lnRef idx="0">
-      <cs:styleClr val="auto"/>
-    </cs:lnRef>
-    <cs:fillRef idx="0"/>
-    <cs:effectRef idx="0"/>
-    <cs:fontRef idx="minor">
-      <a:schemeClr val="tx1"/>
-    </cs:fontRef>
-    <cs:spPr>
-      <a:ln w="19050" cap="rnd">
-        <a:solidFill>
-          <a:schemeClr val="phClr"/>
-        </a:solidFill>
-        <a:prstDash val="sysDot"/>
-      </a:ln>
-    </cs:spPr>
-  </cs:trendline>
-  <cs:trendlineLabel>
-    <cs:lnRef idx="0"/>
-    <cs:fillRef idx="0"/>
-    <cs:effectRef idx="0"/>
-    <cs:fontRef idx="minor">
-      <a:schemeClr val="tx1">
-        <a:lumMod val="65000"/>
-        <a:lumOff val="35000"/>
-      </a:schemeClr>
-    </cs:fontRef>
-    <cs:defRPr sz="1197" kern="1200"/>
-  </cs:trendlineLabel>
-  <cs:upBar>
-    <cs:lnRef idx="0"/>
-    <cs:fillRef idx="0"/>
-    <cs:effectRef idx="0"/>
-    <cs:fontRef idx="minor">
-      <a:schemeClr val="dk1"/>
-    </cs:fontRef>
-    <cs:spPr>
-      <a:solidFill>
-        <a:schemeClr val="lt1"/>
-      </a:solidFill>
-      <a:ln w="9525">
-        <a:solidFill>
-          <a:schemeClr val="tx1">
-            <a:lumMod val="15000"/>
-            <a:lumOff val="85000"/>
-          </a:schemeClr>
-        </a:solidFill>
-      </a:ln>
-    </cs:spPr>
-  </cs:upBar>
-  <cs:valueAxis>
-    <cs:lnRef idx="0"/>
-    <cs:fillRef idx="0"/>
-    <cs:effectRef idx="0"/>
-    <cs:fontRef idx="minor">
-      <a:schemeClr val="tx1">
-        <a:lumMod val="65000"/>
-        <a:lumOff val="35000"/>
-      </a:schemeClr>
-    </cs:fontRef>
-    <cs:defRPr sz="1197" kern="1200"/>
-  </cs:valueAxis>
-  <cs:wall>
-    <cs:lnRef idx="0"/>
-    <cs:fillRef idx="0"/>
-    <cs:effectRef idx="0"/>
-    <cs:fontRef idx="minor">
-      <a:schemeClr val="tx1"/>
-    </cs:fontRef>
-    <cs:spPr>
-      <a:noFill/>
-      <a:ln>
-        <a:noFill/>
-      </a:ln>
-    </cs:spPr>
-  </cs:wall>
-</cs:chartStyle>
-</file>
-
-<file path=ppt/charts/style3.xml><?xml version="1.0" encoding="utf-8"?>
-<cs:chartStyle xmlns:cs="http://schemas.microsoft.com/office/drawing/2012/chartStyle" xmlns:a="http://schemas.openxmlformats.org/drawingml/2006/main" id="201">
-  <cs:axisTitle>
-    <cs:lnRef idx="0"/>
-    <cs:fillRef idx="0"/>
-    <cs:effectRef idx="0"/>
-    <cs:fontRef idx="minor">
-      <a:schemeClr val="tx1">
-        <a:lumMod val="65000"/>
-        <a:lumOff val="35000"/>
-      </a:schemeClr>
-    </cs:fontRef>
-    <cs:defRPr sz="1330" kern="1200"/>
-  </cs:axisTitle>
-  <cs:categoryAxis>
-    <cs:lnRef idx="0"/>
-    <cs:fillRef idx="0"/>
-    <cs:effectRef idx="0"/>
-    <cs:fontRef idx="minor">
-      <a:schemeClr val="tx1">
-        <a:lumMod val="65000"/>
-        <a:lumOff val="35000"/>
-      </a:schemeClr>
-    </cs:fontRef>
-    <cs:spPr>
-      <a:ln w="9525" cap="flat" cmpd="sng" algn="ctr">
-        <a:solidFill>
-          <a:schemeClr val="tx1">
-            <a:lumMod val="15000"/>
-            <a:lumOff val="85000"/>
-          </a:schemeClr>
-        </a:solidFill>
-        <a:round/>
-      </a:ln>
-    </cs:spPr>
-    <cs:defRPr sz="1197" kern="1200"/>
-  </cs:categoryAxis>
-  <cs:chartArea mods="allowNoFillOverride allowNoLineOverride">
-    <cs:lnRef idx="0"/>
-    <cs:fillRef idx="0"/>
-    <cs:effectRef idx="0"/>
-    <cs:fontRef idx="minor">
-      <a:schemeClr val="tx1"/>
-    </cs:fontRef>
-    <cs:spPr>
-      <a:solidFill>
-        <a:schemeClr val="bg1"/>
-      </a:solidFill>
-      <a:ln w="9525" cap="flat" cmpd="sng" algn="ctr">
-        <a:solidFill>
-          <a:schemeClr val="tx1">
-            <a:lumMod val="15000"/>
-            <a:lumOff val="85000"/>
-          </a:schemeClr>
-        </a:solidFill>
-        <a:round/>
-      </a:ln>
-    </cs:spPr>
-    <cs:defRPr sz="1330" kern="1200"/>
-  </cs:chartArea>
-  <cs:dataLabel>
-    <cs:lnRef idx="0"/>
-    <cs:fillRef idx="0"/>
-    <cs:effectRef idx="0"/>
-    <cs:fontRef idx="minor">
-      <a:schemeClr val="tx1">
-        <a:lumMod val="75000"/>
-        <a:lumOff val="25000"/>
-      </a:schemeClr>
-    </cs:fontRef>
-    <cs:defRPr sz="1197" kern="1200"/>
-  </cs:dataLabel>
-  <cs:dataLabelCallout>
-    <cs:lnRef idx="0"/>
-    <cs:fillRef idx="0"/>
-    <cs:effectRef idx="0"/>
-    <cs:fontRef idx="minor">
-      <a:schemeClr val="dk1">
-        <a:lumMod val="65000"/>
-        <a:lumOff val="35000"/>
-      </a:schemeClr>
-    </cs:fontRef>
-    <cs:spPr>
-      <a:solidFill>
-        <a:schemeClr val="lt1"/>
-      </a:solidFill>
-      <a:ln>
-        <a:solidFill>
-          <a:schemeClr val="dk1">
-            <a:lumMod val="25000"/>
-            <a:lumOff val="75000"/>
-          </a:schemeClr>
-        </a:solidFill>
-      </a:ln>
-    </cs:spPr>
-    <cs:defRPr sz="1197" kern="1200"/>
-    <cs:bodyPr rot="0" spcFirstLastPara="1" vertOverflow="clip" horzOverflow="clip" vert="horz" wrap="square" lIns="36576" tIns="18288" rIns="36576" bIns="18288" anchor="ctr" anchorCtr="1">
-      <a:spAutoFit/>
-    </cs:bodyPr>
-  </cs:dataLabelCallout>
-  <cs:dataPoint>
-    <cs:lnRef idx="0"/>
-    <cs:fillRef idx="1">
-      <cs:styleClr val="auto"/>
-    </cs:fillRef>
-    <cs:effectRef idx="0"/>
-    <cs:fontRef idx="minor">
-      <a:schemeClr val="tx1"/>
-    </cs:fontRef>
-  </cs:dataPoint>
-  <cs:dataPoint3D>
-    <cs:lnRef idx="0"/>
-    <cs:fillRef idx="1">
-      <cs:styleClr val="auto"/>
-    </cs:fillRef>
-    <cs:effectRef idx="0"/>
-    <cs:fontRef idx="minor">
-      <a:schemeClr val="tx1"/>
-    </cs:fontRef>
-  </cs:dataPoint3D>
-  <cs:dataPointLine>
-    <cs:lnRef idx="0">
-      <cs:styleClr val="auto"/>
-    </cs:lnRef>
-    <cs:fillRef idx="1"/>
-    <cs:effectRef idx="0"/>
-    <cs:fontRef idx="minor">
-      <a:schemeClr val="tx1"/>
-    </cs:fontRef>
-    <cs:spPr>
-      <a:ln w="28575" cap="rnd">
-        <a:solidFill>
-          <a:schemeClr val="phClr"/>
-        </a:solidFill>
-        <a:round/>
-      </a:ln>
-    </cs:spPr>
-  </cs:dataPointLine>
-  <cs:dataPointMarker>
-    <cs:lnRef idx="0">
-      <cs:styleClr val="auto"/>
-    </cs:lnRef>
-    <cs:fillRef idx="1">
-      <cs:styleClr val="auto"/>
-    </cs:fillRef>
-    <cs:effectRef idx="0"/>
-    <cs:fontRef idx="minor">
-      <a:schemeClr val="tx1"/>
-    </cs:fontRef>
-    <cs:spPr>
-      <a:ln w="9525">
-        <a:solidFill>
-          <a:schemeClr val="phClr"/>
-        </a:solidFill>
-      </a:ln>
-    </cs:spPr>
-  </cs:dataPointMarker>
-  <cs:dataPointMarkerLayout symbol="circle" size="5"/>
-  <cs:dataPointWireframe>
-    <cs:lnRef idx="0">
-      <cs:styleClr val="auto"/>
-    </cs:lnRef>
-    <cs:fillRef idx="1"/>
-    <cs:effectRef idx="0"/>
-    <cs:fontRef idx="minor">
-      <a:schemeClr val="tx1"/>
-    </cs:fontRef>
-    <cs:spPr>
-      <a:ln w="9525" cap="rnd">
-        <a:solidFill>
-          <a:schemeClr val="phClr"/>
-        </a:solidFill>
-        <a:round/>
-      </a:ln>
-    </cs:spPr>
-  </cs:dataPointWireframe>
-  <cs:dataTable>
-    <cs:lnRef idx="0"/>
-    <cs:fillRef idx="0"/>
-    <cs:effectRef idx="0"/>
-    <cs:fontRef idx="minor">
-      <a:schemeClr val="tx1">
-        <a:lumMod val="65000"/>
-        <a:lumOff val="35000"/>
-      </a:schemeClr>
-    </cs:fontRef>
-    <cs:spPr>
-      <a:noFill/>
-      <a:ln w="9525" cap="flat" cmpd="sng" algn="ctr">
-        <a:solidFill>
-          <a:schemeClr val="tx1">
-            <a:lumMod val="15000"/>
-            <a:lumOff val="85000"/>
-          </a:schemeClr>
-        </a:solidFill>
-        <a:round/>
-      </a:ln>
-    </cs:spPr>
-    <cs:defRPr sz="1197" kern="1200"/>
-  </cs:dataTable>
-  <cs:downBar>
-    <cs:lnRef idx="0"/>
-    <cs:fillRef idx="0"/>
-    <cs:effectRef idx="0"/>
-    <cs:fontRef idx="minor">
-      <a:schemeClr val="dk1"/>
-    </cs:fontRef>
-    <cs:spPr>
-      <a:solidFill>
-        <a:schemeClr val="dk1">
-          <a:lumMod val="65000"/>
-          <a:lumOff val="35000"/>
-        </a:schemeClr>
-      </a:solidFill>
-      <a:ln w="9525">
-        <a:solidFill>
-          <a:schemeClr val="tx1">
-            <a:lumMod val="65000"/>
-            <a:lumOff val="35000"/>
-          </a:schemeClr>
-        </a:solidFill>
-      </a:ln>
-    </cs:spPr>
-  </cs:downBar>
-  <cs:dropLine>
-    <cs:lnRef idx="0"/>
-    <cs:fillRef idx="0"/>
-    <cs:effectRef idx="0"/>
-    <cs:fontRef idx="minor">
-      <a:schemeClr val="tx1"/>
-    </cs:fontRef>
-    <cs:spPr>
-      <a:ln w="9525" cap="flat" cmpd="sng" algn="ctr">
-        <a:solidFill>
-          <a:schemeClr val="tx1">
-            <a:lumMod val="35000"/>
-            <a:lumOff val="65000"/>
-          </a:schemeClr>
-        </a:solidFill>
-        <a:round/>
-      </a:ln>
-    </cs:spPr>
-  </cs:dropLine>
-  <cs:errorBar>
-    <cs:lnRef idx="0"/>
-    <cs:fillRef idx="0"/>
-    <cs:effectRef idx="0"/>
-    <cs:fontRef idx="minor">
-      <a:schemeClr val="tx1"/>
-    </cs:fontRef>
-    <cs:spPr>
-      <a:ln w="9525" cap="flat" cmpd="sng" algn="ctr">
-        <a:solidFill>
-          <a:schemeClr val="tx1">
-            <a:lumMod val="65000"/>
-            <a:lumOff val="35000"/>
-          </a:schemeClr>
-        </a:solidFill>
-        <a:round/>
-      </a:ln>
-    </cs:spPr>
-  </cs:errorBar>
-  <cs:floor>
-    <cs:lnRef idx="0"/>
-    <cs:fillRef idx="0"/>
-    <cs:effectRef idx="0"/>
-    <cs:fontRef idx="minor">
-      <a:schemeClr val="tx1"/>
-    </cs:fontRef>
-    <cs:spPr>
-      <a:noFill/>
-      <a:ln>
-        <a:noFill/>
-      </a:ln>
-    </cs:spPr>
-  </cs:floor>
-  <cs:gridlineMajor>
-    <cs:lnRef idx="0"/>
-    <cs:fillRef idx="0"/>
-    <cs:effectRef idx="0"/>
-    <cs:fontRef idx="minor">
-      <a:schemeClr val="tx1"/>
-    </cs:fontRef>
-    <cs:spPr>
-      <a:ln w="9525" cap="flat" cmpd="sng" algn="ctr">
-        <a:solidFill>
-          <a:schemeClr val="tx1">
-            <a:lumMod val="15000"/>
-            <a:lumOff val="85000"/>
-          </a:schemeClr>
-        </a:solidFill>
-        <a:round/>
-      </a:ln>
-    </cs:spPr>
-  </cs:gridlineMajor>
-  <cs:gridlineMinor>
-    <cs:lnRef idx="0"/>
-    <cs:fillRef idx="0"/>
-    <cs:effectRef idx="0"/>
-    <cs:fontRef idx="minor">
-      <a:schemeClr val="tx1"/>
-    </cs:fontRef>
-    <cs:spPr>
-      <a:ln w="9525" cap="flat" cmpd="sng" algn="ctr">
-        <a:solidFill>
-          <a:schemeClr val="tx1">
-            <a:lumMod val="5000"/>
-            <a:lumOff val="95000"/>
-          </a:schemeClr>
-        </a:solidFill>
-        <a:round/>
-      </a:ln>
-    </cs:spPr>
-  </cs:gridlineMinor>
-  <cs:hiLoLine>
-    <cs:lnRef idx="0"/>
-    <cs:fillRef idx="0"/>
-    <cs:effectRef idx="0"/>
-    <cs:fontRef idx="minor">
-      <a:schemeClr val="tx1"/>
-    </cs:fontRef>
-    <cs:spPr>
-      <a:ln w="9525" cap="flat" cmpd="sng" algn="ctr">
-        <a:solidFill>
-          <a:schemeClr val="tx1">
-            <a:lumMod val="75000"/>
-            <a:lumOff val="25000"/>
-          </a:schemeClr>
-        </a:solidFill>
-        <a:round/>
-      </a:ln>
-    </cs:spPr>
-  </cs:hiLoLine>
-  <cs:leaderLine>
-    <cs:lnRef idx="0"/>
-    <cs:fillRef idx="0"/>
-    <cs:effectRef idx="0"/>
-    <cs:fontRef idx="minor">
-      <a:schemeClr val="tx1"/>
-    </cs:fontRef>
-    <cs:spPr>
-      <a:ln w="9525" cap="flat" cmpd="sng" algn="ctr">
-        <a:solidFill>
-          <a:schemeClr val="tx1">
-            <a:lumMod val="35000"/>
-            <a:lumOff val="65000"/>
-          </a:schemeClr>
-        </a:solidFill>
-        <a:round/>
-      </a:ln>
-    </cs:spPr>
-  </cs:leaderLine>
-  <cs:legend>
-    <cs:lnRef idx="0"/>
-    <cs:fillRef idx="0"/>
-    <cs:effectRef idx="0"/>
-    <cs:fontRef idx="minor">
-      <a:schemeClr val="tx1">
-        <a:lumMod val="65000"/>
-        <a:lumOff val="35000"/>
-      </a:schemeClr>
-    </cs:fontRef>
-    <cs:defRPr sz="1197" kern="1200"/>
-  </cs:legend>
-  <cs:plotArea mods="allowNoFillOverride allowNoLineOverride">
-    <cs:lnRef idx="0"/>
-    <cs:fillRef idx="0"/>
-    <cs:effectRef idx="0"/>
-    <cs:fontRef idx="minor">
-      <a:schemeClr val="tx1"/>
-    </cs:fontRef>
-  </cs:plotArea>
-  <cs:plotArea3D mods="allowNoFillOverride allowNoLineOverride">
-    <cs:lnRef idx="0"/>
-    <cs:fillRef idx="0"/>
-    <cs:effectRef idx="0"/>
-    <cs:fontRef idx="minor">
-      <a:schemeClr val="tx1"/>
-    </cs:fontRef>
-  </cs:plotArea3D>
-  <cs:seriesAxis>
-    <cs:lnRef idx="0"/>
-    <cs:fillRef idx="0"/>
-    <cs:effectRef idx="0"/>
-    <cs:fontRef idx="minor">
-      <a:schemeClr val="tx1">
-        <a:lumMod val="65000"/>
-        <a:lumOff val="35000"/>
-      </a:schemeClr>
-    </cs:fontRef>
-    <cs:defRPr sz="1197" kern="1200"/>
-  </cs:seriesAxis>
-  <cs:seriesLine>
-    <cs:lnRef idx="0"/>
-    <cs:fillRef idx="0"/>
-    <cs:effectRef idx="0"/>
-    <cs:fontRef idx="minor">
-      <a:schemeClr val="tx1"/>
-    </cs:fontRef>
-    <cs:spPr>
-      <a:ln w="9525" cap="flat" cmpd="sng" algn="ctr">
-        <a:solidFill>
-          <a:schemeClr val="tx1">
-            <a:lumMod val="35000"/>
-            <a:lumOff val="65000"/>
-          </a:schemeClr>
-        </a:solidFill>
-        <a:round/>
-      </a:ln>
-    </cs:spPr>
-  </cs:seriesLine>
-  <cs:title>
-    <cs:lnRef idx="0"/>
-    <cs:fillRef idx="0"/>
-    <cs:effectRef idx="0"/>
-    <cs:fontRef idx="minor">
-      <a:schemeClr val="tx1">
-        <a:lumMod val="65000"/>
-        <a:lumOff val="35000"/>
-      </a:schemeClr>
-    </cs:fontRef>
-    <cs:defRPr sz="1862" b="0" kern="1200" spc="0" baseline="0"/>
-  </cs:title>
-  <cs:trendline>
-    <cs:lnRef idx="0">
-      <cs:styleClr val="auto"/>
-    </cs:lnRef>
-    <cs:fillRef idx="0"/>
-    <cs:effectRef idx="0"/>
-    <cs:fontRef idx="minor">
-      <a:schemeClr val="tx1"/>
-    </cs:fontRef>
-    <cs:spPr>
-      <a:ln w="19050" cap="rnd">
-        <a:solidFill>
-          <a:schemeClr val="phClr"/>
-        </a:solidFill>
-        <a:prstDash val="sysDot"/>
-      </a:ln>
-    </cs:spPr>
-  </cs:trendline>
-  <cs:trendlineLabel>
-    <cs:lnRef idx="0"/>
-    <cs:fillRef idx="0"/>
-    <cs:effectRef idx="0"/>
-    <cs:fontRef idx="minor">
-      <a:schemeClr val="tx1">
-        <a:lumMod val="65000"/>
-        <a:lumOff val="35000"/>
-      </a:schemeClr>
-    </cs:fontRef>
-    <cs:defRPr sz="1197" kern="1200"/>
-  </cs:trendlineLabel>
-  <cs:upBar>
-    <cs:lnRef idx="0"/>
-    <cs:fillRef idx="0"/>
-    <cs:effectRef idx="0"/>
-    <cs:fontRef idx="minor">
-      <a:schemeClr val="dk1"/>
-    </cs:fontRef>
-    <cs:spPr>
-      <a:solidFill>
-        <a:schemeClr val="lt1"/>
-      </a:solidFill>
-      <a:ln w="9525">
-        <a:solidFill>
-          <a:schemeClr val="tx1">
-            <a:lumMod val="15000"/>
-            <a:lumOff val="85000"/>
-          </a:schemeClr>
-        </a:solidFill>
-      </a:ln>
-    </cs:spPr>
-  </cs:upBar>
-  <cs:valueAxis>
-    <cs:lnRef idx="0"/>
-    <cs:fillRef idx="0"/>
-    <cs:effectRef idx="0"/>
-    <cs:fontRef idx="minor">
-      <a:schemeClr val="tx1">
-        <a:lumMod val="65000"/>
-        <a:lumOff val="35000"/>
-      </a:schemeClr>
-    </cs:fontRef>
-    <cs:defRPr sz="1197" kern="1200"/>
-  </cs:valueAxis>
-  <cs:wall>
-    <cs:lnRef idx="0"/>
-    <cs:fillRef idx="0"/>
-    <cs:effectRef idx="0"/>
-    <cs:fontRef idx="minor">
-      <a:schemeClr val="tx1"/>
-    </cs:fontRef>
-    <cs:spPr>
-      <a:noFill/>
-      <a:ln>
-        <a:noFill/>
-      </a:ln>
-    </cs:spPr>
-  </cs:wall>
-</cs:chartStyle>
-</file>
-
-<file path=ppt/charts/style4.xml><?xml version="1.0" encoding="utf-8"?>
 <cs:chartStyle xmlns:cs="http://schemas.microsoft.com/office/drawing/2012/chartStyle" xmlns:a="http://schemas.openxmlformats.org/drawingml/2006/main" id="201">
   <cs:axisTitle>
     <cs:lnRef idx="0"/>
@@ -5160,7 +3728,7 @@
       </dsp:nvSpPr>
       <dsp:spPr>
         <a:xfrm>
-          <a:off x="7778" y="1386245"/>
+          <a:off x="7778" y="852589"/>
           <a:ext cx="2324876" cy="1394925"/>
         </a:xfrm>
         <a:prstGeom prst="roundRect">
@@ -5228,7 +3796,7 @@
         </a:p>
       </dsp:txBody>
       <dsp:txXfrm>
-        <a:off x="48634" y="1427101"/>
+        <a:off x="48634" y="893445"/>
         <a:ext cx="2243164" cy="1313213"/>
       </dsp:txXfrm>
     </dsp:sp>
@@ -5239,7 +3807,7 @@
       </dsp:nvSpPr>
       <dsp:spPr>
         <a:xfrm>
-          <a:off x="2565142" y="1795423"/>
+          <a:off x="2565142" y="1261767"/>
           <a:ext cx="492873" cy="576569"/>
         </a:xfrm>
         <a:prstGeom prst="rightArrow">
@@ -5292,7 +3860,7 @@
         </a:p>
       </dsp:txBody>
       <dsp:txXfrm>
-        <a:off x="2565142" y="1910737"/>
+        <a:off x="2565142" y="1377081"/>
         <a:ext cx="345011" cy="345941"/>
       </dsp:txXfrm>
     </dsp:sp>
@@ -5303,7 +3871,7 @@
       </dsp:nvSpPr>
       <dsp:spPr>
         <a:xfrm>
-          <a:off x="3262605" y="1386245"/>
+          <a:off x="3262605" y="852589"/>
           <a:ext cx="2324876" cy="1394925"/>
         </a:xfrm>
         <a:prstGeom prst="roundRect">
@@ -5371,7 +3939,7 @@
         </a:p>
       </dsp:txBody>
       <dsp:txXfrm>
-        <a:off x="3303461" y="1427101"/>
+        <a:off x="3303461" y="893445"/>
         <a:ext cx="2243164" cy="1313213"/>
       </dsp:txXfrm>
     </dsp:sp>
@@ -5382,7 +3950,7 @@
       </dsp:nvSpPr>
       <dsp:spPr>
         <a:xfrm>
-          <a:off x="5819969" y="1795423"/>
+          <a:off x="5819969" y="1261767"/>
           <a:ext cx="492873" cy="576569"/>
         </a:xfrm>
         <a:prstGeom prst="rightArrow">
@@ -5435,7 +4003,7 @@
         </a:p>
       </dsp:txBody>
       <dsp:txXfrm>
-        <a:off x="5819969" y="1910737"/>
+        <a:off x="5819969" y="1377081"/>
         <a:ext cx="345011" cy="345941"/>
       </dsp:txXfrm>
     </dsp:sp>
@@ -5446,7 +4014,7 @@
       </dsp:nvSpPr>
       <dsp:spPr>
         <a:xfrm>
-          <a:off x="6517432" y="1386245"/>
+          <a:off x="6517432" y="852589"/>
           <a:ext cx="2324876" cy="1394925"/>
         </a:xfrm>
         <a:prstGeom prst="roundRect">
@@ -5515,7 +4083,7 @@
         </a:p>
       </dsp:txBody>
       <dsp:txXfrm>
-        <a:off x="6558288" y="1427101"/>
+        <a:off x="6558288" y="893445"/>
         <a:ext cx="2243164" cy="1313213"/>
       </dsp:txXfrm>
     </dsp:sp>
@@ -6785,7 +5353,7 @@
           <a:p>
             <a:fld id="{DBED9C6E-8558-4E45-9FD2-E40A6C3A1B50}" type="datetimeFigureOut">
               <a:rPr lang="en-US" smtClean="0"/>
-              <a:t>4/23/2019</a:t>
+              <a:t>4/25/2019</a:t>
             </a:fld>
             <a:endParaRPr lang="en-US"/>
           </a:p>
@@ -7190,6 +5758,25 @@
           <a:bodyPr/>
           <a:lstStyle/>
           <a:p>
+            <a:r>
+              <a:rPr lang="en-US" sz="1200" dirty="0"/>
+              <a:t>For this study, I was interested </a:t>
+            </a:r>
+            <a:r>
+              <a:rPr lang="en-US" dirty="0"/>
+              <a:t>in how healthy aging and mild cognitive impairment associated w/ aging (like mild Alzheimer's) affect task performance</a:t>
+            </a:r>
+          </a:p>
+          <a:p>
+            <a:endParaRPr lang="en-US" dirty="0"/>
+          </a:p>
+          <a:p>
+            <a:r>
+              <a:rPr lang="en-US" dirty="0"/>
+              <a:t>Switch trials that are in a non-predictive sequencing may be cognitively more difficult relative to the alternating runs presentation and therefore more sensitive to cognitive declines. Its expected that overall error rates and reaction times will be greater on the random versus alternating runs switch block, with this especially true for older adults.</a:t>
+            </a:r>
+          </a:p>
+          <a:p>
             <a:endParaRPr lang="en-US" dirty="0"/>
           </a:p>
         </p:txBody>
@@ -7220,7 +5807,7 @@
     </p:spTree>
     <p:extLst>
       <p:ext uri="{BB962C8B-B14F-4D97-AF65-F5344CB8AC3E}">
-        <p14:creationId xmlns:p14="http://schemas.microsoft.com/office/powerpoint/2010/main" val="220045017"/>
+        <p14:creationId xmlns:p14="http://schemas.microsoft.com/office/powerpoint/2010/main" val="4009801181"/>
       </p:ext>
     </p:extLst>
   </p:cSld>
@@ -7279,6 +5866,44 @@
           <a:bodyPr/>
           <a:lstStyle/>
           <a:p>
+            <a:r>
+              <a:rPr lang="en-US" dirty="0"/>
+              <a:t>Data was collected from 30 younger adults recruited through SONA</a:t>
+            </a:r>
+          </a:p>
+          <a:p>
+            <a:r>
+              <a:rPr lang="en-US" dirty="0"/>
+              <a:t>Additionally, we are in the progress of collecting older adults through the Hattiesburg Clinic (right now we have 6)</a:t>
+            </a:r>
+          </a:p>
+          <a:p>
+            <a:endParaRPr lang="en-US" dirty="0"/>
+          </a:p>
+          <a:p>
+            <a:r>
+              <a:rPr lang="en-US" dirty="0"/>
+              <a:t>Participants always completed the pure blocks first before completing the switch blocks.</a:t>
+            </a:r>
+          </a:p>
+          <a:p>
+            <a:r>
+              <a:rPr lang="en-US" dirty="0"/>
+              <a:t>At the end of the study, subjects completed the Montreal Cognitive Assessment (</a:t>
+            </a:r>
+            <a:r>
+              <a:rPr lang="en-US" dirty="0" err="1"/>
+              <a:t>MoCA</a:t>
+            </a:r>
+            <a:r>
+              <a:rPr lang="en-US" dirty="0"/>
+              <a:t>), which is a dementia screening tool.</a:t>
+            </a:r>
+          </a:p>
+          <a:p>
+            <a:endParaRPr lang="en-US" dirty="0"/>
+          </a:p>
+          <a:p>
             <a:endParaRPr lang="en-US" dirty="0"/>
           </a:p>
         </p:txBody>
@@ -7309,7 +5934,7 @@
     </p:spTree>
     <p:extLst>
       <p:ext uri="{BB962C8B-B14F-4D97-AF65-F5344CB8AC3E}">
-        <p14:creationId xmlns:p14="http://schemas.microsoft.com/office/powerpoint/2010/main" val="4009801181"/>
+        <p14:creationId xmlns:p14="http://schemas.microsoft.com/office/powerpoint/2010/main" val="220045017"/>
       </p:ext>
     </p:extLst>
   </p:cSld>
@@ -7368,7 +5993,19 @@
           <a:bodyPr/>
           <a:lstStyle/>
           <a:p>
+            <a:r>
+              <a:rPr lang="en-US" dirty="0"/>
+              <a:t>Percentage of incorrect trials.</a:t>
+            </a:r>
+          </a:p>
+          <a:p>
             <a:endParaRPr lang="en-US" dirty="0"/>
+          </a:p>
+          <a:p>
+            <a:r>
+              <a:rPr lang="en-US" dirty="0"/>
+              <a:t>Not surprisingly, older adults commit more errors across all trial types</a:t>
+            </a:r>
           </a:p>
         </p:txBody>
       </p:sp>
@@ -7398,7 +6035,7 @@
     </p:spTree>
     <p:extLst>
       <p:ext uri="{BB962C8B-B14F-4D97-AF65-F5344CB8AC3E}">
-        <p14:creationId xmlns:p14="http://schemas.microsoft.com/office/powerpoint/2010/main" val="2232133012"/>
+        <p14:creationId xmlns:p14="http://schemas.microsoft.com/office/powerpoint/2010/main" val="4005795881"/>
       </p:ext>
     </p:extLst>
   </p:cSld>
@@ -7457,7 +6094,24 @@
           <a:bodyPr/>
           <a:lstStyle/>
           <a:p>
+            <a:r>
+              <a:rPr lang="en-US" dirty="0"/>
+              <a:t>Older adults also take more time to respond across trial types relative to </a:t>
+            </a:r>
+            <a:r>
+              <a:rPr lang="en-US"/>
+              <a:t>younger adults.</a:t>
+            </a:r>
             <a:endParaRPr lang="en-US" dirty="0"/>
+          </a:p>
+          <a:p>
+            <a:endParaRPr lang="en-US" dirty="0"/>
+          </a:p>
+          <a:p>
+            <a:r>
+              <a:rPr lang="en-US" dirty="0"/>
+              <a:t>Interestingly, older adults responded more quickly on alternating run trials</a:t>
+            </a:r>
           </a:p>
         </p:txBody>
       </p:sp>
@@ -7487,7 +6141,7 @@
     </p:spTree>
     <p:extLst>
       <p:ext uri="{BB962C8B-B14F-4D97-AF65-F5344CB8AC3E}">
-        <p14:creationId xmlns:p14="http://schemas.microsoft.com/office/powerpoint/2010/main" val="4005795881"/>
+        <p14:creationId xmlns:p14="http://schemas.microsoft.com/office/powerpoint/2010/main" val="2282370212"/>
       </p:ext>
     </p:extLst>
   </p:cSld>
@@ -7546,7 +6200,19 @@
           <a:bodyPr/>
           <a:lstStyle/>
           <a:p>
+            <a:r>
+              <a:rPr lang="en-US" dirty="0"/>
+              <a:t>Biggest limitation with this is sample size</a:t>
+            </a:r>
+          </a:p>
+          <a:p>
             <a:endParaRPr lang="en-US" dirty="0"/>
+          </a:p>
+          <a:p>
+            <a:r>
+              <a:rPr lang="en-US" dirty="0"/>
+              <a:t>Once we collect more data on older adults, we’ll be breaking them down by level of impairment (healthy vs mild cognitive impairment)</a:t>
+            </a:r>
           </a:p>
         </p:txBody>
       </p:sp>
@@ -8035,7 +6701,7 @@
             </a:ln>
             <a:extLst>
               <a:ext uri="{91240B29-F687-4f45-9708-019B960494DF}">
-                <a14:hiddenLine xmlns:a14="http://schemas.microsoft.com/office/drawing/2010/main" xmlns="" w="9525">
+                <a14:hiddenLine xmlns="" xmlns:a14="http://schemas.microsoft.com/office/drawing/2010/main" w="9525">
                   <a:solidFill>
                     <a:srgbClr val="000000"/>
                   </a:solidFill>
@@ -8228,7 +6894,7 @@
             <a:fld id="{E9462EF3-3C4F-43EE-ACEE-D4B806740EA3}" type="datetimeFigureOut">
               <a:rPr lang="en-US" smtClean="0"/>
               <a:pPr/>
-              <a:t>4/23/2019</a:t>
+              <a:t>4/25/2019</a:t>
             </a:fld>
             <a:endParaRPr lang="en-US" dirty="0"/>
           </a:p>
@@ -9134,7 +7800,7 @@
             </a:ln>
             <a:extLst>
               <a:ext uri="{91240B29-F687-4f45-9708-019B960494DF}">
-                <a14:hiddenLine xmlns:a14="http://schemas.microsoft.com/office/drawing/2010/main" xmlns="" w="9525">
+                <a14:hiddenLine xmlns="" xmlns:a14="http://schemas.microsoft.com/office/drawing/2010/main" w="9525">
                   <a:solidFill>
                     <a:srgbClr val="000000"/>
                   </a:solidFill>
@@ -9348,7 +8014,7 @@
           <a:p>
             <a:fld id="{36343B39-165A-4B68-AA5C-581F5336313C}" type="datetimeFigureOut">
               <a:rPr lang="en-US" smtClean="0"/>
-              <a:t>4/23/2019</a:t>
+              <a:t>4/25/2019</a:t>
             </a:fld>
             <a:endParaRPr lang="en-US" dirty="0"/>
           </a:p>
@@ -10232,7 +8898,7 @@
             </a:ln>
             <a:extLst>
               <a:ext uri="{91240B29-F687-4f45-9708-019B960494DF}">
-                <a14:hiddenLine xmlns:a14="http://schemas.microsoft.com/office/drawing/2010/main" xmlns="" w="9525">
+                <a14:hiddenLine xmlns="" xmlns:a14="http://schemas.microsoft.com/office/drawing/2010/main" w="9525">
                   <a:solidFill>
                     <a:srgbClr val="000000"/>
                   </a:solidFill>
@@ -10361,7 +9027,7 @@
           <a:p>
             <a:fld id="{942C8C57-33F9-4259-AC4F-0E3F5BEC9B94}" type="datetimeFigureOut">
               <a:rPr lang="en-US" smtClean="0"/>
-              <a:t>4/23/2019</a:t>
+              <a:t>4/25/2019</a:t>
             </a:fld>
             <a:endParaRPr lang="en-US" dirty="0"/>
           </a:p>
@@ -11208,7 +9874,7 @@
             </a:ln>
             <a:extLst>
               <a:ext uri="{91240B29-F687-4f45-9708-019B960494DF}">
-                <a14:hiddenLine xmlns:a14="http://schemas.microsoft.com/office/drawing/2010/main" xmlns="" w="9525">
+                <a14:hiddenLine xmlns="" xmlns:a14="http://schemas.microsoft.com/office/drawing/2010/main" w="9525">
                   <a:solidFill>
                     <a:srgbClr val="000000"/>
                   </a:solidFill>
@@ -11495,7 +10161,7 @@
           <a:p>
             <a:fld id="{8748772B-8FA2-401F-A0A1-A59855EDBC3E}" type="datetimeFigureOut">
               <a:rPr lang="en-US" smtClean="0"/>
-              <a:t>4/23/2019</a:t>
+              <a:t>4/25/2019</a:t>
             </a:fld>
             <a:endParaRPr lang="en-US" dirty="0"/>
           </a:p>
@@ -12342,7 +11008,7 @@
             </a:ln>
             <a:extLst>
               <a:ext uri="{91240B29-F687-4f45-9708-019B960494DF}">
-                <a14:hiddenLine xmlns:a14="http://schemas.microsoft.com/office/drawing/2010/main" xmlns="" w="9525">
+                <a14:hiddenLine xmlns="" xmlns:a14="http://schemas.microsoft.com/office/drawing/2010/main" w="9525">
                   <a:solidFill>
                     <a:srgbClr val="000000"/>
                   </a:solidFill>
@@ -12523,7 +11189,7 @@
           <a:p>
             <a:fld id="{D3DD5BDE-5A90-4611-82E9-0FC5746D30C5}" type="datetimeFigureOut">
               <a:rPr lang="en-US" smtClean="0"/>
-              <a:t>4/23/2019</a:t>
+              <a:t>4/25/2019</a:t>
             </a:fld>
             <a:endParaRPr lang="en-US" dirty="0"/>
           </a:p>
@@ -13188,7 +11854,7 @@
           <a:p>
             <a:fld id="{1ADDA17D-0BEA-4E76-A7FC-F7C188BC48D1}" type="datetimeFigureOut">
               <a:rPr lang="en-US" smtClean="0"/>
-              <a:t>4/23/2019</a:t>
+              <a:t>4/25/2019</a:t>
             </a:fld>
             <a:endParaRPr lang="en-US" dirty="0"/>
           </a:p>
@@ -14054,7 +12720,7 @@
           <a:p>
             <a:fld id="{90786BE5-D2A3-4BF0-8B30-D7403E61B3DC}" type="datetimeFigureOut">
               <a:rPr lang="en-US" smtClean="0"/>
-              <a:t>4/23/2019</a:t>
+              <a:t>4/25/2019</a:t>
             </a:fld>
             <a:endParaRPr lang="en-US" dirty="0"/>
           </a:p>
@@ -14239,7 +12905,7 @@
           <a:p>
             <a:fld id="{5568300E-C023-45CD-A0BE-EDB7A8C6EA8B}" type="datetimeFigureOut">
               <a:rPr lang="en-US" smtClean="0"/>
-              <a:t>4/23/2019</a:t>
+              <a:t>4/25/2019</a:t>
             </a:fld>
             <a:endParaRPr lang="en-US" dirty="0"/>
           </a:p>
@@ -15083,7 +13749,7 @@
             </a:ln>
             <a:extLst>
               <a:ext uri="{91240B29-F687-4f45-9708-019B960494DF}">
-                <a14:hiddenLine xmlns:a14="http://schemas.microsoft.com/office/drawing/2010/main" xmlns="" w="9525">
+                <a14:hiddenLine xmlns="" xmlns:a14="http://schemas.microsoft.com/office/drawing/2010/main" w="9525">
                   <a:solidFill>
                     <a:srgbClr val="000000"/>
                   </a:solidFill>
@@ -15198,7 +13864,7 @@
           <a:p>
             <a:fld id="{3B620EAD-E369-4933-8469-ED7764B56A1B}" type="datetimeFigureOut">
               <a:rPr lang="en-US" smtClean="0"/>
-              <a:t>4/23/2019</a:t>
+              <a:t>4/25/2019</a:t>
             </a:fld>
             <a:endParaRPr lang="en-US" dirty="0"/>
           </a:p>
@@ -15418,7 +14084,7 @@
           <a:p>
             <a:fld id="{076C0EF2-9919-473B-8215-8616BAF10692}" type="datetimeFigureOut">
               <a:rPr lang="en-US" smtClean="0"/>
-              <a:t>4/23/2019</a:t>
+              <a:t>4/25/2019</a:t>
             </a:fld>
             <a:endParaRPr lang="en-US" dirty="0"/>
           </a:p>
@@ -16271,7 +14937,7 @@
             </a:ln>
             <a:extLst>
               <a:ext uri="{91240B29-F687-4f45-9708-019B960494DF}">
-                <a14:hiddenLine xmlns:a14="http://schemas.microsoft.com/office/drawing/2010/main" xmlns="" w="9525">
+                <a14:hiddenLine xmlns="" xmlns:a14="http://schemas.microsoft.com/office/drawing/2010/main" w="9525">
                   <a:solidFill>
                     <a:srgbClr val="000000"/>
                   </a:solidFill>
@@ -16450,7 +15116,7 @@
           <a:p>
             <a:fld id="{A09472EB-AC54-4713-BFC2-BEB621108C63}" type="datetimeFigureOut">
               <a:rPr lang="en-US" smtClean="0"/>
-              <a:t>4/23/2019</a:t>
+              <a:t>4/25/2019</a:t>
             </a:fld>
             <a:endParaRPr lang="en-US" dirty="0"/>
           </a:p>
@@ -16745,7 +15411,7 @@
           <a:p>
             <a:fld id="{99455A0C-791E-4545-B787-F98AD45CD761}" type="datetimeFigureOut">
               <a:rPr lang="en-US" smtClean="0"/>
-              <a:t>4/23/2019</a:t>
+              <a:t>4/25/2019</a:t>
             </a:fld>
             <a:endParaRPr lang="en-US" dirty="0"/>
           </a:p>
@@ -17150,7 +15816,7 @@
           <a:p>
             <a:fld id="{42536B77-F4F4-4427-AC4F-9A623798AD82}" type="datetimeFigureOut">
               <a:rPr lang="en-US" smtClean="0"/>
-              <a:t>4/23/2019</a:t>
+              <a:t>4/25/2019</a:t>
             </a:fld>
             <a:endParaRPr lang="en-US" dirty="0"/>
           </a:p>
@@ -17291,7 +15957,7 @@
           <a:p>
             <a:fld id="{D8BE790C-34EB-4565-8437-CACF4CDB7822}" type="datetimeFigureOut">
               <a:rPr lang="en-US" smtClean="0"/>
-              <a:t>4/23/2019</a:t>
+              <a:t>4/25/2019</a:t>
             </a:fld>
             <a:endParaRPr lang="en-US" dirty="0"/>
           </a:p>
@@ -17409,7 +16075,7 @@
           <a:p>
             <a:fld id="{F84A4C11-22B8-4A4E-8126-B3AF6B948A8E}" type="datetimeFigureOut">
               <a:rPr lang="en-US" smtClean="0"/>
-              <a:t>4/23/2019</a:t>
+              <a:t>4/25/2019</a:t>
             </a:fld>
             <a:endParaRPr lang="en-US" dirty="0"/>
           </a:p>
@@ -18289,7 +16955,7 @@
             </a:ln>
             <a:extLst>
               <a:ext uri="{91240B29-F687-4f45-9708-019B960494DF}">
-                <a14:hiddenLine xmlns:a14="http://schemas.microsoft.com/office/drawing/2010/main" xmlns="" w="9525">
+                <a14:hiddenLine xmlns="" xmlns:a14="http://schemas.microsoft.com/office/drawing/2010/main" w="9525">
                   <a:solidFill>
                     <a:srgbClr val="000000"/>
                   </a:solidFill>
@@ -18479,7 +17145,7 @@
           <a:p>
             <a:fld id="{16ED06B6-C816-4861-964D-15A98395707D}" type="datetimeFigureOut">
               <a:rPr lang="en-US" smtClean="0"/>
-              <a:t>4/23/2019</a:t>
+              <a:t>4/25/2019</a:t>
             </a:fld>
             <a:endParaRPr lang="en-US" dirty="0"/>
           </a:p>
@@ -19359,7 +18025,7 @@
             </a:ln>
             <a:extLst>
               <a:ext uri="{91240B29-F687-4f45-9708-019B960494DF}">
-                <a14:hiddenLine xmlns:a14="http://schemas.microsoft.com/office/drawing/2010/main" xmlns="" w="9525">
+                <a14:hiddenLine xmlns="" xmlns:a14="http://schemas.microsoft.com/office/drawing/2010/main" w="9525">
                   <a:solidFill>
                     <a:srgbClr val="000000"/>
                   </a:solidFill>
@@ -19573,7 +18239,7 @@
           <a:p>
             <a:fld id="{00B1A8AB-EA7C-4B1B-9D73-E2551851FABE}" type="datetimeFigureOut">
               <a:rPr lang="en-US" smtClean="0"/>
-              <a:t>4/23/2019</a:t>
+              <a:t>4/25/2019</a:t>
             </a:fld>
             <a:endParaRPr lang="en-US" dirty="0"/>
           </a:p>
@@ -20421,7 +19087,7 @@
             </a:ln>
             <a:extLst>
               <a:ext uri="{91240B29-F687-4f45-9708-019B960494DF}">
-                <a14:hiddenLine xmlns:a14="http://schemas.microsoft.com/office/drawing/2010/main" xmlns="" w="9525">
+                <a14:hiddenLine xmlns="" xmlns:a14="http://schemas.microsoft.com/office/drawing/2010/main" w="9525">
                   <a:solidFill>
                     <a:srgbClr val="000000"/>
                   </a:solidFill>
@@ -20563,7 +19229,7 @@
           <a:p>
             <a:fld id="{90786BE5-D2A3-4BF0-8B30-D7403E61B3DC}" type="datetimeFigureOut">
               <a:rPr lang="en-US" smtClean="0"/>
-              <a:t>4/23/2019</a:t>
+              <a:t>4/25/2019</a:t>
             </a:fld>
             <a:endParaRPr lang="en-US" dirty="0"/>
           </a:p>
@@ -21151,7 +19817,7 @@
           <a:p>
             <a:r>
               <a:rPr lang="en-US" sz="3000" dirty="0"/>
-              <a:t>Title Here</a:t>
+              <a:t>Task Switching Effects in the CVOE Paradigm</a:t>
             </a:r>
             <a:br>
               <a:rPr lang="en-US" sz="3000" dirty="0"/>
@@ -21223,6 +19889,429 @@
           <p:cNvPr id="2" name="Title 1">
             <a:extLst>
               <a:ext uri="{FF2B5EF4-FFF2-40B4-BE49-F238E27FC236}">
+                <a16:creationId xmlns:a16="http://schemas.microsoft.com/office/drawing/2014/main" id="{543B3268-E9EA-44E4-ACDD-CE6AB485DB7F}"/>
+              </a:ext>
+            </a:extLst>
+          </p:cNvPr>
+          <p:cNvSpPr>
+            <a:spLocks noGrp="1"/>
+          </p:cNvSpPr>
+          <p:nvPr>
+            <p:ph type="title"/>
+          </p:nvPr>
+        </p:nvSpPr>
+        <p:spPr/>
+        <p:txBody>
+          <a:bodyPr/>
+          <a:lstStyle/>
+          <a:p>
+            <a:r>
+              <a:rPr lang="en-US" dirty="0"/>
+              <a:t>Introduction</a:t>
+            </a:r>
+          </a:p>
+        </p:txBody>
+      </p:sp>
+      <p:sp>
+        <p:nvSpPr>
+          <p:cNvPr id="3" name="Content Placeholder 2">
+            <a:extLst>
+              <a:ext uri="{FF2B5EF4-FFF2-40B4-BE49-F238E27FC236}">
+                <a16:creationId xmlns:a16="http://schemas.microsoft.com/office/drawing/2014/main" id="{5E7555E2-8326-4748-BCA4-EEAC4266F2D8}"/>
+              </a:ext>
+            </a:extLst>
+          </p:cNvPr>
+          <p:cNvSpPr>
+            <a:spLocks noGrp="1"/>
+          </p:cNvSpPr>
+          <p:nvPr>
+            <p:ph idx="1"/>
+          </p:nvPr>
+        </p:nvSpPr>
+        <p:spPr>
+          <a:xfrm>
+            <a:off x="519247" y="2334409"/>
+            <a:ext cx="8363495" cy="4410636"/>
+          </a:xfrm>
+        </p:spPr>
+        <p:txBody>
+          <a:bodyPr>
+            <a:normAutofit/>
+          </a:bodyPr>
+          <a:lstStyle/>
+          <a:p>
+            <a:r>
+              <a:rPr lang="en-US" sz="2400" dirty="0">
+                <a:solidFill>
+                  <a:schemeClr val="tx1"/>
+                </a:solidFill>
+              </a:rPr>
+              <a:t>Consonant Vowel/Odd Even Task</a:t>
+            </a:r>
+          </a:p>
+          <a:p>
+            <a:pPr lvl="1"/>
+            <a:r>
+              <a:rPr lang="en-US" sz="2000" dirty="0">
+                <a:solidFill>
+                  <a:schemeClr val="tx1"/>
+                </a:solidFill>
+              </a:rPr>
+              <a:t>Either classifying letter as C or V or number as O or E</a:t>
+            </a:r>
+          </a:p>
+          <a:p>
+            <a:pPr marL="402336" lvl="1" indent="0">
+              <a:buNone/>
+            </a:pPr>
+            <a:endParaRPr lang="en-US" sz="2000" dirty="0">
+              <a:solidFill>
+                <a:schemeClr val="tx1"/>
+              </a:solidFill>
+            </a:endParaRPr>
+          </a:p>
+          <a:p>
+            <a:r>
+              <a:rPr lang="en-US" sz="2400" dirty="0">
+                <a:solidFill>
+                  <a:schemeClr val="tx1"/>
+                </a:solidFill>
+              </a:rPr>
+              <a:t>Pure vs Switch Blocks</a:t>
+            </a:r>
+          </a:p>
+          <a:p>
+            <a:pPr lvl="1"/>
+            <a:r>
+              <a:rPr lang="en-US" sz="2200" dirty="0">
+                <a:solidFill>
+                  <a:schemeClr val="tx1"/>
+                </a:solidFill>
+              </a:rPr>
+              <a:t>Alternating Runs </a:t>
+            </a:r>
+            <a:r>
+              <a:rPr lang="en-US" sz="1800" dirty="0">
+                <a:solidFill>
+                  <a:schemeClr val="tx1"/>
+                </a:solidFill>
+              </a:rPr>
+              <a:t>(CV, CV, OE, OE, CV, CV)</a:t>
+            </a:r>
+          </a:p>
+          <a:p>
+            <a:pPr lvl="1"/>
+            <a:r>
+              <a:rPr lang="en-US" sz="2200" dirty="0">
+                <a:solidFill>
+                  <a:schemeClr val="tx1"/>
+                </a:solidFill>
+              </a:rPr>
+              <a:t>Random Presentation </a:t>
+            </a:r>
+            <a:r>
+              <a:rPr lang="en-US" sz="1800" dirty="0">
+                <a:solidFill>
+                  <a:schemeClr val="tx1"/>
+                </a:solidFill>
+              </a:rPr>
+              <a:t>(CV, OE, OE, OE, CV, OE)</a:t>
+            </a:r>
+          </a:p>
+        </p:txBody>
+      </p:sp>
+    </p:spTree>
+    <p:extLst>
+      <p:ext uri="{BB962C8B-B14F-4D97-AF65-F5344CB8AC3E}">
+        <p14:creationId xmlns:p14="http://schemas.microsoft.com/office/powerpoint/2010/main" val="176995655"/>
+      </p:ext>
+    </p:extLst>
+  </p:cSld>
+  <p:clrMapOvr>
+    <a:masterClrMapping/>
+  </p:clrMapOvr>
+  <p:timing>
+    <p:tnLst>
+      <p:par>
+        <p:cTn id="1" dur="indefinite" restart="never" nodeType="tmRoot">
+          <p:childTnLst>
+            <p:seq concurrent="1" nextAc="seek">
+              <p:cTn id="2" dur="indefinite" nodeType="mainSeq">
+                <p:childTnLst>
+                  <p:par>
+                    <p:cTn id="3" fill="hold">
+                      <p:stCondLst>
+                        <p:cond delay="indefinite"/>
+                      </p:stCondLst>
+                      <p:childTnLst>
+                        <p:par>
+                          <p:cTn id="4" fill="hold">
+                            <p:stCondLst>
+                              <p:cond delay="0"/>
+                            </p:stCondLst>
+                            <p:childTnLst>
+                              <p:par>
+                                <p:cTn id="5" presetID="1" presetClass="entr" presetSubtype="0" fill="hold" nodeType="clickEffect">
+                                  <p:stCondLst>
+                                    <p:cond delay="0"/>
+                                  </p:stCondLst>
+                                  <p:childTnLst>
+                                    <p:set>
+                                      <p:cBhvr>
+                                        <p:cTn id="6" dur="1" fill="hold">
+                                          <p:stCondLst>
+                                            <p:cond delay="0"/>
+                                          </p:stCondLst>
+                                        </p:cTn>
+                                        <p:tgtEl>
+                                          <p:spTgt spid="3">
+                                            <p:txEl>
+                                              <p:pRg st="0" end="0"/>
+                                            </p:txEl>
+                                          </p:spTgt>
+                                        </p:tgtEl>
+                                        <p:attrNameLst>
+                                          <p:attrName>style.visibility</p:attrName>
+                                        </p:attrNameLst>
+                                      </p:cBhvr>
+                                      <p:to>
+                                        <p:strVal val="visible"/>
+                                      </p:to>
+                                    </p:set>
+                                  </p:childTnLst>
+                                </p:cTn>
+                              </p:par>
+                              <p:par>
+                                <p:cTn id="7" presetID="1" presetClass="entr" presetSubtype="0" fill="hold" nodeType="withEffect">
+                                  <p:stCondLst>
+                                    <p:cond delay="0"/>
+                                  </p:stCondLst>
+                                  <p:childTnLst>
+                                    <p:set>
+                                      <p:cBhvr>
+                                        <p:cTn id="8" dur="1" fill="hold">
+                                          <p:stCondLst>
+                                            <p:cond delay="0"/>
+                                          </p:stCondLst>
+                                        </p:cTn>
+                                        <p:tgtEl>
+                                          <p:spTgt spid="3">
+                                            <p:txEl>
+                                              <p:pRg st="1" end="1"/>
+                                            </p:txEl>
+                                          </p:spTgt>
+                                        </p:tgtEl>
+                                        <p:attrNameLst>
+                                          <p:attrName>style.visibility</p:attrName>
+                                        </p:attrNameLst>
+                                      </p:cBhvr>
+                                      <p:to>
+                                        <p:strVal val="visible"/>
+                                      </p:to>
+                                    </p:set>
+                                  </p:childTnLst>
+                                </p:cTn>
+                              </p:par>
+                            </p:childTnLst>
+                          </p:cTn>
+                        </p:par>
+                      </p:childTnLst>
+                    </p:cTn>
+                  </p:par>
+                  <p:par>
+                    <p:cTn id="9" fill="hold">
+                      <p:stCondLst>
+                        <p:cond delay="indefinite"/>
+                      </p:stCondLst>
+                      <p:childTnLst>
+                        <p:par>
+                          <p:cTn id="10" fill="hold">
+                            <p:stCondLst>
+                              <p:cond delay="0"/>
+                            </p:stCondLst>
+                            <p:childTnLst>
+                              <p:par>
+                                <p:cTn id="11" presetID="1" presetClass="entr" presetSubtype="0" fill="hold" nodeType="clickEffect">
+                                  <p:stCondLst>
+                                    <p:cond delay="0"/>
+                                  </p:stCondLst>
+                                  <p:childTnLst>
+                                    <p:set>
+                                      <p:cBhvr>
+                                        <p:cTn id="12" dur="1" fill="hold">
+                                          <p:stCondLst>
+                                            <p:cond delay="0"/>
+                                          </p:stCondLst>
+                                        </p:cTn>
+                                        <p:tgtEl>
+                                          <p:spTgt spid="3">
+                                            <p:txEl>
+                                              <p:pRg st="3" end="3"/>
+                                            </p:txEl>
+                                          </p:spTgt>
+                                        </p:tgtEl>
+                                        <p:attrNameLst>
+                                          <p:attrName>style.visibility</p:attrName>
+                                        </p:attrNameLst>
+                                      </p:cBhvr>
+                                      <p:to>
+                                        <p:strVal val="visible"/>
+                                      </p:to>
+                                    </p:set>
+                                  </p:childTnLst>
+                                </p:cTn>
+                              </p:par>
+                            </p:childTnLst>
+                          </p:cTn>
+                        </p:par>
+                      </p:childTnLst>
+                    </p:cTn>
+                  </p:par>
+                  <p:par>
+                    <p:cTn id="13" fill="hold">
+                      <p:stCondLst>
+                        <p:cond delay="indefinite"/>
+                      </p:stCondLst>
+                      <p:childTnLst>
+                        <p:par>
+                          <p:cTn id="14" fill="hold">
+                            <p:stCondLst>
+                              <p:cond delay="0"/>
+                            </p:stCondLst>
+                            <p:childTnLst>
+                              <p:par>
+                                <p:cTn id="15" presetID="1" presetClass="entr" presetSubtype="0" fill="hold" nodeType="clickEffect">
+                                  <p:stCondLst>
+                                    <p:cond delay="0"/>
+                                  </p:stCondLst>
+                                  <p:childTnLst>
+                                    <p:set>
+                                      <p:cBhvr>
+                                        <p:cTn id="16" dur="1" fill="hold">
+                                          <p:stCondLst>
+                                            <p:cond delay="0"/>
+                                          </p:stCondLst>
+                                        </p:cTn>
+                                        <p:tgtEl>
+                                          <p:spTgt spid="3">
+                                            <p:txEl>
+                                              <p:pRg st="4" end="4"/>
+                                            </p:txEl>
+                                          </p:spTgt>
+                                        </p:tgtEl>
+                                        <p:attrNameLst>
+                                          <p:attrName>style.visibility</p:attrName>
+                                        </p:attrNameLst>
+                                      </p:cBhvr>
+                                      <p:to>
+                                        <p:strVal val="visible"/>
+                                      </p:to>
+                                    </p:set>
+                                  </p:childTnLst>
+                                </p:cTn>
+                              </p:par>
+                            </p:childTnLst>
+                          </p:cTn>
+                        </p:par>
+                      </p:childTnLst>
+                    </p:cTn>
+                  </p:par>
+                  <p:par>
+                    <p:cTn id="17" fill="hold">
+                      <p:stCondLst>
+                        <p:cond delay="indefinite"/>
+                      </p:stCondLst>
+                      <p:childTnLst>
+                        <p:par>
+                          <p:cTn id="18" fill="hold">
+                            <p:stCondLst>
+                              <p:cond delay="0"/>
+                            </p:stCondLst>
+                            <p:childTnLst>
+                              <p:par>
+                                <p:cTn id="19" presetID="1" presetClass="entr" presetSubtype="0" fill="hold" nodeType="clickEffect">
+                                  <p:stCondLst>
+                                    <p:cond delay="0"/>
+                                  </p:stCondLst>
+                                  <p:childTnLst>
+                                    <p:set>
+                                      <p:cBhvr>
+                                        <p:cTn id="20" dur="1" fill="hold">
+                                          <p:stCondLst>
+                                            <p:cond delay="0"/>
+                                          </p:stCondLst>
+                                        </p:cTn>
+                                        <p:tgtEl>
+                                          <p:spTgt spid="3">
+                                            <p:txEl>
+                                              <p:pRg st="5" end="5"/>
+                                            </p:txEl>
+                                          </p:spTgt>
+                                        </p:tgtEl>
+                                        <p:attrNameLst>
+                                          <p:attrName>style.visibility</p:attrName>
+                                        </p:attrNameLst>
+                                      </p:cBhvr>
+                                      <p:to>
+                                        <p:strVal val="visible"/>
+                                      </p:to>
+                                    </p:set>
+                                  </p:childTnLst>
+                                </p:cTn>
+                              </p:par>
+                            </p:childTnLst>
+                          </p:cTn>
+                        </p:par>
+                      </p:childTnLst>
+                    </p:cTn>
+                  </p:par>
+                </p:childTnLst>
+              </p:cTn>
+              <p:prevCondLst>
+                <p:cond evt="onPrev" delay="0">
+                  <p:tgtEl>
+                    <p:sldTgt/>
+                  </p:tgtEl>
+                </p:cond>
+              </p:prevCondLst>
+              <p:nextCondLst>
+                <p:cond evt="onNext" delay="0">
+                  <p:tgtEl>
+                    <p:sldTgt/>
+                  </p:tgtEl>
+                </p:cond>
+              </p:nextCondLst>
+            </p:seq>
+          </p:childTnLst>
+        </p:cTn>
+      </p:par>
+    </p:tnLst>
+  </p:timing>
+</p:sld>
+</file>
+
+<file path=ppt/slides/slide3.xml><?xml version="1.0" encoding="utf-8"?>
+<p:sld xmlns:a="http://schemas.openxmlformats.org/drawingml/2006/main" xmlns:r="http://schemas.openxmlformats.org/officeDocument/2006/relationships" xmlns:p="http://schemas.openxmlformats.org/presentationml/2006/main">
+  <p:cSld>
+    <p:spTree>
+      <p:nvGrpSpPr>
+        <p:cNvPr id="1" name=""/>
+        <p:cNvGrpSpPr/>
+        <p:nvPr/>
+      </p:nvGrpSpPr>
+      <p:grpSpPr>
+        <a:xfrm>
+          <a:off x="0" y="0"/>
+          <a:ext cx="0" cy="0"/>
+          <a:chOff x="0" y="0"/>
+          <a:chExt cx="0" cy="0"/>
+        </a:xfrm>
+      </p:grpSpPr>
+      <p:sp>
+        <p:nvSpPr>
+          <p:cNvPr id="2" name="Title 1">
+            <a:extLst>
+              <a:ext uri="{FF2B5EF4-FFF2-40B4-BE49-F238E27FC236}">
                 <a16:creationId xmlns:a16="http://schemas.microsoft.com/office/drawing/2014/main" id="{594C9304-2DC4-47EF-870F-B2611F35DCFA}"/>
               </a:ext>
             </a:extLst>
@@ -21259,14 +20348,14 @@
           <p:nvPr>
             <p:extLst>
               <p:ext uri="{D42A27DB-BD31-4B8C-83A1-F6EECF244321}">
-                <p14:modId xmlns:p14="http://schemas.microsoft.com/office/powerpoint/2010/main" val="649070997"/>
+                <p14:modId xmlns:p14="http://schemas.microsoft.com/office/powerpoint/2010/main" val="2216801918"/>
               </p:ext>
             </p:extLst>
           </p:nvPr>
         </p:nvGraphicFramePr>
         <p:xfrm>
-          <a:off x="146956" y="1514927"/>
-          <a:ext cx="8850087" cy="4167416"/>
+          <a:off x="100275" y="3653758"/>
+          <a:ext cx="8850087" cy="3100104"/>
         </p:xfrm>
         <a:graphic>
           <a:graphicData uri="http://schemas.openxmlformats.org/drawingml/2006/diagram">
@@ -21274,6 +20363,103 @@
           </a:graphicData>
         </a:graphic>
       </p:graphicFrame>
+      <p:sp>
+        <p:nvSpPr>
+          <p:cNvPr id="11" name="TextBox 10">
+            <a:extLst>
+              <a:ext uri="{FF2B5EF4-FFF2-40B4-BE49-F238E27FC236}">
+                <a16:creationId xmlns:a16="http://schemas.microsoft.com/office/drawing/2014/main" id="{585EAC3B-4142-49D9-977C-49D7D274D5D8}"/>
+              </a:ext>
+            </a:extLst>
+          </p:cNvPr>
+          <p:cNvSpPr txBox="1"/>
+          <p:nvPr/>
+        </p:nvSpPr>
+        <p:spPr>
+          <a:xfrm>
+            <a:off x="35730" y="2226406"/>
+            <a:ext cx="6343201" cy="1292662"/>
+          </a:xfrm>
+          <a:prstGeom prst="rect">
+            <a:avLst/>
+          </a:prstGeom>
+          <a:noFill/>
+        </p:spPr>
+        <p:txBody>
+          <a:bodyPr wrap="square" rtlCol="0">
+            <a:spAutoFit/>
+          </a:bodyPr>
+          <a:lstStyle/>
+          <a:p>
+            <a:r>
+              <a:rPr lang="en-US" sz="2400" b="1" u="sng" dirty="0"/>
+              <a:t>Participants:</a:t>
+            </a:r>
+          </a:p>
+          <a:p>
+            <a:pPr marL="285750" indent="-285750">
+              <a:buFont typeface="Arial" panose="020B0604020202020204" pitchFamily="34" charset="0"/>
+              <a:buChar char="•"/>
+            </a:pPr>
+            <a:r>
+              <a:rPr lang="en-US" dirty="0"/>
+              <a:t>30 younger adults</a:t>
+            </a:r>
+          </a:p>
+          <a:p>
+            <a:pPr marL="285750" indent="-285750">
+              <a:buFont typeface="Arial" panose="020B0604020202020204" pitchFamily="34" charset="0"/>
+              <a:buChar char="•"/>
+            </a:pPr>
+            <a:endParaRPr lang="en-US" dirty="0"/>
+          </a:p>
+          <a:p>
+            <a:pPr marL="285750" indent="-285750">
+              <a:buFont typeface="Arial" panose="020B0604020202020204" pitchFamily="34" charset="0"/>
+              <a:buChar char="•"/>
+            </a:pPr>
+            <a:r>
+              <a:rPr lang="en-US" dirty="0"/>
+              <a:t>6 older adults (data collection ongoing)</a:t>
+            </a:r>
+          </a:p>
+        </p:txBody>
+      </p:sp>
+      <p:sp>
+        <p:nvSpPr>
+          <p:cNvPr id="12" name="TextBox 11">
+            <a:extLst>
+              <a:ext uri="{FF2B5EF4-FFF2-40B4-BE49-F238E27FC236}">
+                <a16:creationId xmlns:a16="http://schemas.microsoft.com/office/drawing/2014/main" id="{65D4362B-31F0-42C7-B8F1-DB861D3360C3}"/>
+              </a:ext>
+            </a:extLst>
+          </p:cNvPr>
+          <p:cNvSpPr txBox="1"/>
+          <p:nvPr/>
+        </p:nvSpPr>
+        <p:spPr>
+          <a:xfrm>
+            <a:off x="0" y="3756105"/>
+            <a:ext cx="6343201" cy="461665"/>
+          </a:xfrm>
+          <a:prstGeom prst="rect">
+            <a:avLst/>
+          </a:prstGeom>
+          <a:noFill/>
+        </p:spPr>
+        <p:txBody>
+          <a:bodyPr wrap="square" rtlCol="0">
+            <a:spAutoFit/>
+          </a:bodyPr>
+          <a:lstStyle/>
+          <a:p>
+            <a:r>
+              <a:rPr lang="en-US" sz="2400" b="1" u="sng" dirty="0"/>
+              <a:t>Procedure</a:t>
+            </a:r>
+          </a:p>
+        </p:txBody>
+      </p:sp>
     </p:spTree>
     <p:extLst>
       <p:ext uri="{BB962C8B-B14F-4D97-AF65-F5344CB8AC3E}">
@@ -21284,116 +20470,178 @@
   <p:clrMapOvr>
     <a:masterClrMapping/>
   </p:clrMapOvr>
-</p:sld>
-</file>
-
-<file path=ppt/slides/slide3.xml><?xml version="1.0" encoding="utf-8"?>
-<p:sld xmlns:a="http://schemas.openxmlformats.org/drawingml/2006/main" xmlns:r="http://schemas.openxmlformats.org/officeDocument/2006/relationships" xmlns:p="http://schemas.openxmlformats.org/presentationml/2006/main">
-  <p:cSld>
-    <p:spTree>
-      <p:nvGrpSpPr>
-        <p:cNvPr id="1" name=""/>
-        <p:cNvGrpSpPr/>
-        <p:nvPr/>
-      </p:nvGrpSpPr>
-      <p:grpSpPr>
-        <a:xfrm>
-          <a:off x="0" y="0"/>
-          <a:ext cx="0" cy="0"/>
-          <a:chOff x="0" y="0"/>
-          <a:chExt cx="0" cy="0"/>
-        </a:xfrm>
-      </p:grpSpPr>
-      <p:sp>
-        <p:nvSpPr>
-          <p:cNvPr id="2" name="Title 1">
-            <a:extLst>
-              <a:ext uri="{FF2B5EF4-FFF2-40B4-BE49-F238E27FC236}">
-                <a16:creationId xmlns:a16="http://schemas.microsoft.com/office/drawing/2014/main" id="{543B3268-E9EA-44E4-ACDD-CE6AB485DB7F}"/>
-              </a:ext>
-            </a:extLst>
-          </p:cNvPr>
-          <p:cNvSpPr>
-            <a:spLocks noGrp="1"/>
-          </p:cNvSpPr>
-          <p:nvPr>
-            <p:ph type="title"/>
-          </p:nvPr>
-        </p:nvSpPr>
-        <p:spPr/>
-        <p:txBody>
-          <a:bodyPr/>
-          <a:lstStyle/>
-          <a:p>
-            <a:r>
-              <a:rPr lang="en-US" dirty="0"/>
-              <a:t>Results</a:t>
-            </a:r>
-          </a:p>
-        </p:txBody>
-      </p:sp>
-      <p:sp>
-        <p:nvSpPr>
-          <p:cNvPr id="3" name="Content Placeholder 2">
-            <a:extLst>
-              <a:ext uri="{FF2B5EF4-FFF2-40B4-BE49-F238E27FC236}">
-                <a16:creationId xmlns:a16="http://schemas.microsoft.com/office/drawing/2014/main" id="{5E7555E2-8326-4748-BCA4-EEAC4266F2D8}"/>
-              </a:ext>
-            </a:extLst>
-          </p:cNvPr>
-          <p:cNvSpPr>
-            <a:spLocks noGrp="1"/>
-          </p:cNvSpPr>
-          <p:nvPr>
-            <p:ph idx="1"/>
-          </p:nvPr>
-        </p:nvSpPr>
-        <p:spPr>
-          <a:xfrm>
-            <a:off x="519247" y="2809876"/>
-            <a:ext cx="8363495" cy="2562225"/>
-          </a:xfrm>
-        </p:spPr>
-        <p:txBody>
-          <a:bodyPr/>
-          <a:lstStyle/>
-          <a:p>
-            <a:pPr marL="0" indent="0">
-              <a:buNone/>
-            </a:pPr>
-            <a:endParaRPr lang="en-US" sz="1500" dirty="0">
-              <a:solidFill>
-                <a:schemeClr val="tx1"/>
-              </a:solidFill>
-            </a:endParaRPr>
-          </a:p>
-          <a:p>
-            <a:endParaRPr lang="en-US" sz="1500" dirty="0">
-              <a:solidFill>
-                <a:schemeClr val="tx1"/>
-              </a:solidFill>
-            </a:endParaRPr>
-          </a:p>
-          <a:p>
-            <a:pPr lvl="1"/>
-            <a:endParaRPr lang="en-US" dirty="0">
-              <a:solidFill>
-                <a:srgbClr val="92D050"/>
-              </a:solidFill>
-            </a:endParaRPr>
-          </a:p>
-        </p:txBody>
-      </p:sp>
-    </p:spTree>
-    <p:extLst>
-      <p:ext uri="{BB962C8B-B14F-4D97-AF65-F5344CB8AC3E}">
-        <p14:creationId xmlns:p14="http://schemas.microsoft.com/office/powerpoint/2010/main" val="176995655"/>
-      </p:ext>
-    </p:extLst>
-  </p:cSld>
-  <p:clrMapOvr>
-    <a:masterClrMapping/>
-  </p:clrMapOvr>
+  <p:timing>
+    <p:tnLst>
+      <p:par>
+        <p:cTn id="1" dur="indefinite" restart="never" nodeType="tmRoot">
+          <p:childTnLst>
+            <p:seq concurrent="1" nextAc="seek">
+              <p:cTn id="2" dur="indefinite" nodeType="mainSeq">
+                <p:childTnLst>
+                  <p:par>
+                    <p:cTn id="3" fill="hold">
+                      <p:stCondLst>
+                        <p:cond delay="indefinite"/>
+                      </p:stCondLst>
+                      <p:childTnLst>
+                        <p:par>
+                          <p:cTn id="4" fill="hold">
+                            <p:stCondLst>
+                              <p:cond delay="0"/>
+                            </p:stCondLst>
+                            <p:childTnLst>
+                              <p:par>
+                                <p:cTn id="5" presetID="1" presetClass="entr" presetSubtype="0" fill="hold" grpId="0" nodeType="clickEffect">
+                                  <p:stCondLst>
+                                    <p:cond delay="0"/>
+                                  </p:stCondLst>
+                                  <p:childTnLst>
+                                    <p:set>
+                                      <p:cBhvr>
+                                        <p:cTn id="6" dur="1" fill="hold">
+                                          <p:stCondLst>
+                                            <p:cond delay="0"/>
+                                          </p:stCondLst>
+                                        </p:cTn>
+                                        <p:tgtEl>
+                                          <p:spTgt spid="11"/>
+                                        </p:tgtEl>
+                                        <p:attrNameLst>
+                                          <p:attrName>style.visibility</p:attrName>
+                                        </p:attrNameLst>
+                                      </p:cBhvr>
+                                      <p:to>
+                                        <p:strVal val="visible"/>
+                                      </p:to>
+                                    </p:set>
+                                  </p:childTnLst>
+                                </p:cTn>
+                              </p:par>
+                            </p:childTnLst>
+                          </p:cTn>
+                        </p:par>
+                      </p:childTnLst>
+                    </p:cTn>
+                  </p:par>
+                  <p:par>
+                    <p:cTn id="7" fill="hold">
+                      <p:stCondLst>
+                        <p:cond delay="indefinite"/>
+                      </p:stCondLst>
+                      <p:childTnLst>
+                        <p:par>
+                          <p:cTn id="8" fill="hold">
+                            <p:stCondLst>
+                              <p:cond delay="0"/>
+                            </p:stCondLst>
+                            <p:childTnLst>
+                              <p:par>
+                                <p:cTn id="9" presetID="1" presetClass="entr" presetSubtype="0" fill="hold" grpId="0" nodeType="clickEffect">
+                                  <p:stCondLst>
+                                    <p:cond delay="0"/>
+                                  </p:stCondLst>
+                                  <p:childTnLst>
+                                    <p:set>
+                                      <p:cBhvr>
+                                        <p:cTn id="10" dur="1" fill="hold">
+                                          <p:stCondLst>
+                                            <p:cond delay="0"/>
+                                          </p:stCondLst>
+                                        </p:cTn>
+                                        <p:tgtEl>
+                                          <p:spTgt spid="12"/>
+                                        </p:tgtEl>
+                                        <p:attrNameLst>
+                                          <p:attrName>style.visibility</p:attrName>
+                                        </p:attrNameLst>
+                                      </p:cBhvr>
+                                      <p:to>
+                                        <p:strVal val="visible"/>
+                                      </p:to>
+                                    </p:set>
+                                  </p:childTnLst>
+                                </p:cTn>
+                              </p:par>
+                            </p:childTnLst>
+                          </p:cTn>
+                        </p:par>
+                      </p:childTnLst>
+                    </p:cTn>
+                  </p:par>
+                  <p:par>
+                    <p:cTn id="11" fill="hold">
+                      <p:stCondLst>
+                        <p:cond delay="indefinite"/>
+                      </p:stCondLst>
+                      <p:childTnLst>
+                        <p:par>
+                          <p:cTn id="12" fill="hold">
+                            <p:stCondLst>
+                              <p:cond delay="0"/>
+                            </p:stCondLst>
+                            <p:childTnLst>
+                              <p:par>
+                                <p:cTn id="13" presetID="1" presetClass="entr" presetSubtype="0" fill="hold" grpId="0" nodeType="clickEffect">
+                                  <p:stCondLst>
+                                    <p:cond delay="0"/>
+                                  </p:stCondLst>
+                                  <p:childTnLst>
+                                    <p:set>
+                                      <p:cBhvr>
+                                        <p:cTn id="14" dur="1" fill="hold">
+                                          <p:stCondLst>
+                                            <p:cond delay="0"/>
+                                          </p:stCondLst>
+                                        </p:cTn>
+                                        <p:tgtEl>
+                                          <p:spTgt spid="5"/>
+                                        </p:tgtEl>
+                                        <p:attrNameLst>
+                                          <p:attrName>style.visibility</p:attrName>
+                                        </p:attrNameLst>
+                                      </p:cBhvr>
+                                      <p:to>
+                                        <p:strVal val="visible"/>
+                                      </p:to>
+                                    </p:set>
+                                  </p:childTnLst>
+                                </p:cTn>
+                              </p:par>
+                            </p:childTnLst>
+                          </p:cTn>
+                        </p:par>
+                      </p:childTnLst>
+                    </p:cTn>
+                  </p:par>
+                </p:childTnLst>
+              </p:cTn>
+              <p:prevCondLst>
+                <p:cond evt="onPrev" delay="0">
+                  <p:tgtEl>
+                    <p:sldTgt/>
+                  </p:tgtEl>
+                </p:cond>
+              </p:prevCondLst>
+              <p:nextCondLst>
+                <p:cond evt="onNext" delay="0">
+                  <p:tgtEl>
+                    <p:sldTgt/>
+                  </p:tgtEl>
+                </p:cond>
+              </p:nextCondLst>
+            </p:seq>
+          </p:childTnLst>
+        </p:cTn>
+      </p:par>
+    </p:tnLst>
+    <p:bldLst>
+      <p:bldGraphic spid="5" grpId="0">
+        <p:bldAsOne/>
+      </p:bldGraphic>
+      <p:bldP spid="11" grpId="0"/>
+      <p:bldP spid="12" grpId="0"/>
+    </p:bldLst>
+  </p:timing>
 </p:sld>
 </file>
 
@@ -21427,17 +20675,26 @@
             <a:spLocks noGrp="1"/>
           </p:cNvSpPr>
           <p:nvPr>
-            <p:ph type="title"/>
+            <p:ph type="title" idx="4294967295"/>
           </p:nvPr>
         </p:nvSpPr>
-        <p:spPr/>
+        <p:spPr>
+          <a:xfrm>
+            <a:off x="150607" y="86064"/>
+            <a:ext cx="6343650" cy="709613"/>
+          </a:xfrm>
+        </p:spPr>
         <p:txBody>
           <a:bodyPr/>
           <a:lstStyle/>
           <a:p>
             <a:r>
-              <a:rPr lang="en-US" dirty="0"/>
-              <a:t>Results</a:t>
+              <a:rPr lang="en-US" b="1" dirty="0">
+                <a:solidFill>
+                  <a:schemeClr val="tx1"/>
+                </a:solidFill>
+              </a:rPr>
+              <a:t>Results – Error Rates</a:t>
             </a:r>
           </a:p>
         </p:txBody>
@@ -21455,17 +20712,17 @@
             <a:graphicFrameLocks noGrp="1"/>
           </p:cNvGraphicFramePr>
           <p:nvPr>
-            <p:ph idx="1"/>
+            <p:ph idx="4294967295"/>
             <p:extLst>
               <p:ext uri="{D42A27DB-BD31-4B8C-83A1-F6EECF244321}">
-                <p14:modId xmlns:p14="http://schemas.microsoft.com/office/powerpoint/2010/main" val="2012033115"/>
+                <p14:modId xmlns:p14="http://schemas.microsoft.com/office/powerpoint/2010/main" val="2865418623"/>
               </p:ext>
             </p:extLst>
           </p:nvPr>
         </p:nvGraphicFramePr>
         <p:xfrm>
-          <a:off x="114300" y="2392138"/>
-          <a:ext cx="4866491" cy="4253591"/>
+          <a:off x="268941" y="1387736"/>
+          <a:ext cx="8218842" cy="5217459"/>
         </p:xfrm>
         <a:graphic>
           <a:graphicData uri="http://schemas.openxmlformats.org/drawingml/2006/chart">
@@ -21473,40 +20730,10 @@
           </a:graphicData>
         </a:graphic>
       </p:graphicFrame>
-      <p:graphicFrame>
-        <p:nvGraphicFramePr>
-          <p:cNvPr id="7" name="Content Placeholder 4">
-            <a:extLst>
-              <a:ext uri="{FF2B5EF4-FFF2-40B4-BE49-F238E27FC236}">
-                <a16:creationId xmlns:a16="http://schemas.microsoft.com/office/drawing/2014/main" id="{578F04E7-94D6-43C3-92FB-A0AC6AA391AF}"/>
-              </a:ext>
-            </a:extLst>
-          </p:cNvPr>
-          <p:cNvGraphicFramePr>
-            <a:graphicFrameLocks/>
-          </p:cNvGraphicFramePr>
-          <p:nvPr>
-            <p:extLst>
-              <p:ext uri="{D42A27DB-BD31-4B8C-83A1-F6EECF244321}">
-                <p14:modId xmlns:p14="http://schemas.microsoft.com/office/powerpoint/2010/main" val="4058287056"/>
-              </p:ext>
-            </p:extLst>
-          </p:nvPr>
-        </p:nvGraphicFramePr>
-        <p:xfrm>
-          <a:off x="4386879" y="2392137"/>
-          <a:ext cx="4866491" cy="4253591"/>
-        </p:xfrm>
-        <a:graphic>
-          <a:graphicData uri="http://schemas.openxmlformats.org/drawingml/2006/chart">
-            <c:chart xmlns:c="http://schemas.openxmlformats.org/drawingml/2006/chart" xmlns:r="http://schemas.openxmlformats.org/officeDocument/2006/relationships" r:id="rId4"/>
-          </a:graphicData>
-        </a:graphic>
-      </p:graphicFrame>
     </p:spTree>
     <p:extLst>
       <p:ext uri="{BB962C8B-B14F-4D97-AF65-F5344CB8AC3E}">
-        <p14:creationId xmlns:p14="http://schemas.microsoft.com/office/powerpoint/2010/main" val="1150637837"/>
+        <p14:creationId xmlns:p14="http://schemas.microsoft.com/office/powerpoint/2010/main" val="2584967588"/>
       </p:ext>
     </p:extLst>
   </p:cSld>
@@ -21546,17 +20773,26 @@
             <a:spLocks noGrp="1"/>
           </p:cNvSpPr>
           <p:nvPr>
-            <p:ph type="title"/>
+            <p:ph type="title" idx="4294967295"/>
           </p:nvPr>
         </p:nvSpPr>
-        <p:spPr/>
+        <p:spPr>
+          <a:xfrm>
+            <a:off x="150607" y="86064"/>
+            <a:ext cx="6343650" cy="709613"/>
+          </a:xfrm>
+        </p:spPr>
         <p:txBody>
           <a:bodyPr/>
           <a:lstStyle/>
           <a:p>
             <a:r>
-              <a:rPr lang="en-US" dirty="0"/>
-              <a:t>Local vs Global Switch Costs</a:t>
+              <a:rPr lang="en-US" b="1" dirty="0">
+                <a:solidFill>
+                  <a:schemeClr val="tx1"/>
+                </a:solidFill>
+              </a:rPr>
+              <a:t>Results – Reaction Times</a:t>
             </a:r>
           </a:p>
         </p:txBody>
@@ -21574,13 +20810,17 @@
             <a:graphicFrameLocks noGrp="1"/>
           </p:cNvGraphicFramePr>
           <p:nvPr>
-            <p:ph idx="1"/>
-            <p:extLst/>
+            <p:ph idx="4294967295"/>
+            <p:extLst>
+              <p:ext uri="{D42A27DB-BD31-4B8C-83A1-F6EECF244321}">
+                <p14:modId xmlns:p14="http://schemas.microsoft.com/office/powerpoint/2010/main" val="643366453"/>
+              </p:ext>
+            </p:extLst>
           </p:nvPr>
         </p:nvGraphicFramePr>
         <p:xfrm>
-          <a:off x="114300" y="2392138"/>
-          <a:ext cx="4955723" cy="4253591"/>
+          <a:off x="268941" y="1387737"/>
+          <a:ext cx="8218842" cy="5271247"/>
         </p:xfrm>
         <a:graphic>
           <a:graphicData uri="http://schemas.openxmlformats.org/drawingml/2006/chart">
@@ -21588,34 +20828,10 @@
           </a:graphicData>
         </a:graphic>
       </p:graphicFrame>
-      <p:graphicFrame>
-        <p:nvGraphicFramePr>
-          <p:cNvPr id="6" name="Chart 5">
-            <a:extLst>
-              <a:ext uri="{FF2B5EF4-FFF2-40B4-BE49-F238E27FC236}">
-                <a16:creationId xmlns:a16="http://schemas.microsoft.com/office/drawing/2014/main" id="{203E937C-8FD8-4675-89BB-1777DC9E7126}"/>
-              </a:ext>
-            </a:extLst>
-          </p:cNvPr>
-          <p:cNvGraphicFramePr/>
-          <p:nvPr>
-            <p:extLst/>
-          </p:nvPr>
-        </p:nvGraphicFramePr>
-        <p:xfrm>
-          <a:off x="4735285" y="2392138"/>
-          <a:ext cx="4523017" cy="4024991"/>
-        </p:xfrm>
-        <a:graphic>
-          <a:graphicData uri="http://schemas.openxmlformats.org/drawingml/2006/chart">
-            <c:chart xmlns:c="http://schemas.openxmlformats.org/drawingml/2006/chart" xmlns:r="http://schemas.openxmlformats.org/officeDocument/2006/relationships" r:id="rId4"/>
-          </a:graphicData>
-        </a:graphic>
-      </p:graphicFrame>
     </p:spTree>
     <p:extLst>
       <p:ext uri="{BB962C8B-B14F-4D97-AF65-F5344CB8AC3E}">
-        <p14:creationId xmlns:p14="http://schemas.microsoft.com/office/powerpoint/2010/main" val="2584967588"/>
+        <p14:creationId xmlns:p14="http://schemas.microsoft.com/office/powerpoint/2010/main" val="1085176911"/>
       </p:ext>
     </p:extLst>
   </p:cSld>
@@ -21664,8 +20880,12 @@
           <a:lstStyle/>
           <a:p>
             <a:r>
+              <a:rPr lang="en-US"/>
+              <a:t>Limitations </a:t>
+            </a:r>
+            <a:r>
               <a:rPr lang="en-US" dirty="0"/>
-              <a:t>Future Directions</a:t>
+              <a:t>&amp; Future Directions</a:t>
             </a:r>
           </a:p>
         </p:txBody>
@@ -21693,11 +20913,35 @@
           </a:bodyPr>
           <a:lstStyle/>
           <a:p>
-            <a:endParaRPr lang="en-US" sz="2400" dirty="0">
-              <a:solidFill>
-                <a:schemeClr val="tx1"/>
-              </a:solidFill>
-            </a:endParaRPr>
+            <a:r>
+              <a:rPr lang="en-US" sz="2400" dirty="0">
+                <a:solidFill>
+                  <a:schemeClr val="tx1"/>
+                </a:solidFill>
+              </a:rPr>
+              <a:t>Older adult data</a:t>
+            </a:r>
+          </a:p>
+          <a:p>
+            <a:pPr lvl="1"/>
+            <a:r>
+              <a:rPr lang="en-US" sz="2200" dirty="0">
+                <a:solidFill>
+                  <a:schemeClr val="tx1"/>
+                </a:solidFill>
+              </a:rPr>
+              <a:t>Data collection is underway!</a:t>
+            </a:r>
+          </a:p>
+          <a:p>
+            <a:r>
+              <a:rPr lang="en-US" sz="2400" dirty="0">
+                <a:solidFill>
+                  <a:schemeClr val="tx1"/>
+                </a:solidFill>
+              </a:rPr>
+              <a:t>Compare performance of individuals with mild Alzheimer’s to healthy older and younger adults.</a:t>
+            </a:r>
           </a:p>
         </p:txBody>
       </p:sp>

--- a/CVOE/3 Presentations/maxwell_data blitz slides.pptx
+++ b/CVOE/3 Presentations/maxwell_data blitz slides.pptx
@@ -3513,14 +3513,14 @@
       <dgm:spPr/>
     </dgm:pt>
     <dgm:pt modelId="{A3B0625B-A29C-4EC1-BF1E-FDED9DCB5B90}">
-      <dgm:prSet phldrT="[Text]"/>
+      <dgm:prSet phldrT="[Text]" custT="1"/>
       <dgm:spPr/>
       <dgm:t>
         <a:bodyPr/>
         <a:lstStyle/>
         <a:p>
           <a:r>
-            <a:rPr lang="en-US" dirty="0"/>
+            <a:rPr lang="en-US" sz="3600" dirty="0"/>
             <a:t>Pure Trials</a:t>
           </a:r>
         </a:p>
@@ -3553,14 +3553,14 @@
       </dgm:t>
     </dgm:pt>
     <dgm:pt modelId="{672F0FE1-A43D-49B6-AC4B-55678CD11200}">
-      <dgm:prSet phldrT="[Text]"/>
+      <dgm:prSet phldrT="[Text]" custT="1"/>
       <dgm:spPr/>
       <dgm:t>
         <a:bodyPr/>
         <a:lstStyle/>
         <a:p>
           <a:r>
-            <a:rPr lang="en-US" dirty="0"/>
+            <a:rPr lang="en-US" sz="3600" dirty="0"/>
             <a:t>Switch Trials</a:t>
           </a:r>
         </a:p>
@@ -3592,47 +3592,6 @@
         </a:p>
       </dgm:t>
     </dgm:pt>
-    <dgm:pt modelId="{342EAFBB-96E6-4062-95D0-41C04FE04BA2}">
-      <dgm:prSet phldrT="[Text]"/>
-      <dgm:spPr/>
-      <dgm:t>
-        <a:bodyPr/>
-        <a:lstStyle/>
-        <a:p>
-          <a:r>
-            <a:rPr lang="en-US" dirty="0" err="1"/>
-            <a:t>MoCA</a:t>
-          </a:r>
-          <a:endParaRPr lang="en-US" dirty="0"/>
-        </a:p>
-      </dgm:t>
-    </dgm:pt>
-    <dgm:pt modelId="{F11FE357-7076-49AC-974C-1C0ABF2072BA}" type="parTrans" cxnId="{CD2BDD60-079F-4EC6-AD3D-32574EAB8DE6}">
-      <dgm:prSet/>
-      <dgm:spPr/>
-      <dgm:t>
-        <a:bodyPr/>
-        <a:lstStyle/>
-        <a:p>
-          <a:endParaRPr lang="en-US"/>
-        </a:p>
-      </dgm:t>
-    </dgm:pt>
-    <dgm:pt modelId="{A876C634-E352-4308-974E-5CB102A1737C}" type="sibTrans" cxnId="{CD2BDD60-079F-4EC6-AD3D-32574EAB8DE6}">
-      <dgm:prSet/>
-      <dgm:spPr>
-        <a:solidFill>
-          <a:schemeClr val="tx1"/>
-        </a:solidFill>
-      </dgm:spPr>
-      <dgm:t>
-        <a:bodyPr/>
-        <a:lstStyle/>
-        <a:p>
-          <a:endParaRPr lang="en-US"/>
-        </a:p>
-      </dgm:t>
-    </dgm:pt>
     <dgm:pt modelId="{88BEC273-4A92-4C51-B415-07FAB56B8400}" type="pres">
       <dgm:prSet presAssocID="{31EF7506-5D76-4C65-A181-037FC9A78A74}" presName="Name0" presStyleCnt="0">
         <dgm:presLayoutVars>
@@ -3643,7 +3602,7 @@
       <dgm:spPr/>
     </dgm:pt>
     <dgm:pt modelId="{F2DBE583-654B-4C72-BDA2-B8E8AE3BA968}" type="pres">
-      <dgm:prSet presAssocID="{A3B0625B-A29C-4EC1-BF1E-FDED9DCB5B90}" presName="node" presStyleLbl="node1" presStyleIdx="0" presStyleCnt="3">
+      <dgm:prSet presAssocID="{A3B0625B-A29C-4EC1-BF1E-FDED9DCB5B90}" presName="node" presStyleLbl="node1" presStyleIdx="0" presStyleCnt="2">
         <dgm:presLayoutVars>
           <dgm:bulletEnabled val="1"/>
         </dgm:presLayoutVars>
@@ -3651,31 +3610,15 @@
       <dgm:spPr/>
     </dgm:pt>
     <dgm:pt modelId="{93CF903F-AD54-4609-B869-4583256B2C94}" type="pres">
-      <dgm:prSet presAssocID="{CBEE9F8F-AA0B-4413-BFB8-CA90C3ED7DCE}" presName="sibTrans" presStyleLbl="sibTrans2D1" presStyleIdx="0" presStyleCnt="2"/>
+      <dgm:prSet presAssocID="{CBEE9F8F-AA0B-4413-BFB8-CA90C3ED7DCE}" presName="sibTrans" presStyleLbl="sibTrans2D1" presStyleIdx="0" presStyleCnt="1"/>
       <dgm:spPr/>
     </dgm:pt>
     <dgm:pt modelId="{2D829781-25F9-4512-A7FA-F99DD7CA1273}" type="pres">
-      <dgm:prSet presAssocID="{CBEE9F8F-AA0B-4413-BFB8-CA90C3ED7DCE}" presName="connectorText" presStyleLbl="sibTrans2D1" presStyleIdx="0" presStyleCnt="2"/>
+      <dgm:prSet presAssocID="{CBEE9F8F-AA0B-4413-BFB8-CA90C3ED7DCE}" presName="connectorText" presStyleLbl="sibTrans2D1" presStyleIdx="0" presStyleCnt="1"/>
       <dgm:spPr/>
     </dgm:pt>
     <dgm:pt modelId="{74460C3C-9C46-4B8F-B1D9-2048CEBD839C}" type="pres">
-      <dgm:prSet presAssocID="{672F0FE1-A43D-49B6-AC4B-55678CD11200}" presName="node" presStyleLbl="node1" presStyleIdx="1" presStyleCnt="3">
-        <dgm:presLayoutVars>
-          <dgm:bulletEnabled val="1"/>
-        </dgm:presLayoutVars>
-      </dgm:prSet>
-      <dgm:spPr/>
-    </dgm:pt>
-    <dgm:pt modelId="{20AA29B1-FD8B-45E7-844F-16086ED2CA69}" type="pres">
-      <dgm:prSet presAssocID="{C1D0E082-1737-44D1-9AC0-C6381EDC87CF}" presName="sibTrans" presStyleLbl="sibTrans2D1" presStyleIdx="1" presStyleCnt="2"/>
-      <dgm:spPr/>
-    </dgm:pt>
-    <dgm:pt modelId="{4081A545-C058-423E-B33D-94C0BF45DC5A}" type="pres">
-      <dgm:prSet presAssocID="{C1D0E082-1737-44D1-9AC0-C6381EDC87CF}" presName="connectorText" presStyleLbl="sibTrans2D1" presStyleIdx="1" presStyleCnt="2"/>
-      <dgm:spPr/>
-    </dgm:pt>
-    <dgm:pt modelId="{8C145A60-7244-451F-A418-08DCB089B20E}" type="pres">
-      <dgm:prSet presAssocID="{342EAFBB-96E6-4062-95D0-41C04FE04BA2}" presName="node" presStyleLbl="node1" presStyleIdx="2" presStyleCnt="3">
+      <dgm:prSet presAssocID="{672F0FE1-A43D-49B6-AC4B-55678CD11200}" presName="node" presStyleLbl="node1" presStyleIdx="1" presStyleCnt="2">
         <dgm:presLayoutVars>
           <dgm:bulletEnabled val="1"/>
         </dgm:presLayoutVars>
@@ -3685,23 +3628,16 @@
   </dgm:ptLst>
   <dgm:cxnLst>
     <dgm:cxn modelId="{2B46D60F-87DA-4EDC-80F7-31EF71A059AB}" type="presOf" srcId="{CBEE9F8F-AA0B-4413-BFB8-CA90C3ED7DCE}" destId="{2D829781-25F9-4512-A7FA-F99DD7CA1273}" srcOrd="1" destOrd="0" presId="urn:microsoft.com/office/officeart/2005/8/layout/process1"/>
-    <dgm:cxn modelId="{CD2BDD60-079F-4EC6-AD3D-32574EAB8DE6}" srcId="{31EF7506-5D76-4C65-A181-037FC9A78A74}" destId="{342EAFBB-96E6-4062-95D0-41C04FE04BA2}" srcOrd="2" destOrd="0" parTransId="{F11FE357-7076-49AC-974C-1C0ABF2072BA}" sibTransId="{A876C634-E352-4308-974E-5CB102A1737C}"/>
     <dgm:cxn modelId="{93F81563-087E-494F-85D0-3278DF82D22E}" type="presOf" srcId="{31EF7506-5D76-4C65-A181-037FC9A78A74}" destId="{88BEC273-4A92-4C51-B415-07FAB56B8400}" srcOrd="0" destOrd="0" presId="urn:microsoft.com/office/officeart/2005/8/layout/process1"/>
     <dgm:cxn modelId="{575A557E-2F62-4AFB-BFCC-92DBB617FCD2}" type="presOf" srcId="{A3B0625B-A29C-4EC1-BF1E-FDED9DCB5B90}" destId="{F2DBE583-654B-4C72-BDA2-B8E8AE3BA968}" srcOrd="0" destOrd="0" presId="urn:microsoft.com/office/officeart/2005/8/layout/process1"/>
-    <dgm:cxn modelId="{E6814485-F4AA-4354-B910-55CD5368D90B}" type="presOf" srcId="{342EAFBB-96E6-4062-95D0-41C04FE04BA2}" destId="{8C145A60-7244-451F-A418-08DCB089B20E}" srcOrd="0" destOrd="0" presId="urn:microsoft.com/office/officeart/2005/8/layout/process1"/>
     <dgm:cxn modelId="{1279FF95-AE8C-4029-8C04-008EDA45EC06}" srcId="{31EF7506-5D76-4C65-A181-037FC9A78A74}" destId="{A3B0625B-A29C-4EC1-BF1E-FDED9DCB5B90}" srcOrd="0" destOrd="0" parTransId="{308A7ABB-3A1D-49A0-8921-03DA15743A8C}" sibTransId="{CBEE9F8F-AA0B-4413-BFB8-CA90C3ED7DCE}"/>
-    <dgm:cxn modelId="{5B2AC799-7D33-45C4-B6B4-252FE40D1871}" type="presOf" srcId="{C1D0E082-1737-44D1-9AC0-C6381EDC87CF}" destId="{20AA29B1-FD8B-45E7-844F-16086ED2CA69}" srcOrd="0" destOrd="0" presId="urn:microsoft.com/office/officeart/2005/8/layout/process1"/>
     <dgm:cxn modelId="{B92C59B1-7F62-40F8-9EA3-BC7B49203F59}" srcId="{31EF7506-5D76-4C65-A181-037FC9A78A74}" destId="{672F0FE1-A43D-49B6-AC4B-55678CD11200}" srcOrd="1" destOrd="0" parTransId="{2F1D42E5-6F75-4C0B-9462-EF6AE3110995}" sibTransId="{C1D0E082-1737-44D1-9AC0-C6381EDC87CF}"/>
     <dgm:cxn modelId="{7D85D2CA-FB1F-464E-95B5-4D2248867D5C}" type="presOf" srcId="{CBEE9F8F-AA0B-4413-BFB8-CA90C3ED7DCE}" destId="{93CF903F-AD54-4609-B869-4583256B2C94}" srcOrd="0" destOrd="0" presId="urn:microsoft.com/office/officeart/2005/8/layout/process1"/>
-    <dgm:cxn modelId="{9F25DDE4-43E1-42F7-826A-F4EF6D9500F4}" type="presOf" srcId="{C1D0E082-1737-44D1-9AC0-C6381EDC87CF}" destId="{4081A545-C058-423E-B33D-94C0BF45DC5A}" srcOrd="1" destOrd="0" presId="urn:microsoft.com/office/officeart/2005/8/layout/process1"/>
     <dgm:cxn modelId="{0802F9EC-C97A-446C-AA6E-2EB45DBA43A3}" type="presOf" srcId="{672F0FE1-A43D-49B6-AC4B-55678CD11200}" destId="{74460C3C-9C46-4B8F-B1D9-2048CEBD839C}" srcOrd="0" destOrd="0" presId="urn:microsoft.com/office/officeart/2005/8/layout/process1"/>
     <dgm:cxn modelId="{2ACAE5CB-5820-435B-AEBD-862F9F522C1B}" type="presParOf" srcId="{88BEC273-4A92-4C51-B415-07FAB56B8400}" destId="{F2DBE583-654B-4C72-BDA2-B8E8AE3BA968}" srcOrd="0" destOrd="0" presId="urn:microsoft.com/office/officeart/2005/8/layout/process1"/>
     <dgm:cxn modelId="{E90DA5B5-26F6-4816-AFB4-CFDBB76BEB37}" type="presParOf" srcId="{88BEC273-4A92-4C51-B415-07FAB56B8400}" destId="{93CF903F-AD54-4609-B869-4583256B2C94}" srcOrd="1" destOrd="0" presId="urn:microsoft.com/office/officeart/2005/8/layout/process1"/>
     <dgm:cxn modelId="{1DC3BE45-00A7-4D9C-9FA3-BEE2114C8D27}" type="presParOf" srcId="{93CF903F-AD54-4609-B869-4583256B2C94}" destId="{2D829781-25F9-4512-A7FA-F99DD7CA1273}" srcOrd="0" destOrd="0" presId="urn:microsoft.com/office/officeart/2005/8/layout/process1"/>
     <dgm:cxn modelId="{F3832C25-D7EE-45F0-B7F6-661995C179A1}" type="presParOf" srcId="{88BEC273-4A92-4C51-B415-07FAB56B8400}" destId="{74460C3C-9C46-4B8F-B1D9-2048CEBD839C}" srcOrd="2" destOrd="0" presId="urn:microsoft.com/office/officeart/2005/8/layout/process1"/>
-    <dgm:cxn modelId="{A74680DC-6545-40E0-A110-6850911D7BB9}" type="presParOf" srcId="{88BEC273-4A92-4C51-B415-07FAB56B8400}" destId="{20AA29B1-FD8B-45E7-844F-16086ED2CA69}" srcOrd="3" destOrd="0" presId="urn:microsoft.com/office/officeart/2005/8/layout/process1"/>
-    <dgm:cxn modelId="{0FC234CF-4B67-4E4F-A3D5-FC87F0B013F0}" type="presParOf" srcId="{20AA29B1-FD8B-45E7-844F-16086ED2CA69}" destId="{4081A545-C058-423E-B33D-94C0BF45DC5A}" srcOrd="0" destOrd="0" presId="urn:microsoft.com/office/officeart/2005/8/layout/process1"/>
-    <dgm:cxn modelId="{01491417-6091-4601-8EA9-959FE1FA0F4F}" type="presParOf" srcId="{88BEC273-4A92-4C51-B415-07FAB56B8400}" destId="{8C145A60-7244-451F-A418-08DCB089B20E}" srcOrd="4" destOrd="0" presId="urn:microsoft.com/office/officeart/2005/8/layout/process1"/>
   </dgm:cxnLst>
   <dgm:bg/>
   <dgm:whole/>
@@ -3728,8 +3664,8 @@
       </dsp:nvSpPr>
       <dsp:spPr>
         <a:xfrm>
-          <a:off x="7778" y="852589"/>
-          <a:ext cx="2324876" cy="1394925"/>
+          <a:off x="1400" y="181822"/>
+          <a:ext cx="2987121" cy="1792273"/>
         </a:xfrm>
         <a:prstGeom prst="roundRect">
           <a:avLst>
@@ -3796,8 +3732,8 @@
         </a:p>
       </dsp:txBody>
       <dsp:txXfrm>
-        <a:off x="48634" y="893445"/>
-        <a:ext cx="2243164" cy="1313213"/>
+        <a:off x="53894" y="234316"/>
+        <a:ext cx="2882133" cy="1687285"/>
       </dsp:txXfrm>
     </dsp:sp>
     <dsp:sp modelId="{93CF903F-AD54-4609-B869-4583256B2C94}">
@@ -3807,8 +3743,8 @@
       </dsp:nvSpPr>
       <dsp:spPr>
         <a:xfrm>
-          <a:off x="2565142" y="1261767"/>
-          <a:ext cx="492873" cy="576569"/>
+          <a:off x="3287234" y="707556"/>
+          <a:ext cx="633269" cy="740806"/>
         </a:xfrm>
         <a:prstGeom prst="rightArrow">
           <a:avLst>
@@ -3844,7 +3780,7 @@
         </a:bodyPr>
         <a:lstStyle/>
         <a:p>
-          <a:pPr marL="0" lvl="0" indent="0" algn="ctr" defTabSz="1066800">
+          <a:pPr marL="0" lvl="0" indent="0" algn="ctr" defTabSz="1377950">
             <a:lnSpc>
               <a:spcPct val="90000"/>
             </a:lnSpc>
@@ -3856,12 +3792,12 @@
             </a:spcAft>
             <a:buNone/>
           </a:pPr>
-          <a:endParaRPr lang="en-US" sz="2400" kern="1200"/>
+          <a:endParaRPr lang="en-US" sz="3100" kern="1200"/>
         </a:p>
       </dsp:txBody>
       <dsp:txXfrm>
-        <a:off x="2565142" y="1377081"/>
-        <a:ext cx="345011" cy="345941"/>
+        <a:off x="3287234" y="855717"/>
+        <a:ext cx="443288" cy="444484"/>
       </dsp:txXfrm>
     </dsp:sp>
     <dsp:sp modelId="{74460C3C-9C46-4B8F-B1D9-2048CEBD839C}">
@@ -3871,8 +3807,8 @@
       </dsp:nvSpPr>
       <dsp:spPr>
         <a:xfrm>
-          <a:off x="3262605" y="852589"/>
-          <a:ext cx="2324876" cy="1394925"/>
+          <a:off x="4183371" y="181822"/>
+          <a:ext cx="2987121" cy="1792273"/>
         </a:xfrm>
         <a:prstGeom prst="roundRect">
           <a:avLst>
@@ -3939,152 +3875,8 @@
         </a:p>
       </dsp:txBody>
       <dsp:txXfrm>
-        <a:off x="3303461" y="893445"/>
-        <a:ext cx="2243164" cy="1313213"/>
-      </dsp:txXfrm>
-    </dsp:sp>
-    <dsp:sp modelId="{20AA29B1-FD8B-45E7-844F-16086ED2CA69}">
-      <dsp:nvSpPr>
-        <dsp:cNvPr id="0" name=""/>
-        <dsp:cNvSpPr/>
-      </dsp:nvSpPr>
-      <dsp:spPr>
-        <a:xfrm>
-          <a:off x="5819969" y="1261767"/>
-          <a:ext cx="492873" cy="576569"/>
-        </a:xfrm>
-        <a:prstGeom prst="rightArrow">
-          <a:avLst>
-            <a:gd name="adj1" fmla="val 60000"/>
-            <a:gd name="adj2" fmla="val 50000"/>
-          </a:avLst>
-        </a:prstGeom>
-        <a:solidFill>
-          <a:schemeClr val="tx1"/>
-        </a:solidFill>
-        <a:ln>
-          <a:noFill/>
-        </a:ln>
-        <a:effectLst/>
-      </dsp:spPr>
-      <dsp:style>
-        <a:lnRef idx="0">
-          <a:scrgbClr r="0" g="0" b="0"/>
-        </a:lnRef>
-        <a:fillRef idx="1">
-          <a:scrgbClr r="0" g="0" b="0"/>
-        </a:fillRef>
-        <a:effectRef idx="0">
-          <a:scrgbClr r="0" g="0" b="0"/>
-        </a:effectRef>
-        <a:fontRef idx="minor">
-          <a:schemeClr val="lt1"/>
-        </a:fontRef>
-      </dsp:style>
-      <dsp:txBody>
-        <a:bodyPr spcFirstLastPara="0" vert="horz" wrap="square" lIns="0" tIns="0" rIns="0" bIns="0" numCol="1" spcCol="1270" anchor="ctr" anchorCtr="0">
-          <a:noAutofit/>
-        </a:bodyPr>
-        <a:lstStyle/>
-        <a:p>
-          <a:pPr marL="0" lvl="0" indent="0" algn="ctr" defTabSz="1066800">
-            <a:lnSpc>
-              <a:spcPct val="90000"/>
-            </a:lnSpc>
-            <a:spcBef>
-              <a:spcPct val="0"/>
-            </a:spcBef>
-            <a:spcAft>
-              <a:spcPct val="35000"/>
-            </a:spcAft>
-            <a:buNone/>
-          </a:pPr>
-          <a:endParaRPr lang="en-US" sz="2400" kern="1200"/>
-        </a:p>
-      </dsp:txBody>
-      <dsp:txXfrm>
-        <a:off x="5819969" y="1377081"/>
-        <a:ext cx="345011" cy="345941"/>
-      </dsp:txXfrm>
-    </dsp:sp>
-    <dsp:sp modelId="{8C145A60-7244-451F-A418-08DCB089B20E}">
-      <dsp:nvSpPr>
-        <dsp:cNvPr id="0" name=""/>
-        <dsp:cNvSpPr/>
-      </dsp:nvSpPr>
-      <dsp:spPr>
-        <a:xfrm>
-          <a:off x="6517432" y="852589"/>
-          <a:ext cx="2324876" cy="1394925"/>
-        </a:xfrm>
-        <a:prstGeom prst="roundRect">
-          <a:avLst>
-            <a:gd name="adj" fmla="val 10000"/>
-          </a:avLst>
-        </a:prstGeom>
-        <a:solidFill>
-          <a:schemeClr val="accent1">
-            <a:hueOff val="0"/>
-            <a:satOff val="0"/>
-            <a:lumOff val="0"/>
-            <a:alphaOff val="0"/>
-          </a:schemeClr>
-        </a:solidFill>
-        <a:ln w="19050" cap="rnd" cmpd="sng" algn="ctr">
-          <a:solidFill>
-            <a:schemeClr val="lt1">
-              <a:hueOff val="0"/>
-              <a:satOff val="0"/>
-              <a:lumOff val="0"/>
-              <a:alphaOff val="0"/>
-            </a:schemeClr>
-          </a:solidFill>
-          <a:prstDash val="solid"/>
-        </a:ln>
-        <a:effectLst/>
-      </dsp:spPr>
-      <dsp:style>
-        <a:lnRef idx="2">
-          <a:scrgbClr r="0" g="0" b="0"/>
-        </a:lnRef>
-        <a:fillRef idx="1">
-          <a:scrgbClr r="0" g="0" b="0"/>
-        </a:fillRef>
-        <a:effectRef idx="0">
-          <a:scrgbClr r="0" g="0" b="0"/>
-        </a:effectRef>
-        <a:fontRef idx="minor">
-          <a:schemeClr val="lt1"/>
-        </a:fontRef>
-      </dsp:style>
-      <dsp:txBody>
-        <a:bodyPr spcFirstLastPara="0" vert="horz" wrap="square" lIns="137160" tIns="137160" rIns="137160" bIns="137160" numCol="1" spcCol="1270" anchor="ctr" anchorCtr="0">
-          <a:noAutofit/>
-        </a:bodyPr>
-        <a:lstStyle/>
-        <a:p>
-          <a:pPr marL="0" lvl="0" indent="0" algn="ctr" defTabSz="1600200">
-            <a:lnSpc>
-              <a:spcPct val="90000"/>
-            </a:lnSpc>
-            <a:spcBef>
-              <a:spcPct val="0"/>
-            </a:spcBef>
-            <a:spcAft>
-              <a:spcPct val="35000"/>
-            </a:spcAft>
-            <a:buNone/>
-          </a:pPr>
-          <a:r>
-            <a:rPr lang="en-US" sz="3600" kern="1200" dirty="0" err="1"/>
-            <a:t>MoCA</a:t>
-          </a:r>
-          <a:endParaRPr lang="en-US" sz="3600" kern="1200" dirty="0"/>
-        </a:p>
-      </dsp:txBody>
-      <dsp:txXfrm>
-        <a:off x="6558288" y="893445"/>
-        <a:ext cx="2243164" cy="1313213"/>
+        <a:off x="4235865" y="234316"/>
+        <a:ext cx="2882133" cy="1687285"/>
       </dsp:txXfrm>
     </dsp:sp>
   </dsp:spTree>
@@ -5758,13 +5550,12 @@
           <a:bodyPr/>
           <a:lstStyle/>
           <a:p>
-            <a:r>
-              <a:rPr lang="en-US" sz="1200" dirty="0"/>
-              <a:t>For this study, I was interested </a:t>
-            </a:r>
+            <a:endParaRPr lang="en-US" dirty="0"/>
+          </a:p>
+          <a:p>
             <a:r>
               <a:rPr lang="en-US" dirty="0"/>
-              <a:t>in how healthy aging and mild cognitive impairment associated w/ aging (like mild Alzheimer's) affect task performance</a:t>
+              <a:t>Switch trials that are in a non-predictive sequencing may be cognitively more difficult relative to the alternating runs presentation and therefore more sensitive to cognitive declines. Its expected that overall error rates and reaction times will be greater on the random versus alternating runs switch block.</a:t>
             </a:r>
           </a:p>
           <a:p>
@@ -5773,7 +5564,7 @@
           <a:p>
             <a:r>
               <a:rPr lang="en-US" dirty="0"/>
-              <a:t>Switch trials that are in a non-predictive sequencing may be cognitively more difficult relative to the alternating runs presentation and therefore more sensitive to cognitive declines. Its expected that overall error rates and reaction times will be greater on the random versus alternating runs switch block, with this especially true for older adults.</a:t>
+              <a:t>For this study, I was interested in how healthy aging and mild cognitive impairment associated w/ aging (like mild Alzheimer's) affect task performance</a:t>
             </a:r>
           </a:p>
           <a:p>
@@ -5883,21 +5674,13 @@
           <a:p>
             <a:r>
               <a:rPr lang="en-US" dirty="0"/>
-              <a:t>Participants always completed the pure blocks first before completing the switch blocks.</a:t>
+              <a:t>Four blocks, 2 switch, 2 pure</a:t>
             </a:r>
           </a:p>
           <a:p>
             <a:r>
               <a:rPr lang="en-US" dirty="0"/>
-              <a:t>At the end of the study, subjects completed the Montreal Cognitive Assessment (</a:t>
-            </a:r>
-            <a:r>
-              <a:rPr lang="en-US" dirty="0" err="1"/>
-              <a:t>MoCA</a:t>
-            </a:r>
-            <a:r>
-              <a:rPr lang="en-US" dirty="0"/>
-              <a:t>), which is a dementia screening tool.</a:t>
+              <a:t>Participants always completed the pure blocks first before completing the switch blocks.</a:t>
             </a:r>
           </a:p>
           <a:p>
@@ -6096,13 +5879,8 @@
           <a:p>
             <a:r>
               <a:rPr lang="en-US" dirty="0"/>
-              <a:t>Older adults also take more time to respond across trial types relative to </a:t>
+              <a:t>Older adults also take more time to respond across trial types relative to younger adults.</a:t>
             </a:r>
-            <a:r>
-              <a:rPr lang="en-US"/>
-              <a:t>younger adults.</a:t>
-            </a:r>
-            <a:endParaRPr lang="en-US" dirty="0"/>
           </a:p>
           <a:p>
             <a:endParaRPr lang="en-US" dirty="0"/>
@@ -6701,7 +6479,7 @@
             </a:ln>
             <a:extLst>
               <a:ext uri="{91240B29-F687-4f45-9708-019B960494DF}">
-                <a14:hiddenLine xmlns="" xmlns:a14="http://schemas.microsoft.com/office/drawing/2010/main" w="9525">
+                <a14:hiddenLine xmlns:a14="http://schemas.microsoft.com/office/drawing/2010/main" xmlns="" w="9525">
                   <a:solidFill>
                     <a:srgbClr val="000000"/>
                   </a:solidFill>
@@ -7800,7 +7578,7 @@
             </a:ln>
             <a:extLst>
               <a:ext uri="{91240B29-F687-4f45-9708-019B960494DF}">
-                <a14:hiddenLine xmlns="" xmlns:a14="http://schemas.microsoft.com/office/drawing/2010/main" w="9525">
+                <a14:hiddenLine xmlns:a14="http://schemas.microsoft.com/office/drawing/2010/main" xmlns="" w="9525">
                   <a:solidFill>
                     <a:srgbClr val="000000"/>
                   </a:solidFill>
@@ -8898,7 +8676,7 @@
             </a:ln>
             <a:extLst>
               <a:ext uri="{91240B29-F687-4f45-9708-019B960494DF}">
-                <a14:hiddenLine xmlns="" xmlns:a14="http://schemas.microsoft.com/office/drawing/2010/main" w="9525">
+                <a14:hiddenLine xmlns:a14="http://schemas.microsoft.com/office/drawing/2010/main" xmlns="" w="9525">
                   <a:solidFill>
                     <a:srgbClr val="000000"/>
                   </a:solidFill>
@@ -9874,7 +9652,7 @@
             </a:ln>
             <a:extLst>
               <a:ext uri="{91240B29-F687-4f45-9708-019B960494DF}">
-                <a14:hiddenLine xmlns="" xmlns:a14="http://schemas.microsoft.com/office/drawing/2010/main" w="9525">
+                <a14:hiddenLine xmlns:a14="http://schemas.microsoft.com/office/drawing/2010/main" xmlns="" w="9525">
                   <a:solidFill>
                     <a:srgbClr val="000000"/>
                   </a:solidFill>
@@ -11008,7 +10786,7 @@
             </a:ln>
             <a:extLst>
               <a:ext uri="{91240B29-F687-4f45-9708-019B960494DF}">
-                <a14:hiddenLine xmlns="" xmlns:a14="http://schemas.microsoft.com/office/drawing/2010/main" w="9525">
+                <a14:hiddenLine xmlns:a14="http://schemas.microsoft.com/office/drawing/2010/main" xmlns="" w="9525">
                   <a:solidFill>
                     <a:srgbClr val="000000"/>
                   </a:solidFill>
@@ -13749,7 +13527,7 @@
             </a:ln>
             <a:extLst>
               <a:ext uri="{91240B29-F687-4f45-9708-019B960494DF}">
-                <a14:hiddenLine xmlns="" xmlns:a14="http://schemas.microsoft.com/office/drawing/2010/main" w="9525">
+                <a14:hiddenLine xmlns:a14="http://schemas.microsoft.com/office/drawing/2010/main" xmlns="" w="9525">
                   <a:solidFill>
                     <a:srgbClr val="000000"/>
                   </a:solidFill>
@@ -14937,7 +14715,7 @@
             </a:ln>
             <a:extLst>
               <a:ext uri="{91240B29-F687-4f45-9708-019B960494DF}">
-                <a14:hiddenLine xmlns="" xmlns:a14="http://schemas.microsoft.com/office/drawing/2010/main" w="9525">
+                <a14:hiddenLine xmlns:a14="http://schemas.microsoft.com/office/drawing/2010/main" xmlns="" w="9525">
                   <a:solidFill>
                     <a:srgbClr val="000000"/>
                   </a:solidFill>
@@ -16955,7 +16733,7 @@
             </a:ln>
             <a:extLst>
               <a:ext uri="{91240B29-F687-4f45-9708-019B960494DF}">
-                <a14:hiddenLine xmlns="" xmlns:a14="http://schemas.microsoft.com/office/drawing/2010/main" w="9525">
+                <a14:hiddenLine xmlns:a14="http://schemas.microsoft.com/office/drawing/2010/main" xmlns="" w="9525">
                   <a:solidFill>
                     <a:srgbClr val="000000"/>
                   </a:solidFill>
@@ -18025,7 +17803,7 @@
             </a:ln>
             <a:extLst>
               <a:ext uri="{91240B29-F687-4f45-9708-019B960494DF}">
-                <a14:hiddenLine xmlns="" xmlns:a14="http://schemas.microsoft.com/office/drawing/2010/main" w="9525">
+                <a14:hiddenLine xmlns:a14="http://schemas.microsoft.com/office/drawing/2010/main" xmlns="" w="9525">
                   <a:solidFill>
                     <a:srgbClr val="000000"/>
                   </a:solidFill>
@@ -19087,7 +18865,7 @@
             </a:ln>
             <a:extLst>
               <a:ext uri="{91240B29-F687-4f45-9708-019B960494DF}">
-                <a14:hiddenLine xmlns="" xmlns:a14="http://schemas.microsoft.com/office/drawing/2010/main" w="9525">
+                <a14:hiddenLine xmlns:a14="http://schemas.microsoft.com/office/drawing/2010/main" xmlns="" w="9525">
                   <a:solidFill>
                     <a:srgbClr val="000000"/>
                   </a:solidFill>
@@ -20348,14 +20126,14 @@
           <p:nvPr>
             <p:extLst>
               <p:ext uri="{D42A27DB-BD31-4B8C-83A1-F6EECF244321}">
-                <p14:modId xmlns:p14="http://schemas.microsoft.com/office/powerpoint/2010/main" val="2216801918"/>
+                <p14:modId xmlns:p14="http://schemas.microsoft.com/office/powerpoint/2010/main" val="3069730656"/>
               </p:ext>
             </p:extLst>
           </p:nvPr>
         </p:nvGraphicFramePr>
         <p:xfrm>
-          <a:off x="100275" y="3653758"/>
-          <a:ext cx="8850087" cy="3100104"/>
+          <a:off x="866440" y="4336473"/>
+          <a:ext cx="7171894" cy="2155919"/>
         </p:xfrm>
         <a:graphic>
           <a:graphicData uri="http://schemas.openxmlformats.org/drawingml/2006/diagram">
@@ -20880,12 +20658,8 @@
           <a:lstStyle/>
           <a:p>
             <a:r>
-              <a:rPr lang="en-US"/>
-              <a:t>Limitations </a:t>
-            </a:r>
-            <a:r>
               <a:rPr lang="en-US" dirty="0"/>
-              <a:t>&amp; Future Directions</a:t>
+              <a:t>Limitations &amp; Future Directions</a:t>
             </a:r>
           </a:p>
         </p:txBody>
